--- a/from spageti to reactive.pptx
+++ b/from spageti to reactive.pptx
@@ -30,6 +30,7 @@
     <p:sldId id="275" r:id="rId24"/>
     <p:sldId id="276" r:id="rId25"/>
     <p:sldId id="277" r:id="rId26"/>
+    <p:sldId id="278" r:id="rId27"/>
   </p:sldIdLst>
   <p:sldSz cy="5143500" cx="9144000"/>
   <p:notesSz cx="6858000" cy="9144000"/>
@@ -321,7 +322,7 @@
           </a:ln>
         </p:spPr>
         <p:txBody>
-          <a:bodyPr anchorCtr="0" anchor="t" bIns="91425" lIns="91425" rIns="91425" tIns="91425"/>
+          <a:bodyPr anchorCtr="0" anchor="t" bIns="91425" lIns="91425" rIns="91425" wrap="square" tIns="91425"/>
           <a:lstStyle>
             <a:lvl1pPr lvl="0">
               <a:spcBef>
@@ -474,7 +475,7 @@
           </a:prstGeom>
         </p:spPr>
         <p:txBody>
-          <a:bodyPr anchorCtr="0" anchor="t" bIns="91425" lIns="91425" rIns="91425" tIns="91425">
+          <a:bodyPr anchorCtr="0" anchor="t" bIns="91425" lIns="91425" rIns="91425" wrap="square" tIns="91425">
             <a:noAutofit/>
           </a:bodyPr>
           <a:lstStyle/>
@@ -505,7 +506,7 @@
   <p:cSld>
     <p:spTree>
       <p:nvGrpSpPr>
-        <p:cNvPr id="109" name="Shape 109"/>
+        <p:cNvPr id="113" name="Shape 113"/>
         <p:cNvGrpSpPr/>
         <p:nvPr/>
       </p:nvGrpSpPr>
@@ -519,7 +520,7 @@
       </p:grpSpPr>
       <p:sp>
         <p:nvSpPr>
-          <p:cNvPr id="110" name="Shape 110"/>
+          <p:cNvPr id="114" name="Shape 114"/>
           <p:cNvSpPr/>
           <p:nvPr>
             <p:ph idx="2" type="sldImg"/>
@@ -553,7 +554,7 @@
       </p:sp>
       <p:sp>
         <p:nvSpPr>
-          <p:cNvPr id="111" name="Shape 111"/>
+          <p:cNvPr id="115" name="Shape 115"/>
           <p:cNvSpPr txBox="1"/>
           <p:nvPr>
             <p:ph idx="1" type="body"/>
@@ -569,7 +570,7 @@
           </a:prstGeom>
         </p:spPr>
         <p:txBody>
-          <a:bodyPr anchorCtr="0" anchor="t" bIns="91425" lIns="91425" rIns="91425" tIns="91425">
+          <a:bodyPr anchorCtr="0" anchor="t" bIns="91425" lIns="91425" rIns="91425" wrap="square" tIns="91425">
             <a:noAutofit/>
           </a:bodyPr>
           <a:lstStyle/>
@@ -945,295 +946,6 @@
             <a:r>
               <a:rPr lang="en"/>
               <a:t>    }</a:t>
-            </a:r>
-          </a:p>
-          <a:p>
-            <a:pPr lvl="0">
-              <a:spcBef>
-                <a:spcPts val="0"/>
-              </a:spcBef>
-              <a:buClr>
-                <a:schemeClr val="dk1"/>
-              </a:buClr>
-              <a:buSzPct val="100000"/>
-              <a:buFont typeface="Arial"/>
-              <a:buNone/>
-            </a:pPr>
-            <a:r>
-              <a:t/>
-            </a:r>
-            <a:endParaRPr/>
-          </a:p>
-          <a:p>
-            <a:pPr lvl="0">
-              <a:spcBef>
-                <a:spcPts val="0"/>
-              </a:spcBef>
-              <a:buClr>
-                <a:schemeClr val="dk1"/>
-              </a:buClr>
-              <a:buSzPct val="100000"/>
-              <a:buFont typeface="Arial"/>
-              <a:buNone/>
-            </a:pPr>
-            <a:r>
-              <a:rPr lang="en"/>
-              <a:t>const counters = document.querySelctor('.counter');</a:t>
-            </a:r>
-          </a:p>
-          <a:p>
-            <a:pPr lvl="0">
-              <a:spcBef>
-                <a:spcPts val="0"/>
-              </a:spcBef>
-              <a:buClr>
-                <a:schemeClr val="dk1"/>
-              </a:buClr>
-              <a:buSzPct val="100000"/>
-              <a:buFont typeface="Arial"/>
-              <a:buNone/>
-            </a:pPr>
-            <a:r>
-              <a:rPr lang="en"/>
-              <a:t>const counter1 = new Box({selector: counter[0]})</a:t>
-            </a:r>
-          </a:p>
-          <a:p>
-            <a:pPr lvl="0">
-              <a:spcBef>
-                <a:spcPts val="0"/>
-              </a:spcBef>
-              <a:buClr>
-                <a:schemeClr val="dk1"/>
-              </a:buClr>
-              <a:buSzPct val="100000"/>
-              <a:buFont typeface="Arial"/>
-              <a:buNone/>
-            </a:pPr>
-            <a:r>
-              <a:rPr lang="en"/>
-              <a:t>const counter2 = new Box({selector: counter[1]})</a:t>
-            </a:r>
-          </a:p>
-          <a:p>
-            <a:pPr lvl="0">
-              <a:spcBef>
-                <a:spcPts val="0"/>
-              </a:spcBef>
-              <a:buClr>
-                <a:schemeClr val="dk1"/>
-              </a:buClr>
-              <a:buSzPct val="100000"/>
-              <a:buFont typeface="Arial"/>
-              <a:buNone/>
-            </a:pPr>
-            <a:r>
-              <a:rPr lang="en"/>
-              <a:t>const counter3 = new Box({selector: counter[2]})</a:t>
-            </a:r>
-          </a:p>
-          <a:p>
-            <a:pPr lvl="0">
-              <a:spcBef>
-                <a:spcPts val="0"/>
-              </a:spcBef>
-              <a:buClr>
-                <a:schemeClr val="dk1"/>
-              </a:buClr>
-              <a:buSzPct val="100000"/>
-              <a:buFont typeface="Arial"/>
-              <a:buNone/>
-            </a:pPr>
-            <a:r>
-              <a:t/>
-            </a:r>
-            <a:endParaRPr/>
-          </a:p>
-          <a:p>
-            <a:pPr lvl="0">
-              <a:spcBef>
-                <a:spcPts val="0"/>
-              </a:spcBef>
-              <a:buClr>
-                <a:schemeClr val="dk1"/>
-              </a:buClr>
-              <a:buSzPct val="100000"/>
-              <a:buFont typeface="Arial"/>
-              <a:buNone/>
-            </a:pPr>
-            <a:r>
-              <a:rPr lang="en"/>
-              <a:t>$('.increment').on('click',()=&gt;{</a:t>
-            </a:r>
-          </a:p>
-          <a:p>
-            <a:pPr lvl="0">
-              <a:spcBef>
-                <a:spcPts val="0"/>
-              </a:spcBef>
-              <a:buClr>
-                <a:schemeClr val="dk1"/>
-              </a:buClr>
-              <a:buSzPct val="100000"/>
-              <a:buFont typeface="Arial"/>
-              <a:buNone/>
-            </a:pPr>
-            <a:r>
-              <a:rPr lang="en"/>
-              <a:t>  counter1.increment();</a:t>
-            </a:r>
-          </a:p>
-          <a:p>
-            <a:pPr lvl="0">
-              <a:spcBef>
-                <a:spcPts val="0"/>
-              </a:spcBef>
-              <a:buClr>
-                <a:schemeClr val="dk1"/>
-              </a:buClr>
-              <a:buSzPct val="100000"/>
-              <a:buFont typeface="Arial"/>
-              <a:buNone/>
-            </a:pPr>
-            <a:r>
-              <a:rPr lang="en"/>
-              <a:t>  counter2.increment();</a:t>
-            </a:r>
-          </a:p>
-          <a:p>
-            <a:pPr lvl="0">
-              <a:spcBef>
-                <a:spcPts val="0"/>
-              </a:spcBef>
-              <a:buClr>
-                <a:schemeClr val="dk1"/>
-              </a:buClr>
-              <a:buSzPct val="100000"/>
-              <a:buFont typeface="Arial"/>
-              <a:buNone/>
-            </a:pPr>
-            <a:r>
-              <a:rPr lang="en"/>
-              <a:t>  counter3.increment();</a:t>
-            </a:r>
-          </a:p>
-          <a:p>
-            <a:pPr lvl="0">
-              <a:spcBef>
-                <a:spcPts val="0"/>
-              </a:spcBef>
-              <a:buClr>
-                <a:schemeClr val="dk1"/>
-              </a:buClr>
-              <a:buSzPct val="100000"/>
-              <a:buFont typeface="Arial"/>
-              <a:buNone/>
-            </a:pPr>
-            <a:r>
-              <a:rPr lang="en"/>
-              <a:t>})</a:t>
-            </a:r>
-          </a:p>
-          <a:p>
-            <a:pPr lvl="0">
-              <a:spcBef>
-                <a:spcPts val="0"/>
-              </a:spcBef>
-              <a:buClr>
-                <a:schemeClr val="dk1"/>
-              </a:buClr>
-              <a:buSzPct val="100000"/>
-              <a:buFont typeface="Arial"/>
-              <a:buNone/>
-            </a:pPr>
-            <a:r>
-              <a:t/>
-            </a:r>
-            <a:endParaRPr/>
-          </a:p>
-          <a:p>
-            <a:pPr lvl="0">
-              <a:spcBef>
-                <a:spcPts val="0"/>
-              </a:spcBef>
-              <a:buClr>
-                <a:schemeClr val="dk1"/>
-              </a:buClr>
-              <a:buSzPct val="100000"/>
-              <a:buFont typeface="Arial"/>
-              <a:buNone/>
-            </a:pPr>
-            <a:r>
-              <a:rPr lang="en"/>
-              <a:t>$('.dencrement').on('click',()=&gt;{</a:t>
-            </a:r>
-          </a:p>
-          <a:p>
-            <a:pPr lvl="0">
-              <a:spcBef>
-                <a:spcPts val="0"/>
-              </a:spcBef>
-              <a:buClr>
-                <a:schemeClr val="dk1"/>
-              </a:buClr>
-              <a:buSzPct val="100000"/>
-              <a:buFont typeface="Arial"/>
-              <a:buNone/>
-            </a:pPr>
-            <a:r>
-              <a:rPr lang="en"/>
-              <a:t>  counter1.dencrement();</a:t>
-            </a:r>
-          </a:p>
-          <a:p>
-            <a:pPr lvl="0">
-              <a:spcBef>
-                <a:spcPts val="0"/>
-              </a:spcBef>
-              <a:buClr>
-                <a:schemeClr val="dk1"/>
-              </a:buClr>
-              <a:buSzPct val="100000"/>
-              <a:buFont typeface="Arial"/>
-              <a:buNone/>
-            </a:pPr>
-            <a:r>
-              <a:rPr lang="en"/>
-              <a:t>  counter2.dencrement();</a:t>
-            </a:r>
-          </a:p>
-          <a:p>
-            <a:pPr lvl="0">
-              <a:spcBef>
-                <a:spcPts val="0"/>
-              </a:spcBef>
-              <a:buClr>
-                <a:schemeClr val="dk1"/>
-              </a:buClr>
-              <a:buSzPct val="100000"/>
-              <a:buFont typeface="Arial"/>
-              <a:buNone/>
-            </a:pPr>
-            <a:r>
-              <a:rPr lang="en"/>
-              <a:t>  counter3.dencrement();</a:t>
-            </a:r>
-          </a:p>
-          <a:p>
-            <a:pPr lvl="0">
-              <a:spcBef>
-                <a:spcPts val="0"/>
-              </a:spcBef>
-              <a:buClr>
-                <a:schemeClr val="dk1"/>
-              </a:buClr>
-              <a:buSzPct val="100000"/>
-              <a:buFont typeface="Arial"/>
-              <a:buNone/>
-            </a:pPr>
-            <a:r>
-              <a:rPr lang="en"/>
-              <a:t>})</a:t>
             </a:r>
           </a:p>
           <a:p>
@@ -1263,7 +975,7 @@
   <p:cSld>
     <p:spTree>
       <p:nvGrpSpPr>
-        <p:cNvPr id="115" name="Shape 115"/>
+        <p:cNvPr id="119" name="Shape 119"/>
         <p:cNvGrpSpPr/>
         <p:nvPr/>
       </p:nvGrpSpPr>
@@ -1277,7 +989,7 @@
       </p:grpSpPr>
       <p:sp>
         <p:nvSpPr>
-          <p:cNvPr id="116" name="Shape 116"/>
+          <p:cNvPr id="120" name="Shape 120"/>
           <p:cNvSpPr/>
           <p:nvPr>
             <p:ph idx="2" type="sldImg"/>
@@ -1311,7 +1023,7 @@
       </p:sp>
       <p:sp>
         <p:nvSpPr>
-          <p:cNvPr id="117" name="Shape 117"/>
+          <p:cNvPr id="121" name="Shape 121"/>
           <p:cNvSpPr txBox="1"/>
           <p:nvPr>
             <p:ph idx="1" type="body"/>
@@ -1327,10 +1039,673 @@
           </a:prstGeom>
         </p:spPr>
         <p:txBody>
-          <a:bodyPr anchorCtr="0" anchor="t" bIns="91425" lIns="91425" rIns="91425" tIns="91425">
+          <a:bodyPr anchorCtr="0" anchor="t" bIns="91425" lIns="91425" rIns="91425" wrap="square" tIns="91425">
             <a:noAutofit/>
           </a:bodyPr>
           <a:lstStyle/>
+          <a:p>
+            <a:pPr lvl="0">
+              <a:spcBef>
+                <a:spcPts val="0"/>
+              </a:spcBef>
+              <a:buClr>
+                <a:schemeClr val="dk1"/>
+              </a:buClr>
+              <a:buSzPct val="100000"/>
+              <a:buFont typeface="Arial"/>
+              <a:buNone/>
+            </a:pPr>
+            <a:r>
+              <a:rPr lang="en"/>
+              <a:t>// airbnb best practice for arguments</a:t>
+            </a:r>
+          </a:p>
+          <a:p>
+            <a:pPr lvl="0">
+              <a:spcBef>
+                <a:spcPts val="0"/>
+              </a:spcBef>
+              <a:buClr>
+                <a:schemeClr val="dk1"/>
+              </a:buClr>
+              <a:buSzPct val="100000"/>
+              <a:buFont typeface="Arial"/>
+              <a:buNone/>
+            </a:pPr>
+            <a:r>
+              <a:rPr lang="en"/>
+              <a:t>function Box({dom}) {</a:t>
+            </a:r>
+          </a:p>
+          <a:p>
+            <a:pPr lvl="0">
+              <a:spcBef>
+                <a:spcPts val="0"/>
+              </a:spcBef>
+              <a:buClr>
+                <a:schemeClr val="dk1"/>
+              </a:buClr>
+              <a:buSzPct val="100000"/>
+              <a:buFont typeface="Arial"/>
+              <a:buNone/>
+            </a:pPr>
+            <a:r>
+              <a:rPr lang="en"/>
+              <a:t>       /* private vars*/</a:t>
+            </a:r>
+          </a:p>
+          <a:p>
+            <a:pPr lvl="0">
+              <a:spcBef>
+                <a:spcPts val="0"/>
+              </a:spcBef>
+              <a:buClr>
+                <a:schemeClr val="dk1"/>
+              </a:buClr>
+              <a:buSzPct val="100000"/>
+              <a:buFont typeface="Arial"/>
+              <a:buNone/>
+            </a:pPr>
+            <a:r>
+              <a:rPr lang="en"/>
+              <a:t>        const input = dom.querySelector('input');</a:t>
+            </a:r>
+          </a:p>
+          <a:p>
+            <a:pPr lvl="0">
+              <a:spcBef>
+                <a:spcPts val="0"/>
+              </a:spcBef>
+              <a:buClr>
+                <a:schemeClr val="dk1"/>
+              </a:buClr>
+              <a:buSzPct val="100000"/>
+              <a:buFont typeface="Arial"/>
+              <a:buNone/>
+            </a:pPr>
+            <a:r>
+              <a:rPr lang="en"/>
+              <a:t>        let counter = 0;</a:t>
+            </a:r>
+          </a:p>
+          <a:p>
+            <a:pPr lvl="0">
+              <a:spcBef>
+                <a:spcPts val="0"/>
+              </a:spcBef>
+              <a:buClr>
+                <a:schemeClr val="dk1"/>
+              </a:buClr>
+              <a:buSzPct val="100000"/>
+              <a:buFont typeface="Arial"/>
+              <a:buNone/>
+            </a:pPr>
+            <a:r>
+              <a:rPr lang="en"/>
+              <a:t>        /* private function*/</a:t>
+            </a:r>
+          </a:p>
+          <a:p>
+            <a:pPr lvl="0">
+              <a:spcBef>
+                <a:spcPts val="0"/>
+              </a:spcBef>
+              <a:buClr>
+                <a:schemeClr val="dk1"/>
+              </a:buClr>
+              <a:buSzPct val="100000"/>
+              <a:buFont typeface="Arial"/>
+              <a:buNone/>
+            </a:pPr>
+            <a:r>
+              <a:rPr lang="en"/>
+              <a:t>        function increment(by = 1) {</a:t>
+            </a:r>
+          </a:p>
+          <a:p>
+            <a:pPr lvl="0">
+              <a:spcBef>
+                <a:spcPts val="0"/>
+              </a:spcBef>
+              <a:buClr>
+                <a:schemeClr val="dk1"/>
+              </a:buClr>
+              <a:buSzPct val="100000"/>
+              <a:buFont typeface="Arial"/>
+              <a:buNone/>
+            </a:pPr>
+            <a:r>
+              <a:rPr lang="en"/>
+              <a:t>            const inputValue = +(input.value) || by;</a:t>
+            </a:r>
+          </a:p>
+          <a:p>
+            <a:pPr lvl="0">
+              <a:spcBef>
+                <a:spcPts val="0"/>
+              </a:spcBef>
+              <a:buClr>
+                <a:schemeClr val="dk1"/>
+              </a:buClr>
+              <a:buSzPct val="100000"/>
+              <a:buFont typeface="Arial"/>
+              <a:buNone/>
+            </a:pPr>
+            <a:r>
+              <a:rPr lang="en"/>
+              <a:t>            counter += inputValue;</a:t>
+            </a:r>
+          </a:p>
+          <a:p>
+            <a:pPr lvl="0">
+              <a:spcBef>
+                <a:spcPts val="0"/>
+              </a:spcBef>
+              <a:buClr>
+                <a:schemeClr val="dk1"/>
+              </a:buClr>
+              <a:buSzPct val="100000"/>
+              <a:buFont typeface="Arial"/>
+              <a:buNone/>
+            </a:pPr>
+            <a:r>
+              <a:rPr lang="en"/>
+              <a:t>            dom.innerHTML = counter;</a:t>
+            </a:r>
+          </a:p>
+          <a:p>
+            <a:pPr lvl="0">
+              <a:spcBef>
+                <a:spcPts val="0"/>
+              </a:spcBef>
+              <a:buClr>
+                <a:schemeClr val="dk1"/>
+              </a:buClr>
+              <a:buSzPct val="100000"/>
+              <a:buFont typeface="Arial"/>
+              <a:buNone/>
+            </a:pPr>
+            <a:r>
+              <a:rPr lang="en"/>
+              <a:t>        }</a:t>
+            </a:r>
+          </a:p>
+          <a:p>
+            <a:pPr lvl="0">
+              <a:spcBef>
+                <a:spcPts val="0"/>
+              </a:spcBef>
+              <a:buClr>
+                <a:schemeClr val="dk1"/>
+              </a:buClr>
+              <a:buSzPct val="100000"/>
+              <a:buFont typeface="Arial"/>
+              <a:buNone/>
+            </a:pPr>
+            <a:r>
+              <a:rPr lang="en"/>
+              <a:t>        function decrement(by = 1) {</a:t>
+            </a:r>
+          </a:p>
+          <a:p>
+            <a:pPr lvl="0">
+              <a:spcBef>
+                <a:spcPts val="0"/>
+              </a:spcBef>
+              <a:buClr>
+                <a:schemeClr val="dk1"/>
+              </a:buClr>
+              <a:buSzPct val="100000"/>
+              <a:buFont typeface="Arial"/>
+              <a:buNone/>
+            </a:pPr>
+            <a:r>
+              <a:rPr lang="en"/>
+              <a:t>            const inputValue = +(input.value) || by;</a:t>
+            </a:r>
+          </a:p>
+          <a:p>
+            <a:pPr lvl="0">
+              <a:spcBef>
+                <a:spcPts val="0"/>
+              </a:spcBef>
+              <a:buClr>
+                <a:schemeClr val="dk1"/>
+              </a:buClr>
+              <a:buSzPct val="100000"/>
+              <a:buFont typeface="Arial"/>
+              <a:buNone/>
+            </a:pPr>
+            <a:r>
+              <a:rPr lang="en"/>
+              <a:t>            counter -= inputValue;</a:t>
+            </a:r>
+          </a:p>
+          <a:p>
+            <a:pPr lvl="0">
+              <a:spcBef>
+                <a:spcPts val="0"/>
+              </a:spcBef>
+              <a:buClr>
+                <a:schemeClr val="dk1"/>
+              </a:buClr>
+              <a:buSzPct val="100000"/>
+              <a:buFont typeface="Arial"/>
+              <a:buNone/>
+            </a:pPr>
+            <a:r>
+              <a:rPr lang="en"/>
+              <a:t>            dom.innerHTML = counter;</a:t>
+            </a:r>
+          </a:p>
+          <a:p>
+            <a:pPr lvl="0">
+              <a:spcBef>
+                <a:spcPts val="0"/>
+              </a:spcBef>
+              <a:buClr>
+                <a:schemeClr val="dk1"/>
+              </a:buClr>
+              <a:buSzPct val="100000"/>
+              <a:buFont typeface="Arial"/>
+              <a:buNone/>
+            </a:pPr>
+            <a:r>
+              <a:rPr lang="en"/>
+              <a:t>        }</a:t>
+            </a:r>
+          </a:p>
+          <a:p>
+            <a:pPr lvl="0">
+              <a:spcBef>
+                <a:spcPts val="0"/>
+              </a:spcBef>
+              <a:buClr>
+                <a:schemeClr val="dk1"/>
+              </a:buClr>
+              <a:buSzPct val="100000"/>
+              <a:buFont typeface="Arial"/>
+              <a:buNone/>
+            </a:pPr>
+            <a:r>
+              <a:rPr lang="en"/>
+              <a:t>        /*public functions*/</a:t>
+            </a:r>
+          </a:p>
+          <a:p>
+            <a:pPr lvl="0">
+              <a:spcBef>
+                <a:spcPts val="0"/>
+              </a:spcBef>
+              <a:buClr>
+                <a:schemeClr val="dk1"/>
+              </a:buClr>
+              <a:buSzPct val="100000"/>
+              <a:buFont typeface="Arial"/>
+              <a:buNone/>
+            </a:pPr>
+            <a:r>
+              <a:rPr lang="en"/>
+              <a:t>        return {</a:t>
+            </a:r>
+          </a:p>
+          <a:p>
+            <a:pPr lvl="0">
+              <a:spcBef>
+                <a:spcPts val="0"/>
+              </a:spcBef>
+              <a:buClr>
+                <a:schemeClr val="dk1"/>
+              </a:buClr>
+              <a:buSzPct val="100000"/>
+              <a:buFont typeface="Arial"/>
+              <a:buNone/>
+            </a:pPr>
+            <a:r>
+              <a:rPr lang="en"/>
+              <a:t>            increment,</a:t>
+            </a:r>
+          </a:p>
+          <a:p>
+            <a:pPr lvl="0">
+              <a:spcBef>
+                <a:spcPts val="0"/>
+              </a:spcBef>
+              <a:buClr>
+                <a:schemeClr val="dk1"/>
+              </a:buClr>
+              <a:buSzPct val="100000"/>
+              <a:buFont typeface="Arial"/>
+              <a:buNone/>
+            </a:pPr>
+            <a:r>
+              <a:rPr lang="en"/>
+              <a:t>            decrement</a:t>
+            </a:r>
+          </a:p>
+          <a:p>
+            <a:pPr lvl="0">
+              <a:spcBef>
+                <a:spcPts val="0"/>
+              </a:spcBef>
+              <a:buClr>
+                <a:schemeClr val="dk1"/>
+              </a:buClr>
+              <a:buSzPct val="100000"/>
+              <a:buFont typeface="Arial"/>
+              <a:buNone/>
+            </a:pPr>
+            <a:r>
+              <a:rPr lang="en"/>
+              <a:t>        }</a:t>
+            </a:r>
+          </a:p>
+          <a:p>
+            <a:pPr lvl="0">
+              <a:spcBef>
+                <a:spcPts val="0"/>
+              </a:spcBef>
+              <a:buClr>
+                <a:schemeClr val="dk1"/>
+              </a:buClr>
+              <a:buSzPct val="100000"/>
+              <a:buFont typeface="Arial"/>
+              <a:buNone/>
+            </a:pPr>
+            <a:r>
+              <a:rPr lang="en"/>
+              <a:t>    }</a:t>
+            </a:r>
+          </a:p>
+          <a:p>
+            <a:pPr lvl="0">
+              <a:spcBef>
+                <a:spcPts val="0"/>
+              </a:spcBef>
+              <a:buClr>
+                <a:schemeClr val="dk1"/>
+              </a:buClr>
+              <a:buSzPct val="100000"/>
+              <a:buFont typeface="Arial"/>
+              <a:buNone/>
+            </a:pPr>
+            <a:r>
+              <a:t/>
+            </a:r>
+            <a:endParaRPr/>
+          </a:p>
+          <a:p>
+            <a:pPr lvl="0">
+              <a:spcBef>
+                <a:spcPts val="0"/>
+              </a:spcBef>
+              <a:buClr>
+                <a:schemeClr val="dk1"/>
+              </a:buClr>
+              <a:buSzPct val="100000"/>
+              <a:buFont typeface="Arial"/>
+              <a:buNone/>
+            </a:pPr>
+            <a:r>
+              <a:rPr lang="en"/>
+              <a:t>const counters = document.querySelctor('.counter');</a:t>
+            </a:r>
+          </a:p>
+          <a:p>
+            <a:pPr lvl="0">
+              <a:spcBef>
+                <a:spcPts val="0"/>
+              </a:spcBef>
+              <a:buClr>
+                <a:schemeClr val="dk1"/>
+              </a:buClr>
+              <a:buSzPct val="100000"/>
+              <a:buFont typeface="Arial"/>
+              <a:buNone/>
+            </a:pPr>
+            <a:r>
+              <a:rPr lang="en"/>
+              <a:t>const counter1 = new Box({selector: counter[0]})</a:t>
+            </a:r>
+          </a:p>
+          <a:p>
+            <a:pPr lvl="0">
+              <a:spcBef>
+                <a:spcPts val="0"/>
+              </a:spcBef>
+              <a:buClr>
+                <a:schemeClr val="dk1"/>
+              </a:buClr>
+              <a:buSzPct val="100000"/>
+              <a:buFont typeface="Arial"/>
+              <a:buNone/>
+            </a:pPr>
+            <a:r>
+              <a:rPr lang="en"/>
+              <a:t>const counter2 = new Box({selector: counter[1]})</a:t>
+            </a:r>
+          </a:p>
+          <a:p>
+            <a:pPr lvl="0">
+              <a:spcBef>
+                <a:spcPts val="0"/>
+              </a:spcBef>
+              <a:buClr>
+                <a:schemeClr val="dk1"/>
+              </a:buClr>
+              <a:buSzPct val="100000"/>
+              <a:buFont typeface="Arial"/>
+              <a:buNone/>
+            </a:pPr>
+            <a:r>
+              <a:rPr lang="en"/>
+              <a:t>const counter3 = new Box({selector: counter[2]})</a:t>
+            </a:r>
+          </a:p>
+          <a:p>
+            <a:pPr lvl="0">
+              <a:spcBef>
+                <a:spcPts val="0"/>
+              </a:spcBef>
+              <a:buClr>
+                <a:schemeClr val="dk1"/>
+              </a:buClr>
+              <a:buSzPct val="100000"/>
+              <a:buFont typeface="Arial"/>
+              <a:buNone/>
+            </a:pPr>
+            <a:r>
+              <a:t/>
+            </a:r>
+            <a:endParaRPr/>
+          </a:p>
+          <a:p>
+            <a:pPr lvl="0">
+              <a:spcBef>
+                <a:spcPts val="0"/>
+              </a:spcBef>
+              <a:buClr>
+                <a:schemeClr val="dk1"/>
+              </a:buClr>
+              <a:buSzPct val="100000"/>
+              <a:buFont typeface="Arial"/>
+              <a:buNone/>
+            </a:pPr>
+            <a:r>
+              <a:rPr lang="en"/>
+              <a:t>$('.increment').on('click',()=&gt;{</a:t>
+            </a:r>
+          </a:p>
+          <a:p>
+            <a:pPr lvl="0">
+              <a:spcBef>
+                <a:spcPts val="0"/>
+              </a:spcBef>
+              <a:buClr>
+                <a:schemeClr val="dk1"/>
+              </a:buClr>
+              <a:buSzPct val="100000"/>
+              <a:buFont typeface="Arial"/>
+              <a:buNone/>
+            </a:pPr>
+            <a:r>
+              <a:rPr lang="en"/>
+              <a:t>  counter1.increment();</a:t>
+            </a:r>
+          </a:p>
+          <a:p>
+            <a:pPr lvl="0">
+              <a:spcBef>
+                <a:spcPts val="0"/>
+              </a:spcBef>
+              <a:buClr>
+                <a:schemeClr val="dk1"/>
+              </a:buClr>
+              <a:buSzPct val="100000"/>
+              <a:buFont typeface="Arial"/>
+              <a:buNone/>
+            </a:pPr>
+            <a:r>
+              <a:rPr lang="en"/>
+              <a:t>  counter2.increment();</a:t>
+            </a:r>
+          </a:p>
+          <a:p>
+            <a:pPr lvl="0">
+              <a:spcBef>
+                <a:spcPts val="0"/>
+              </a:spcBef>
+              <a:buClr>
+                <a:schemeClr val="dk1"/>
+              </a:buClr>
+              <a:buSzPct val="100000"/>
+              <a:buFont typeface="Arial"/>
+              <a:buNone/>
+            </a:pPr>
+            <a:r>
+              <a:rPr lang="en"/>
+              <a:t>  counter3.increment();</a:t>
+            </a:r>
+          </a:p>
+          <a:p>
+            <a:pPr lvl="0">
+              <a:spcBef>
+                <a:spcPts val="0"/>
+              </a:spcBef>
+              <a:buClr>
+                <a:schemeClr val="dk1"/>
+              </a:buClr>
+              <a:buSzPct val="100000"/>
+              <a:buFont typeface="Arial"/>
+              <a:buNone/>
+            </a:pPr>
+            <a:r>
+              <a:rPr lang="en"/>
+              <a:t>})</a:t>
+            </a:r>
+          </a:p>
+          <a:p>
+            <a:pPr lvl="0">
+              <a:spcBef>
+                <a:spcPts val="0"/>
+              </a:spcBef>
+              <a:buClr>
+                <a:schemeClr val="dk1"/>
+              </a:buClr>
+              <a:buSzPct val="100000"/>
+              <a:buFont typeface="Arial"/>
+              <a:buNone/>
+            </a:pPr>
+            <a:r>
+              <a:t/>
+            </a:r>
+            <a:endParaRPr/>
+          </a:p>
+          <a:p>
+            <a:pPr lvl="0">
+              <a:spcBef>
+                <a:spcPts val="0"/>
+              </a:spcBef>
+              <a:buClr>
+                <a:schemeClr val="dk1"/>
+              </a:buClr>
+              <a:buSzPct val="100000"/>
+              <a:buFont typeface="Arial"/>
+              <a:buNone/>
+            </a:pPr>
+            <a:r>
+              <a:rPr lang="en"/>
+              <a:t>$('.dencrement').on('click',()=&gt;{</a:t>
+            </a:r>
+          </a:p>
+          <a:p>
+            <a:pPr lvl="0">
+              <a:spcBef>
+                <a:spcPts val="0"/>
+              </a:spcBef>
+              <a:buClr>
+                <a:schemeClr val="dk1"/>
+              </a:buClr>
+              <a:buSzPct val="100000"/>
+              <a:buFont typeface="Arial"/>
+              <a:buNone/>
+            </a:pPr>
+            <a:r>
+              <a:rPr lang="en"/>
+              <a:t>  counter1.dencrement();</a:t>
+            </a:r>
+          </a:p>
+          <a:p>
+            <a:pPr lvl="0">
+              <a:spcBef>
+                <a:spcPts val="0"/>
+              </a:spcBef>
+              <a:buClr>
+                <a:schemeClr val="dk1"/>
+              </a:buClr>
+              <a:buSzPct val="100000"/>
+              <a:buFont typeface="Arial"/>
+              <a:buNone/>
+            </a:pPr>
+            <a:r>
+              <a:rPr lang="en"/>
+              <a:t>  counter2.dencrement();</a:t>
+            </a:r>
+          </a:p>
+          <a:p>
+            <a:pPr lvl="0">
+              <a:spcBef>
+                <a:spcPts val="0"/>
+              </a:spcBef>
+              <a:buClr>
+                <a:schemeClr val="dk1"/>
+              </a:buClr>
+              <a:buSzPct val="100000"/>
+              <a:buFont typeface="Arial"/>
+              <a:buNone/>
+            </a:pPr>
+            <a:r>
+              <a:rPr lang="en"/>
+              <a:t>  counter3.dencrement();</a:t>
+            </a:r>
+          </a:p>
+          <a:p>
+            <a:pPr lvl="0">
+              <a:spcBef>
+                <a:spcPts val="0"/>
+              </a:spcBef>
+              <a:buClr>
+                <a:schemeClr val="dk1"/>
+              </a:buClr>
+              <a:buSzPct val="100000"/>
+              <a:buFont typeface="Arial"/>
+              <a:buNone/>
+            </a:pPr>
+            <a:r>
+              <a:rPr lang="en"/>
+              <a:t>})</a:t>
+            </a:r>
+          </a:p>
           <a:p>
             <a:pPr lvl="0">
               <a:spcBef>
@@ -1358,7 +1733,7 @@
   <p:cSld>
     <p:spTree>
       <p:nvGrpSpPr>
-        <p:cNvPr id="121" name="Shape 121"/>
+        <p:cNvPr id="126" name="Shape 126"/>
         <p:cNvGrpSpPr/>
         <p:nvPr/>
       </p:nvGrpSpPr>
@@ -1372,7 +1747,7 @@
       </p:grpSpPr>
       <p:sp>
         <p:nvSpPr>
-          <p:cNvPr id="122" name="Shape 122"/>
+          <p:cNvPr id="127" name="Shape 127"/>
           <p:cNvSpPr/>
           <p:nvPr>
             <p:ph idx="2" type="sldImg"/>
@@ -1406,7 +1781,7 @@
       </p:sp>
       <p:sp>
         <p:nvSpPr>
-          <p:cNvPr id="123" name="Shape 123"/>
+          <p:cNvPr id="128" name="Shape 128"/>
           <p:cNvSpPr txBox="1"/>
           <p:nvPr>
             <p:ph idx="1" type="body"/>
@@ -1422,7 +1797,7 @@
           </a:prstGeom>
         </p:spPr>
         <p:txBody>
-          <a:bodyPr anchorCtr="0" anchor="t" bIns="91425" lIns="91425" rIns="91425" tIns="91425">
+          <a:bodyPr anchorCtr="0" anchor="t" bIns="91425" lIns="91425" rIns="91425" wrap="square" tIns="91425">
             <a:noAutofit/>
           </a:bodyPr>
           <a:lstStyle/>
@@ -1453,7 +1828,7 @@
   <p:cSld>
     <p:spTree>
       <p:nvGrpSpPr>
-        <p:cNvPr id="128" name="Shape 128"/>
+        <p:cNvPr id="132" name="Shape 132"/>
         <p:cNvGrpSpPr/>
         <p:nvPr/>
       </p:nvGrpSpPr>
@@ -1467,7 +1842,7 @@
       </p:grpSpPr>
       <p:sp>
         <p:nvSpPr>
-          <p:cNvPr id="129" name="Shape 129"/>
+          <p:cNvPr id="133" name="Shape 133"/>
           <p:cNvSpPr/>
           <p:nvPr>
             <p:ph idx="2" type="sldImg"/>
@@ -1501,7 +1876,7 @@
       </p:sp>
       <p:sp>
         <p:nvSpPr>
-          <p:cNvPr id="130" name="Shape 130"/>
+          <p:cNvPr id="134" name="Shape 134"/>
           <p:cNvSpPr txBox="1"/>
           <p:nvPr>
             <p:ph idx="1" type="body"/>
@@ -1517,7 +1892,7 @@
           </a:prstGeom>
         </p:spPr>
         <p:txBody>
-          <a:bodyPr anchorCtr="0" anchor="t" bIns="91425" lIns="91425" rIns="91425" tIns="91425">
+          <a:bodyPr anchorCtr="0" anchor="t" bIns="91425" lIns="91425" rIns="91425" wrap="square" tIns="91425">
             <a:noAutofit/>
           </a:bodyPr>
           <a:lstStyle/>
@@ -1548,7 +1923,7 @@
   <p:cSld>
     <p:spTree>
       <p:nvGrpSpPr>
-        <p:cNvPr id="135" name="Shape 135"/>
+        <p:cNvPr id="139" name="Shape 139"/>
         <p:cNvGrpSpPr/>
         <p:nvPr/>
       </p:nvGrpSpPr>
@@ -1562,7 +1937,7 @@
       </p:grpSpPr>
       <p:sp>
         <p:nvSpPr>
-          <p:cNvPr id="136" name="Shape 136"/>
+          <p:cNvPr id="140" name="Shape 140"/>
           <p:cNvSpPr/>
           <p:nvPr>
             <p:ph idx="2" type="sldImg"/>
@@ -1596,7 +1971,7 @@
       </p:sp>
       <p:sp>
         <p:nvSpPr>
-          <p:cNvPr id="137" name="Shape 137"/>
+          <p:cNvPr id="141" name="Shape 141"/>
           <p:cNvSpPr txBox="1"/>
           <p:nvPr>
             <p:ph idx="1" type="body"/>
@@ -1612,7 +1987,7 @@
           </a:prstGeom>
         </p:spPr>
         <p:txBody>
-          <a:bodyPr anchorCtr="0" anchor="t" bIns="91425" lIns="91425" rIns="91425" tIns="91425">
+          <a:bodyPr anchorCtr="0" anchor="t" bIns="91425" lIns="91425" rIns="91425" wrap="square" tIns="91425">
             <a:noAutofit/>
           </a:bodyPr>
           <a:lstStyle/>
@@ -1643,7 +2018,7 @@
   <p:cSld>
     <p:spTree>
       <p:nvGrpSpPr>
-        <p:cNvPr id="142" name="Shape 142"/>
+        <p:cNvPr id="146" name="Shape 146"/>
         <p:cNvGrpSpPr/>
         <p:nvPr/>
       </p:nvGrpSpPr>
@@ -1657,7 +2032,7 @@
       </p:grpSpPr>
       <p:sp>
         <p:nvSpPr>
-          <p:cNvPr id="143" name="Shape 143"/>
+          <p:cNvPr id="147" name="Shape 147"/>
           <p:cNvSpPr/>
           <p:nvPr>
             <p:ph idx="2" type="sldImg"/>
@@ -1691,7 +2066,7 @@
       </p:sp>
       <p:sp>
         <p:nvSpPr>
-          <p:cNvPr id="144" name="Shape 144"/>
+          <p:cNvPr id="148" name="Shape 148"/>
           <p:cNvSpPr txBox="1"/>
           <p:nvPr>
             <p:ph idx="1" type="body"/>
@@ -1707,7 +2082,7 @@
           </a:prstGeom>
         </p:spPr>
         <p:txBody>
-          <a:bodyPr anchorCtr="0" anchor="t" bIns="91425" lIns="91425" rIns="91425" tIns="91425">
+          <a:bodyPr anchorCtr="0" anchor="t" bIns="91425" lIns="91425" rIns="91425" wrap="square" tIns="91425">
             <a:noAutofit/>
           </a:bodyPr>
           <a:lstStyle/>
@@ -1738,7 +2113,7 @@
   <p:cSld>
     <p:spTree>
       <p:nvGrpSpPr>
-        <p:cNvPr id="148" name="Shape 148"/>
+        <p:cNvPr id="153" name="Shape 153"/>
         <p:cNvGrpSpPr/>
         <p:nvPr/>
       </p:nvGrpSpPr>
@@ -1752,7 +2127,7 @@
       </p:grpSpPr>
       <p:sp>
         <p:nvSpPr>
-          <p:cNvPr id="149" name="Shape 149"/>
+          <p:cNvPr id="154" name="Shape 154"/>
           <p:cNvSpPr/>
           <p:nvPr>
             <p:ph idx="2" type="sldImg"/>
@@ -1786,7 +2161,7 @@
       </p:sp>
       <p:sp>
         <p:nvSpPr>
-          <p:cNvPr id="150" name="Shape 150"/>
+          <p:cNvPr id="155" name="Shape 155"/>
           <p:cNvSpPr txBox="1"/>
           <p:nvPr>
             <p:ph idx="1" type="body"/>
@@ -1802,7 +2177,7 @@
           </a:prstGeom>
         </p:spPr>
         <p:txBody>
-          <a:bodyPr anchorCtr="0" anchor="t" bIns="91425" lIns="91425" rIns="91425" tIns="91425">
+          <a:bodyPr anchorCtr="0" anchor="t" bIns="91425" lIns="91425" rIns="91425" wrap="square" tIns="91425">
             <a:noAutofit/>
           </a:bodyPr>
           <a:lstStyle/>
@@ -1833,7 +2208,7 @@
   <p:cSld>
     <p:spTree>
       <p:nvGrpSpPr>
-        <p:cNvPr id="154" name="Shape 154"/>
+        <p:cNvPr id="159" name="Shape 159"/>
         <p:cNvGrpSpPr/>
         <p:nvPr/>
       </p:nvGrpSpPr>
@@ -1847,7 +2222,7 @@
       </p:grpSpPr>
       <p:sp>
         <p:nvSpPr>
-          <p:cNvPr id="155" name="Shape 155"/>
+          <p:cNvPr id="160" name="Shape 160"/>
           <p:cNvSpPr/>
           <p:nvPr>
             <p:ph idx="2" type="sldImg"/>
@@ -1881,7 +2256,7 @@
       </p:sp>
       <p:sp>
         <p:nvSpPr>
-          <p:cNvPr id="156" name="Shape 156"/>
+          <p:cNvPr id="161" name="Shape 161"/>
           <p:cNvSpPr txBox="1"/>
           <p:nvPr>
             <p:ph idx="1" type="body"/>
@@ -1897,7 +2272,7 @@
           </a:prstGeom>
         </p:spPr>
         <p:txBody>
-          <a:bodyPr anchorCtr="0" anchor="t" bIns="91425" lIns="91425" rIns="91425" tIns="91425">
+          <a:bodyPr anchorCtr="0" anchor="t" bIns="91425" lIns="91425" rIns="91425" wrap="square" tIns="91425">
             <a:noAutofit/>
           </a:bodyPr>
           <a:lstStyle/>
@@ -1928,7 +2303,7 @@
   <p:cSld>
     <p:spTree>
       <p:nvGrpSpPr>
-        <p:cNvPr id="161" name="Shape 161"/>
+        <p:cNvPr id="165" name="Shape 165"/>
         <p:cNvGrpSpPr/>
         <p:nvPr/>
       </p:nvGrpSpPr>
@@ -1942,7 +2317,7 @@
       </p:grpSpPr>
       <p:sp>
         <p:nvSpPr>
-          <p:cNvPr id="162" name="Shape 162"/>
+          <p:cNvPr id="166" name="Shape 166"/>
           <p:cNvSpPr/>
           <p:nvPr>
             <p:ph idx="2" type="sldImg"/>
@@ -1976,7 +2351,7 @@
       </p:sp>
       <p:sp>
         <p:nvSpPr>
-          <p:cNvPr id="163" name="Shape 163"/>
+          <p:cNvPr id="167" name="Shape 167"/>
           <p:cNvSpPr txBox="1"/>
           <p:nvPr>
             <p:ph idx="1" type="body"/>
@@ -1992,7 +2367,7 @@
           </a:prstGeom>
         </p:spPr>
         <p:txBody>
-          <a:bodyPr anchorCtr="0" anchor="t" bIns="91425" lIns="91425" rIns="91425" tIns="91425">
+          <a:bodyPr anchorCtr="0" anchor="t" bIns="91425" lIns="91425" rIns="91425" wrap="square" tIns="91425">
             <a:noAutofit/>
           </a:bodyPr>
           <a:lstStyle/>
@@ -2023,7 +2398,7 @@
   <p:cSld>
     <p:spTree>
       <p:nvGrpSpPr>
-        <p:cNvPr id="168" name="Shape 168"/>
+        <p:cNvPr id="172" name="Shape 172"/>
         <p:cNvGrpSpPr/>
         <p:nvPr/>
       </p:nvGrpSpPr>
@@ -2037,7 +2412,7 @@
       </p:grpSpPr>
       <p:sp>
         <p:nvSpPr>
-          <p:cNvPr id="169" name="Shape 169"/>
+          <p:cNvPr id="173" name="Shape 173"/>
           <p:cNvSpPr/>
           <p:nvPr>
             <p:ph idx="2" type="sldImg"/>
@@ -2071,7 +2446,7 @@
       </p:sp>
       <p:sp>
         <p:nvSpPr>
-          <p:cNvPr id="170" name="Shape 170"/>
+          <p:cNvPr id="174" name="Shape 174"/>
           <p:cNvSpPr txBox="1"/>
           <p:nvPr>
             <p:ph idx="1" type="body"/>
@@ -2087,7 +2462,7 @@
           </a:prstGeom>
         </p:spPr>
         <p:txBody>
-          <a:bodyPr anchorCtr="0" anchor="t" bIns="91425" lIns="91425" rIns="91425" tIns="91425">
+          <a:bodyPr anchorCtr="0" anchor="t" bIns="91425" lIns="91425" rIns="91425" wrap="square" tIns="91425">
             <a:noAutofit/>
           </a:bodyPr>
           <a:lstStyle/>
@@ -2182,7 +2557,7 @@
           </a:prstGeom>
         </p:spPr>
         <p:txBody>
-          <a:bodyPr anchorCtr="0" anchor="t" bIns="91425" lIns="91425" rIns="91425" tIns="91425">
+          <a:bodyPr anchorCtr="0" anchor="t" bIns="91425" lIns="91425" rIns="91425" wrap="square" tIns="91425">
             <a:noAutofit/>
           </a:bodyPr>
           <a:lstStyle/>
@@ -2213,7 +2588,7 @@
   <p:cSld>
     <p:spTree>
       <p:nvGrpSpPr>
-        <p:cNvPr id="176" name="Shape 176"/>
+        <p:cNvPr id="179" name="Shape 179"/>
         <p:cNvGrpSpPr/>
         <p:nvPr/>
       </p:nvGrpSpPr>
@@ -2227,7 +2602,7 @@
       </p:grpSpPr>
       <p:sp>
         <p:nvSpPr>
-          <p:cNvPr id="177" name="Shape 177"/>
+          <p:cNvPr id="180" name="Shape 180"/>
           <p:cNvSpPr/>
           <p:nvPr>
             <p:ph idx="2" type="sldImg"/>
@@ -2261,7 +2636,7 @@
       </p:sp>
       <p:sp>
         <p:nvSpPr>
-          <p:cNvPr id="178" name="Shape 178"/>
+          <p:cNvPr id="181" name="Shape 181"/>
           <p:cNvSpPr txBox="1"/>
           <p:nvPr>
             <p:ph idx="1" type="body"/>
@@ -2277,7 +2652,7 @@
           </a:prstGeom>
         </p:spPr>
         <p:txBody>
-          <a:bodyPr anchorCtr="0" anchor="t" bIns="91425" lIns="91425" rIns="91425" tIns="91425">
+          <a:bodyPr anchorCtr="0" anchor="t" bIns="91425" lIns="91425" rIns="91425" wrap="square" tIns="91425">
             <a:noAutofit/>
           </a:bodyPr>
           <a:lstStyle/>
@@ -2308,7 +2683,7 @@
   <p:cSld>
     <p:spTree>
       <p:nvGrpSpPr>
-        <p:cNvPr id="184" name="Shape 184"/>
+        <p:cNvPr id="187" name="Shape 187"/>
         <p:cNvGrpSpPr/>
         <p:nvPr/>
       </p:nvGrpSpPr>
@@ -2322,7 +2697,7 @@
       </p:grpSpPr>
       <p:sp>
         <p:nvSpPr>
-          <p:cNvPr id="185" name="Shape 185"/>
+          <p:cNvPr id="188" name="Shape 188"/>
           <p:cNvSpPr/>
           <p:nvPr>
             <p:ph idx="2" type="sldImg"/>
@@ -2356,7 +2731,7 @@
       </p:sp>
       <p:sp>
         <p:nvSpPr>
-          <p:cNvPr id="186" name="Shape 186"/>
+          <p:cNvPr id="189" name="Shape 189"/>
           <p:cNvSpPr txBox="1"/>
           <p:nvPr>
             <p:ph idx="1" type="body"/>
@@ -2372,7 +2747,7 @@
           </a:prstGeom>
         </p:spPr>
         <p:txBody>
-          <a:bodyPr anchorCtr="0" anchor="t" bIns="91425" lIns="91425" rIns="91425" tIns="91425">
+          <a:bodyPr anchorCtr="0" anchor="t" bIns="91425" lIns="91425" rIns="91425" wrap="square" tIns="91425">
             <a:noAutofit/>
           </a:bodyPr>
           <a:lstStyle/>
@@ -2403,7 +2778,7 @@
   <p:cSld>
     <p:spTree>
       <p:nvGrpSpPr>
-        <p:cNvPr id="192" name="Shape 192"/>
+        <p:cNvPr id="195" name="Shape 195"/>
         <p:cNvGrpSpPr/>
         <p:nvPr/>
       </p:nvGrpSpPr>
@@ -2417,7 +2792,7 @@
       </p:grpSpPr>
       <p:sp>
         <p:nvSpPr>
-          <p:cNvPr id="193" name="Shape 193"/>
+          <p:cNvPr id="196" name="Shape 196"/>
           <p:cNvSpPr/>
           <p:nvPr>
             <p:ph idx="2" type="sldImg"/>
@@ -2451,7 +2826,7 @@
       </p:sp>
       <p:sp>
         <p:nvSpPr>
-          <p:cNvPr id="194" name="Shape 194"/>
+          <p:cNvPr id="197" name="Shape 197"/>
           <p:cNvSpPr txBox="1"/>
           <p:nvPr>
             <p:ph idx="1" type="body"/>
@@ -2467,7 +2842,7 @@
           </a:prstGeom>
         </p:spPr>
         <p:txBody>
-          <a:bodyPr anchorCtr="0" anchor="t" bIns="91425" lIns="91425" rIns="91425" tIns="91425">
+          <a:bodyPr anchorCtr="0" anchor="t" bIns="91425" lIns="91425" rIns="91425" wrap="square" tIns="91425">
             <a:noAutofit/>
           </a:bodyPr>
           <a:lstStyle/>
@@ -2493,12 +2868,12 @@
 </p:notes>
 </file>
 
-<file path=ppt/notesSlides/notesSlide3.xml><?xml version="1.0" encoding="utf-8"?>
+<file path=ppt/notesSlides/notesSlide23.xml><?xml version="1.0" encoding="utf-8"?>
 <p:notes xmlns:a="http://schemas.openxmlformats.org/drawingml/2006/main" xmlns:r="http://schemas.openxmlformats.org/officeDocument/2006/relationships" xmlns:mc="http://schemas.openxmlformats.org/markup-compatibility/2006" xmlns:mv="urn:schemas-microsoft-com:mac:vml" xmlns:p="http://schemas.openxmlformats.org/presentationml/2006/main" xmlns:c="http://schemas.openxmlformats.org/drawingml/2006/chart" xmlns:dgm="http://schemas.openxmlformats.org/drawingml/2006/diagram" xmlns:o="urn:schemas-microsoft-com:office:office" xmlns:v="urn:schemas-microsoft-com:vml" xmlns:pvml="urn:schemas-microsoft-com:office:powerpoint" xmlns:com="http://schemas.openxmlformats.org/drawingml/2006/compatibility" xmlns:p14="http://schemas.microsoft.com/office/powerpoint/2010/main" xmlns:p15="http://schemas.microsoft.com/office/powerpoint/2012/main" showMasterPhAnim="0" showMasterSp="0">
   <p:cSld>
     <p:spTree>
       <p:nvGrpSpPr>
-        <p:cNvPr id="65" name="Shape 65"/>
+        <p:cNvPr id="203" name="Shape 203"/>
         <p:cNvGrpSpPr/>
         <p:nvPr/>
       </p:nvGrpSpPr>
@@ -2512,7 +2887,7 @@
       </p:grpSpPr>
       <p:sp>
         <p:nvSpPr>
-          <p:cNvPr id="66" name="Shape 66"/>
+          <p:cNvPr id="204" name="Shape 204"/>
           <p:cNvSpPr/>
           <p:nvPr>
             <p:ph idx="2" type="sldImg"/>
@@ -2546,7 +2921,7 @@
       </p:sp>
       <p:sp>
         <p:nvSpPr>
-          <p:cNvPr id="67" name="Shape 67"/>
+          <p:cNvPr id="205" name="Shape 205"/>
           <p:cNvSpPr txBox="1"/>
           <p:nvPr>
             <p:ph idx="1" type="body"/>
@@ -2562,724 +2937,10 @@
           </a:prstGeom>
         </p:spPr>
         <p:txBody>
-          <a:bodyPr anchorCtr="0" anchor="t" bIns="91425" lIns="91425" rIns="91425" tIns="91425">
+          <a:bodyPr anchorCtr="0" anchor="t" bIns="91425" lIns="91425" rIns="91425" wrap="square" tIns="91425">
             <a:noAutofit/>
           </a:bodyPr>
           <a:lstStyle/>
-          <a:p>
-            <a:pPr lvl="0">
-              <a:spcBef>
-                <a:spcPts val="0"/>
-              </a:spcBef>
-              <a:buClr>
-                <a:schemeClr val="dk1"/>
-              </a:buClr>
-              <a:buSzPct val="100000"/>
-              <a:buFont typeface="Arial"/>
-              <a:buNone/>
-            </a:pPr>
-            <a:r>
-              <a:rPr lang="en"/>
-              <a:t>&lt;div&gt;</a:t>
-            </a:r>
-          </a:p>
-          <a:p>
-            <a:pPr lvl="0">
-              <a:spcBef>
-                <a:spcPts val="0"/>
-              </a:spcBef>
-              <a:buClr>
-                <a:schemeClr val="dk1"/>
-              </a:buClr>
-              <a:buSzPct val="100000"/>
-              <a:buFont typeface="Arial"/>
-              <a:buNone/>
-            </a:pPr>
-            <a:r>
-              <a:rPr lang="en"/>
-              <a:t>            &lt;div class="row"&gt;</a:t>
-            </a:r>
-          </a:p>
-          <a:p>
-            <a:pPr lvl="0">
-              <a:spcBef>
-                <a:spcPts val="0"/>
-              </a:spcBef>
-              <a:buClr>
-                <a:schemeClr val="dk1"/>
-              </a:buClr>
-              <a:buSzPct val="100000"/>
-              <a:buFont typeface="Arial"/>
-              <a:buNone/>
-            </a:pPr>
-            <a:r>
-              <a:rPr lang="en"/>
-              <a:t>                &lt;div class="panel panel-default col-lg-4 counter"&gt;</a:t>
-            </a:r>
-          </a:p>
-          <a:p>
-            <a:pPr lvl="0">
-              <a:spcBef>
-                <a:spcPts val="0"/>
-              </a:spcBef>
-              <a:buClr>
-                <a:schemeClr val="dk1"/>
-              </a:buClr>
-              <a:buSzPct val="100000"/>
-              <a:buFont typeface="Arial"/>
-              <a:buNone/>
-            </a:pPr>
-            <a:r>
-              <a:rPr lang="en"/>
-              <a:t>                    &lt;div class="panel-body"&gt;</a:t>
-            </a:r>
-          </a:p>
-          <a:p>
-            <a:pPr lvl="0">
-              <a:spcBef>
-                <a:spcPts val="0"/>
-              </a:spcBef>
-              <a:buClr>
-                <a:schemeClr val="dk1"/>
-              </a:buClr>
-              <a:buSzPct val="100000"/>
-              <a:buFont typeface="Arial"/>
-              <a:buNone/>
-            </a:pPr>
-            <a:r>
-              <a:rPr lang="en"/>
-              <a:t>                        Panel content</a:t>
-            </a:r>
-          </a:p>
-          <a:p>
-            <a:pPr lvl="0">
-              <a:spcBef>
-                <a:spcPts val="0"/>
-              </a:spcBef>
-              <a:buClr>
-                <a:schemeClr val="dk1"/>
-              </a:buClr>
-              <a:buSzPct val="100000"/>
-              <a:buFont typeface="Arial"/>
-              <a:buNone/>
-            </a:pPr>
-            <a:r>
-              <a:rPr lang="en"/>
-              <a:t>                    &lt;/div&gt;</a:t>
-            </a:r>
-          </a:p>
-          <a:p>
-            <a:pPr lvl="0">
-              <a:spcBef>
-                <a:spcPts val="0"/>
-              </a:spcBef>
-              <a:buClr>
-                <a:schemeClr val="dk1"/>
-              </a:buClr>
-              <a:buSzPct val="100000"/>
-              <a:buFont typeface="Arial"/>
-              <a:buNone/>
-            </a:pPr>
-            <a:r>
-              <a:rPr lang="en"/>
-              <a:t>                    &lt;div class="panel-footer"&gt;</a:t>
-            </a:r>
-          </a:p>
-          <a:p>
-            <a:pPr lvl="0">
-              <a:spcBef>
-                <a:spcPts val="0"/>
-              </a:spcBef>
-              <a:buClr>
-                <a:schemeClr val="dk1"/>
-              </a:buClr>
-              <a:buSzPct val="100000"/>
-              <a:buFont typeface="Arial"/>
-              <a:buNone/>
-            </a:pPr>
-            <a:r>
-              <a:rPr lang="en"/>
-              <a:t>                        &lt;div&gt;</a:t>
-            </a:r>
-          </a:p>
-          <a:p>
-            <a:pPr lvl="0">
-              <a:spcBef>
-                <a:spcPts val="0"/>
-              </a:spcBef>
-              <a:buClr>
-                <a:schemeClr val="dk1"/>
-              </a:buClr>
-              <a:buSzPct val="100000"/>
-              <a:buFont typeface="Arial"/>
-              <a:buNone/>
-            </a:pPr>
-            <a:r>
-              <a:rPr lang="en"/>
-              <a:t>                            &lt;label&gt;By How Much?&lt;/label&gt;&lt;input type="number"&gt;</a:t>
-            </a:r>
-          </a:p>
-          <a:p>
-            <a:pPr lvl="0">
-              <a:spcBef>
-                <a:spcPts val="0"/>
-              </a:spcBef>
-              <a:buClr>
-                <a:schemeClr val="dk1"/>
-              </a:buClr>
-              <a:buSzPct val="100000"/>
-              <a:buFont typeface="Arial"/>
-              <a:buNone/>
-            </a:pPr>
-            <a:r>
-              <a:rPr lang="en"/>
-              <a:t>                        &lt;/div&gt;</a:t>
-            </a:r>
-          </a:p>
-          <a:p>
-            <a:pPr lvl="0">
-              <a:spcBef>
-                <a:spcPts val="0"/>
-              </a:spcBef>
-              <a:buClr>
-                <a:schemeClr val="dk1"/>
-              </a:buClr>
-              <a:buSzPct val="100000"/>
-              <a:buFont typeface="Arial"/>
-              <a:buNone/>
-            </a:pPr>
-            <a:r>
-              <a:rPr lang="en"/>
-              <a:t>                        Counter is : &lt;span class="result"&gt;0&lt;/span&gt;</a:t>
-            </a:r>
-          </a:p>
-          <a:p>
-            <a:pPr lvl="0">
-              <a:spcBef>
-                <a:spcPts val="0"/>
-              </a:spcBef>
-              <a:buClr>
-                <a:schemeClr val="dk1"/>
-              </a:buClr>
-              <a:buSzPct val="100000"/>
-              <a:buFont typeface="Arial"/>
-              <a:buNone/>
-            </a:pPr>
-            <a:r>
-              <a:rPr lang="en"/>
-              <a:t>                    &lt;/div&gt;</a:t>
-            </a:r>
-          </a:p>
-          <a:p>
-            <a:pPr lvl="0">
-              <a:spcBef>
-                <a:spcPts val="0"/>
-              </a:spcBef>
-              <a:buClr>
-                <a:schemeClr val="dk1"/>
-              </a:buClr>
-              <a:buSzPct val="100000"/>
-              <a:buFont typeface="Arial"/>
-              <a:buNone/>
-            </a:pPr>
-            <a:r>
-              <a:rPr lang="en"/>
-              <a:t>                &lt;/div&gt;</a:t>
-            </a:r>
-          </a:p>
-          <a:p>
-            <a:pPr lvl="0">
-              <a:spcBef>
-                <a:spcPts val="0"/>
-              </a:spcBef>
-              <a:buClr>
-                <a:schemeClr val="dk1"/>
-              </a:buClr>
-              <a:buSzPct val="100000"/>
-              <a:buFont typeface="Arial"/>
-              <a:buNone/>
-            </a:pPr>
-            <a:r>
-              <a:rPr lang="en"/>
-              <a:t>                &lt;div class="panel panel-default col-lg-4 counter"&gt;</a:t>
-            </a:r>
-          </a:p>
-          <a:p>
-            <a:pPr lvl="0">
-              <a:spcBef>
-                <a:spcPts val="0"/>
-              </a:spcBef>
-              <a:buClr>
-                <a:schemeClr val="dk1"/>
-              </a:buClr>
-              <a:buSzPct val="100000"/>
-              <a:buFont typeface="Arial"/>
-              <a:buNone/>
-            </a:pPr>
-            <a:r>
-              <a:rPr lang="en"/>
-              <a:t>                    &lt;div class="panel-body"&gt;</a:t>
-            </a:r>
-          </a:p>
-          <a:p>
-            <a:pPr lvl="0">
-              <a:spcBef>
-                <a:spcPts val="0"/>
-              </a:spcBef>
-              <a:buClr>
-                <a:schemeClr val="dk1"/>
-              </a:buClr>
-              <a:buSzPct val="100000"/>
-              <a:buFont typeface="Arial"/>
-              <a:buNone/>
-            </a:pPr>
-            <a:r>
-              <a:rPr lang="en"/>
-              <a:t>                        Panel content</a:t>
-            </a:r>
-          </a:p>
-          <a:p>
-            <a:pPr lvl="0">
-              <a:spcBef>
-                <a:spcPts val="0"/>
-              </a:spcBef>
-              <a:buClr>
-                <a:schemeClr val="dk1"/>
-              </a:buClr>
-              <a:buSzPct val="100000"/>
-              <a:buFont typeface="Arial"/>
-              <a:buNone/>
-            </a:pPr>
-            <a:r>
-              <a:rPr lang="en"/>
-              <a:t>                    &lt;/div&gt;</a:t>
-            </a:r>
-          </a:p>
-          <a:p>
-            <a:pPr lvl="0">
-              <a:spcBef>
-                <a:spcPts val="0"/>
-              </a:spcBef>
-              <a:buClr>
-                <a:schemeClr val="dk1"/>
-              </a:buClr>
-              <a:buSzPct val="100000"/>
-              <a:buFont typeface="Arial"/>
-              <a:buNone/>
-            </a:pPr>
-            <a:r>
-              <a:rPr lang="en"/>
-              <a:t>                    &lt;div class="panel-footer"&gt;</a:t>
-            </a:r>
-          </a:p>
-          <a:p>
-            <a:pPr lvl="0">
-              <a:spcBef>
-                <a:spcPts val="0"/>
-              </a:spcBef>
-              <a:buClr>
-                <a:schemeClr val="dk1"/>
-              </a:buClr>
-              <a:buSzPct val="100000"/>
-              <a:buFont typeface="Arial"/>
-              <a:buNone/>
-            </a:pPr>
-            <a:r>
-              <a:rPr lang="en"/>
-              <a:t>                        &lt;div&gt;</a:t>
-            </a:r>
-          </a:p>
-          <a:p>
-            <a:pPr lvl="0">
-              <a:spcBef>
-                <a:spcPts val="0"/>
-              </a:spcBef>
-              <a:buClr>
-                <a:schemeClr val="dk1"/>
-              </a:buClr>
-              <a:buSzPct val="100000"/>
-              <a:buFont typeface="Arial"/>
-              <a:buNone/>
-            </a:pPr>
-            <a:r>
-              <a:rPr lang="en"/>
-              <a:t>                            &lt;label&gt;By How Much?&lt;/label&gt;&lt;input type="number"&gt;</a:t>
-            </a:r>
-          </a:p>
-          <a:p>
-            <a:pPr lvl="0">
-              <a:spcBef>
-                <a:spcPts val="0"/>
-              </a:spcBef>
-              <a:buClr>
-                <a:schemeClr val="dk1"/>
-              </a:buClr>
-              <a:buSzPct val="100000"/>
-              <a:buFont typeface="Arial"/>
-              <a:buNone/>
-            </a:pPr>
-            <a:r>
-              <a:rPr lang="en"/>
-              <a:t>                        &lt;/div&gt;</a:t>
-            </a:r>
-          </a:p>
-          <a:p>
-            <a:pPr lvl="0">
-              <a:spcBef>
-                <a:spcPts val="0"/>
-              </a:spcBef>
-              <a:buClr>
-                <a:schemeClr val="dk1"/>
-              </a:buClr>
-              <a:buSzPct val="100000"/>
-              <a:buFont typeface="Arial"/>
-              <a:buNone/>
-            </a:pPr>
-            <a:r>
-              <a:rPr lang="en"/>
-              <a:t>                        Counter is : &lt;span class="result"&gt;0&lt;/span&gt;</a:t>
-            </a:r>
-          </a:p>
-          <a:p>
-            <a:pPr lvl="0">
-              <a:spcBef>
-                <a:spcPts val="0"/>
-              </a:spcBef>
-              <a:buClr>
-                <a:schemeClr val="dk1"/>
-              </a:buClr>
-              <a:buSzPct val="100000"/>
-              <a:buFont typeface="Arial"/>
-              <a:buNone/>
-            </a:pPr>
-            <a:r>
-              <a:rPr lang="en"/>
-              <a:t>                    &lt;/div&gt;</a:t>
-            </a:r>
-          </a:p>
-          <a:p>
-            <a:pPr lvl="0">
-              <a:spcBef>
-                <a:spcPts val="0"/>
-              </a:spcBef>
-              <a:buClr>
-                <a:schemeClr val="dk1"/>
-              </a:buClr>
-              <a:buSzPct val="100000"/>
-              <a:buFont typeface="Arial"/>
-              <a:buNone/>
-            </a:pPr>
-            <a:r>
-              <a:rPr lang="en"/>
-              <a:t>                &lt;/div&gt;</a:t>
-            </a:r>
-          </a:p>
-          <a:p>
-            <a:pPr lvl="0">
-              <a:spcBef>
-                <a:spcPts val="0"/>
-              </a:spcBef>
-              <a:buClr>
-                <a:schemeClr val="dk1"/>
-              </a:buClr>
-              <a:buSzPct val="100000"/>
-              <a:buFont typeface="Arial"/>
-              <a:buNone/>
-            </a:pPr>
-            <a:r>
-              <a:rPr lang="en"/>
-              <a:t>                &lt;div class="panel panel-default col-lg-4 counter"&gt;</a:t>
-            </a:r>
-          </a:p>
-          <a:p>
-            <a:pPr lvl="0">
-              <a:spcBef>
-                <a:spcPts val="0"/>
-              </a:spcBef>
-              <a:buClr>
-                <a:schemeClr val="dk1"/>
-              </a:buClr>
-              <a:buSzPct val="100000"/>
-              <a:buFont typeface="Arial"/>
-              <a:buNone/>
-            </a:pPr>
-            <a:r>
-              <a:rPr lang="en"/>
-              <a:t>                    &lt;div class="panel-body"&gt;</a:t>
-            </a:r>
-          </a:p>
-          <a:p>
-            <a:pPr lvl="0">
-              <a:spcBef>
-                <a:spcPts val="0"/>
-              </a:spcBef>
-              <a:buClr>
-                <a:schemeClr val="dk1"/>
-              </a:buClr>
-              <a:buSzPct val="100000"/>
-              <a:buFont typeface="Arial"/>
-              <a:buNone/>
-            </a:pPr>
-            <a:r>
-              <a:rPr lang="en"/>
-              <a:t>                        Panel content</a:t>
-            </a:r>
-          </a:p>
-          <a:p>
-            <a:pPr lvl="0">
-              <a:spcBef>
-                <a:spcPts val="0"/>
-              </a:spcBef>
-              <a:buClr>
-                <a:schemeClr val="dk1"/>
-              </a:buClr>
-              <a:buSzPct val="100000"/>
-              <a:buFont typeface="Arial"/>
-              <a:buNone/>
-            </a:pPr>
-            <a:r>
-              <a:rPr lang="en"/>
-              <a:t>                    &lt;/div&gt;</a:t>
-            </a:r>
-          </a:p>
-          <a:p>
-            <a:pPr lvl="0">
-              <a:spcBef>
-                <a:spcPts val="0"/>
-              </a:spcBef>
-              <a:buClr>
-                <a:schemeClr val="dk1"/>
-              </a:buClr>
-              <a:buSzPct val="100000"/>
-              <a:buFont typeface="Arial"/>
-              <a:buNone/>
-            </a:pPr>
-            <a:r>
-              <a:rPr lang="en"/>
-              <a:t>                    &lt;div class="panel-footer"&gt;</a:t>
-            </a:r>
-          </a:p>
-          <a:p>
-            <a:pPr lvl="0">
-              <a:spcBef>
-                <a:spcPts val="0"/>
-              </a:spcBef>
-              <a:buClr>
-                <a:schemeClr val="dk1"/>
-              </a:buClr>
-              <a:buSzPct val="100000"/>
-              <a:buFont typeface="Arial"/>
-              <a:buNone/>
-            </a:pPr>
-            <a:r>
-              <a:rPr lang="en"/>
-              <a:t>                        &lt;div&gt;</a:t>
-            </a:r>
-          </a:p>
-          <a:p>
-            <a:pPr lvl="0">
-              <a:spcBef>
-                <a:spcPts val="0"/>
-              </a:spcBef>
-              <a:buClr>
-                <a:schemeClr val="dk1"/>
-              </a:buClr>
-              <a:buSzPct val="100000"/>
-              <a:buFont typeface="Arial"/>
-              <a:buNone/>
-            </a:pPr>
-            <a:r>
-              <a:rPr lang="en"/>
-              <a:t>                            &lt;label&gt;By How Much?&lt;/label&gt;&lt;input type="number"&gt;</a:t>
-            </a:r>
-          </a:p>
-          <a:p>
-            <a:pPr lvl="0">
-              <a:spcBef>
-                <a:spcPts val="0"/>
-              </a:spcBef>
-              <a:buClr>
-                <a:schemeClr val="dk1"/>
-              </a:buClr>
-              <a:buSzPct val="100000"/>
-              <a:buFont typeface="Arial"/>
-              <a:buNone/>
-            </a:pPr>
-            <a:r>
-              <a:rPr lang="en"/>
-              <a:t>                        &lt;/div&gt;</a:t>
-            </a:r>
-          </a:p>
-          <a:p>
-            <a:pPr lvl="0">
-              <a:spcBef>
-                <a:spcPts val="0"/>
-              </a:spcBef>
-              <a:buClr>
-                <a:schemeClr val="dk1"/>
-              </a:buClr>
-              <a:buSzPct val="100000"/>
-              <a:buFont typeface="Arial"/>
-              <a:buNone/>
-            </a:pPr>
-            <a:r>
-              <a:rPr lang="en"/>
-              <a:t>                        Counter is : &lt;span class="result"&gt;0&lt;/span&gt;</a:t>
-            </a:r>
-          </a:p>
-          <a:p>
-            <a:pPr lvl="0">
-              <a:spcBef>
-                <a:spcPts val="0"/>
-              </a:spcBef>
-              <a:buClr>
-                <a:schemeClr val="dk1"/>
-              </a:buClr>
-              <a:buSzPct val="100000"/>
-              <a:buFont typeface="Arial"/>
-              <a:buNone/>
-            </a:pPr>
-            <a:r>
-              <a:rPr lang="en"/>
-              <a:t>                    &lt;/div&gt;</a:t>
-            </a:r>
-          </a:p>
-          <a:p>
-            <a:pPr lvl="0">
-              <a:spcBef>
-                <a:spcPts val="0"/>
-              </a:spcBef>
-              <a:buClr>
-                <a:schemeClr val="dk1"/>
-              </a:buClr>
-              <a:buSzPct val="100000"/>
-              <a:buFont typeface="Arial"/>
-              <a:buNone/>
-            </a:pPr>
-            <a:r>
-              <a:rPr lang="en"/>
-              <a:t>                &lt;/div&gt;</a:t>
-            </a:r>
-          </a:p>
-          <a:p>
-            <a:pPr lvl="0">
-              <a:spcBef>
-                <a:spcPts val="0"/>
-              </a:spcBef>
-              <a:buClr>
-                <a:schemeClr val="dk1"/>
-              </a:buClr>
-              <a:buSzPct val="100000"/>
-              <a:buFont typeface="Arial"/>
-              <a:buNone/>
-            </a:pPr>
-            <a:r>
-              <a:rPr lang="en"/>
-              <a:t>            &lt;/div&gt;</a:t>
-            </a:r>
-          </a:p>
-          <a:p>
-            <a:pPr lvl="0">
-              <a:spcBef>
-                <a:spcPts val="0"/>
-              </a:spcBef>
-              <a:buClr>
-                <a:schemeClr val="dk1"/>
-              </a:buClr>
-              <a:buSzPct val="100000"/>
-              <a:buFont typeface="Arial"/>
-              <a:buNone/>
-            </a:pPr>
-            <a:r>
-              <a:t/>
-            </a:r>
-            <a:endParaRPr/>
-          </a:p>
-          <a:p>
-            <a:pPr lvl="0">
-              <a:spcBef>
-                <a:spcPts val="0"/>
-              </a:spcBef>
-              <a:buClr>
-                <a:schemeClr val="dk1"/>
-              </a:buClr>
-              <a:buSzPct val="100000"/>
-              <a:buFont typeface="Arial"/>
-              <a:buNone/>
-            </a:pPr>
-            <a:r>
-              <a:rPr lang="en"/>
-              <a:t>            &lt;div class="row"&gt;</a:t>
-            </a:r>
-          </a:p>
-          <a:p>
-            <a:pPr lvl="0">
-              <a:spcBef>
-                <a:spcPts val="0"/>
-              </a:spcBef>
-              <a:buClr>
-                <a:schemeClr val="dk1"/>
-              </a:buClr>
-              <a:buSzPct val="100000"/>
-              <a:buFont typeface="Arial"/>
-              <a:buNone/>
-            </a:pPr>
-            <a:r>
-              <a:rPr lang="en"/>
-              <a:t>                &lt;button class="btn btn-primary col-lg-2 col-lg-offset-4 increment" &gt;Increment&lt;/button&gt;</a:t>
-            </a:r>
-          </a:p>
-          <a:p>
-            <a:pPr lvl="0">
-              <a:spcBef>
-                <a:spcPts val="0"/>
-              </a:spcBef>
-              <a:buClr>
-                <a:schemeClr val="dk1"/>
-              </a:buClr>
-              <a:buSzPct val="100000"/>
-              <a:buFont typeface="Arial"/>
-              <a:buNone/>
-            </a:pPr>
-            <a:r>
-              <a:rPr lang="en"/>
-              <a:t>                &lt;button class="btn btn-danger col-lg-2 col-lg-offset-2 decrement"&gt;Decrement&lt;/button&gt;</a:t>
-            </a:r>
-          </a:p>
-          <a:p>
-            <a:pPr lvl="0">
-              <a:spcBef>
-                <a:spcPts val="0"/>
-              </a:spcBef>
-              <a:buClr>
-                <a:schemeClr val="dk1"/>
-              </a:buClr>
-              <a:buSzPct val="100000"/>
-              <a:buFont typeface="Arial"/>
-              <a:buNone/>
-            </a:pPr>
-            <a:r>
-              <a:rPr lang="en"/>
-              <a:t>            &lt;/div&gt;</a:t>
-            </a:r>
-          </a:p>
-          <a:p>
-            <a:pPr lvl="0">
-              <a:spcBef>
-                <a:spcPts val="0"/>
-              </a:spcBef>
-              <a:buClr>
-                <a:schemeClr val="dk1"/>
-              </a:buClr>
-              <a:buSzPct val="100000"/>
-              <a:buFont typeface="Arial"/>
-              <a:buNone/>
-            </a:pPr>
-            <a:r>
-              <a:rPr lang="en"/>
-              <a:t>        &lt;/div&gt;</a:t>
-            </a:r>
-          </a:p>
           <a:p>
             <a:pPr lvl="0">
               <a:spcBef>
@@ -3302,12 +2963,12 @@
 </p:notes>
 </file>
 
-<file path=ppt/notesSlides/notesSlide4.xml><?xml version="1.0" encoding="utf-8"?>
+<file path=ppt/notesSlides/notesSlide3.xml><?xml version="1.0" encoding="utf-8"?>
 <p:notes xmlns:a="http://schemas.openxmlformats.org/drawingml/2006/main" xmlns:r="http://schemas.openxmlformats.org/officeDocument/2006/relationships" xmlns:mc="http://schemas.openxmlformats.org/markup-compatibility/2006" xmlns:mv="urn:schemas-microsoft-com:mac:vml" xmlns:p="http://schemas.openxmlformats.org/presentationml/2006/main" xmlns:c="http://schemas.openxmlformats.org/drawingml/2006/chart" xmlns:dgm="http://schemas.openxmlformats.org/drawingml/2006/diagram" xmlns:o="urn:schemas-microsoft-com:office:office" xmlns:v="urn:schemas-microsoft-com:vml" xmlns:pvml="urn:schemas-microsoft-com:office:powerpoint" xmlns:com="http://schemas.openxmlformats.org/drawingml/2006/compatibility" xmlns:p14="http://schemas.microsoft.com/office/powerpoint/2010/main" xmlns:p15="http://schemas.microsoft.com/office/powerpoint/2012/main" showMasterPhAnim="0" showMasterSp="0">
   <p:cSld>
     <p:spTree>
       <p:nvGrpSpPr>
-        <p:cNvPr id="72" name="Shape 72"/>
+        <p:cNvPr id="64" name="Shape 64"/>
         <p:cNvGrpSpPr/>
         <p:nvPr/>
       </p:nvGrpSpPr>
@@ -3321,7 +2982,7 @@
       </p:grpSpPr>
       <p:sp>
         <p:nvSpPr>
-          <p:cNvPr id="73" name="Shape 73"/>
+          <p:cNvPr id="65" name="Shape 65"/>
           <p:cNvSpPr/>
           <p:nvPr>
             <p:ph idx="2" type="sldImg"/>
@@ -3355,7 +3016,7 @@
       </p:sp>
       <p:sp>
         <p:nvSpPr>
-          <p:cNvPr id="74" name="Shape 74"/>
+          <p:cNvPr id="66" name="Shape 66"/>
           <p:cNvSpPr txBox="1"/>
           <p:nvPr>
             <p:ph idx="1" type="body"/>
@@ -3371,7 +3032,7 @@
           </a:prstGeom>
         </p:spPr>
         <p:txBody>
-          <a:bodyPr anchorCtr="0" anchor="t" bIns="91425" lIns="91425" rIns="91425" tIns="91425">
+          <a:bodyPr anchorCtr="0" anchor="t" bIns="91425" lIns="91425" rIns="91425" wrap="square" tIns="91425">
             <a:noAutofit/>
           </a:bodyPr>
           <a:lstStyle/>
@@ -3397,12 +3058,12 @@
 </p:notes>
 </file>
 
-<file path=ppt/notesSlides/notesSlide5.xml><?xml version="1.0" encoding="utf-8"?>
+<file path=ppt/notesSlides/notesSlide4.xml><?xml version="1.0" encoding="utf-8"?>
 <p:notes xmlns:a="http://schemas.openxmlformats.org/drawingml/2006/main" xmlns:r="http://schemas.openxmlformats.org/officeDocument/2006/relationships" xmlns:mc="http://schemas.openxmlformats.org/markup-compatibility/2006" xmlns:mv="urn:schemas-microsoft-com:mac:vml" xmlns:p="http://schemas.openxmlformats.org/presentationml/2006/main" xmlns:c="http://schemas.openxmlformats.org/drawingml/2006/chart" xmlns:dgm="http://schemas.openxmlformats.org/drawingml/2006/diagram" xmlns:o="urn:schemas-microsoft-com:office:office" xmlns:v="urn:schemas-microsoft-com:vml" xmlns:pvml="urn:schemas-microsoft-com:office:powerpoint" xmlns:com="http://schemas.openxmlformats.org/drawingml/2006/compatibility" xmlns:p14="http://schemas.microsoft.com/office/powerpoint/2010/main" xmlns:p15="http://schemas.microsoft.com/office/powerpoint/2012/main" showMasterPhAnim="0" showMasterSp="0">
   <p:cSld>
     <p:spTree>
       <p:nvGrpSpPr>
-        <p:cNvPr id="79" name="Shape 79"/>
+        <p:cNvPr id="71" name="Shape 71"/>
         <p:cNvGrpSpPr/>
         <p:nvPr/>
       </p:nvGrpSpPr>
@@ -3416,7 +3077,7 @@
       </p:grpSpPr>
       <p:sp>
         <p:nvSpPr>
-          <p:cNvPr id="80" name="Shape 80"/>
+          <p:cNvPr id="72" name="Shape 72"/>
           <p:cNvSpPr/>
           <p:nvPr>
             <p:ph idx="2" type="sldImg"/>
@@ -3450,7 +3111,7 @@
       </p:sp>
       <p:sp>
         <p:nvSpPr>
-          <p:cNvPr id="81" name="Shape 81"/>
+          <p:cNvPr id="73" name="Shape 73"/>
           <p:cNvSpPr txBox="1"/>
           <p:nvPr>
             <p:ph idx="1" type="body"/>
@@ -3466,7 +3127,816 @@
           </a:prstGeom>
         </p:spPr>
         <p:txBody>
-          <a:bodyPr anchorCtr="0" anchor="t" bIns="91425" lIns="91425" rIns="91425" tIns="91425">
+          <a:bodyPr anchorCtr="0" anchor="t" bIns="91425" lIns="91425" rIns="91425" wrap="square" tIns="91425">
+            <a:noAutofit/>
+          </a:bodyPr>
+          <a:lstStyle/>
+          <a:p>
+            <a:pPr lvl="0">
+              <a:spcBef>
+                <a:spcPts val="0"/>
+              </a:spcBef>
+              <a:buClr>
+                <a:schemeClr val="dk1"/>
+              </a:buClr>
+              <a:buSzPct val="100000"/>
+              <a:buFont typeface="Arial"/>
+              <a:buNone/>
+            </a:pPr>
+            <a:r>
+              <a:rPr lang="en"/>
+              <a:t>&lt;div&gt;</a:t>
+            </a:r>
+          </a:p>
+          <a:p>
+            <a:pPr lvl="0">
+              <a:spcBef>
+                <a:spcPts val="0"/>
+              </a:spcBef>
+              <a:buClr>
+                <a:schemeClr val="dk1"/>
+              </a:buClr>
+              <a:buSzPct val="100000"/>
+              <a:buFont typeface="Arial"/>
+              <a:buNone/>
+            </a:pPr>
+            <a:r>
+              <a:rPr lang="en"/>
+              <a:t>            &lt;div class="row"&gt;</a:t>
+            </a:r>
+          </a:p>
+          <a:p>
+            <a:pPr lvl="0">
+              <a:spcBef>
+                <a:spcPts val="0"/>
+              </a:spcBef>
+              <a:buClr>
+                <a:schemeClr val="dk1"/>
+              </a:buClr>
+              <a:buSzPct val="100000"/>
+              <a:buFont typeface="Arial"/>
+              <a:buNone/>
+            </a:pPr>
+            <a:r>
+              <a:rPr lang="en"/>
+              <a:t>                &lt;div class="panel panel-default col-lg-4 counter"&gt;</a:t>
+            </a:r>
+          </a:p>
+          <a:p>
+            <a:pPr lvl="0">
+              <a:spcBef>
+                <a:spcPts val="0"/>
+              </a:spcBef>
+              <a:buClr>
+                <a:schemeClr val="dk1"/>
+              </a:buClr>
+              <a:buSzPct val="100000"/>
+              <a:buFont typeface="Arial"/>
+              <a:buNone/>
+            </a:pPr>
+            <a:r>
+              <a:rPr lang="en"/>
+              <a:t>                    &lt;div class="panel-body"&gt;</a:t>
+            </a:r>
+          </a:p>
+          <a:p>
+            <a:pPr lvl="0">
+              <a:spcBef>
+                <a:spcPts val="0"/>
+              </a:spcBef>
+              <a:buClr>
+                <a:schemeClr val="dk1"/>
+              </a:buClr>
+              <a:buSzPct val="100000"/>
+              <a:buFont typeface="Arial"/>
+              <a:buNone/>
+            </a:pPr>
+            <a:r>
+              <a:rPr lang="en"/>
+              <a:t>                        Panel content</a:t>
+            </a:r>
+          </a:p>
+          <a:p>
+            <a:pPr lvl="0">
+              <a:spcBef>
+                <a:spcPts val="0"/>
+              </a:spcBef>
+              <a:buClr>
+                <a:schemeClr val="dk1"/>
+              </a:buClr>
+              <a:buSzPct val="100000"/>
+              <a:buFont typeface="Arial"/>
+              <a:buNone/>
+            </a:pPr>
+            <a:r>
+              <a:rPr lang="en"/>
+              <a:t>                    &lt;/div&gt;</a:t>
+            </a:r>
+          </a:p>
+          <a:p>
+            <a:pPr lvl="0">
+              <a:spcBef>
+                <a:spcPts val="0"/>
+              </a:spcBef>
+              <a:buClr>
+                <a:schemeClr val="dk1"/>
+              </a:buClr>
+              <a:buSzPct val="100000"/>
+              <a:buFont typeface="Arial"/>
+              <a:buNone/>
+            </a:pPr>
+            <a:r>
+              <a:rPr lang="en"/>
+              <a:t>                    &lt;div class="panel-footer"&gt;</a:t>
+            </a:r>
+          </a:p>
+          <a:p>
+            <a:pPr lvl="0">
+              <a:spcBef>
+                <a:spcPts val="0"/>
+              </a:spcBef>
+              <a:buClr>
+                <a:schemeClr val="dk1"/>
+              </a:buClr>
+              <a:buSzPct val="100000"/>
+              <a:buFont typeface="Arial"/>
+              <a:buNone/>
+            </a:pPr>
+            <a:r>
+              <a:rPr lang="en"/>
+              <a:t>                        &lt;div&gt;</a:t>
+            </a:r>
+          </a:p>
+          <a:p>
+            <a:pPr lvl="0">
+              <a:spcBef>
+                <a:spcPts val="0"/>
+              </a:spcBef>
+              <a:buClr>
+                <a:schemeClr val="dk1"/>
+              </a:buClr>
+              <a:buSzPct val="100000"/>
+              <a:buFont typeface="Arial"/>
+              <a:buNone/>
+            </a:pPr>
+            <a:r>
+              <a:rPr lang="en"/>
+              <a:t>                            &lt;label&gt;By How Much?&lt;/label&gt;&lt;input type="number"&gt;</a:t>
+            </a:r>
+          </a:p>
+          <a:p>
+            <a:pPr lvl="0">
+              <a:spcBef>
+                <a:spcPts val="0"/>
+              </a:spcBef>
+              <a:buClr>
+                <a:schemeClr val="dk1"/>
+              </a:buClr>
+              <a:buSzPct val="100000"/>
+              <a:buFont typeface="Arial"/>
+              <a:buNone/>
+            </a:pPr>
+            <a:r>
+              <a:rPr lang="en"/>
+              <a:t>                        &lt;/div&gt;</a:t>
+            </a:r>
+          </a:p>
+          <a:p>
+            <a:pPr lvl="0">
+              <a:spcBef>
+                <a:spcPts val="0"/>
+              </a:spcBef>
+              <a:buClr>
+                <a:schemeClr val="dk1"/>
+              </a:buClr>
+              <a:buSzPct val="100000"/>
+              <a:buFont typeface="Arial"/>
+              <a:buNone/>
+            </a:pPr>
+            <a:r>
+              <a:rPr lang="en"/>
+              <a:t>                        Counter is : &lt;span class="result"&gt;0&lt;/span&gt;</a:t>
+            </a:r>
+          </a:p>
+          <a:p>
+            <a:pPr lvl="0">
+              <a:spcBef>
+                <a:spcPts val="0"/>
+              </a:spcBef>
+              <a:buClr>
+                <a:schemeClr val="dk1"/>
+              </a:buClr>
+              <a:buSzPct val="100000"/>
+              <a:buFont typeface="Arial"/>
+              <a:buNone/>
+            </a:pPr>
+            <a:r>
+              <a:rPr lang="en"/>
+              <a:t>                    &lt;/div&gt;</a:t>
+            </a:r>
+          </a:p>
+          <a:p>
+            <a:pPr lvl="0">
+              <a:spcBef>
+                <a:spcPts val="0"/>
+              </a:spcBef>
+              <a:buClr>
+                <a:schemeClr val="dk1"/>
+              </a:buClr>
+              <a:buSzPct val="100000"/>
+              <a:buFont typeface="Arial"/>
+              <a:buNone/>
+            </a:pPr>
+            <a:r>
+              <a:rPr lang="en"/>
+              <a:t>                &lt;/div&gt;</a:t>
+            </a:r>
+          </a:p>
+          <a:p>
+            <a:pPr lvl="0">
+              <a:spcBef>
+                <a:spcPts val="0"/>
+              </a:spcBef>
+              <a:buClr>
+                <a:schemeClr val="dk1"/>
+              </a:buClr>
+              <a:buSzPct val="100000"/>
+              <a:buFont typeface="Arial"/>
+              <a:buNone/>
+            </a:pPr>
+            <a:r>
+              <a:rPr lang="en"/>
+              <a:t>                &lt;div class="panel panel-default col-lg-4 counter"&gt;</a:t>
+            </a:r>
+          </a:p>
+          <a:p>
+            <a:pPr lvl="0">
+              <a:spcBef>
+                <a:spcPts val="0"/>
+              </a:spcBef>
+              <a:buClr>
+                <a:schemeClr val="dk1"/>
+              </a:buClr>
+              <a:buSzPct val="100000"/>
+              <a:buFont typeface="Arial"/>
+              <a:buNone/>
+            </a:pPr>
+            <a:r>
+              <a:rPr lang="en"/>
+              <a:t>                    &lt;div class="panel-body"&gt;</a:t>
+            </a:r>
+          </a:p>
+          <a:p>
+            <a:pPr lvl="0">
+              <a:spcBef>
+                <a:spcPts val="0"/>
+              </a:spcBef>
+              <a:buClr>
+                <a:schemeClr val="dk1"/>
+              </a:buClr>
+              <a:buSzPct val="100000"/>
+              <a:buFont typeface="Arial"/>
+              <a:buNone/>
+            </a:pPr>
+            <a:r>
+              <a:rPr lang="en"/>
+              <a:t>                        Panel content</a:t>
+            </a:r>
+          </a:p>
+          <a:p>
+            <a:pPr lvl="0">
+              <a:spcBef>
+                <a:spcPts val="0"/>
+              </a:spcBef>
+              <a:buClr>
+                <a:schemeClr val="dk1"/>
+              </a:buClr>
+              <a:buSzPct val="100000"/>
+              <a:buFont typeface="Arial"/>
+              <a:buNone/>
+            </a:pPr>
+            <a:r>
+              <a:rPr lang="en"/>
+              <a:t>                    &lt;/div&gt;</a:t>
+            </a:r>
+          </a:p>
+          <a:p>
+            <a:pPr lvl="0">
+              <a:spcBef>
+                <a:spcPts val="0"/>
+              </a:spcBef>
+              <a:buClr>
+                <a:schemeClr val="dk1"/>
+              </a:buClr>
+              <a:buSzPct val="100000"/>
+              <a:buFont typeface="Arial"/>
+              <a:buNone/>
+            </a:pPr>
+            <a:r>
+              <a:rPr lang="en"/>
+              <a:t>                    &lt;div class="panel-footer"&gt;</a:t>
+            </a:r>
+          </a:p>
+          <a:p>
+            <a:pPr lvl="0">
+              <a:spcBef>
+                <a:spcPts val="0"/>
+              </a:spcBef>
+              <a:buClr>
+                <a:schemeClr val="dk1"/>
+              </a:buClr>
+              <a:buSzPct val="100000"/>
+              <a:buFont typeface="Arial"/>
+              <a:buNone/>
+            </a:pPr>
+            <a:r>
+              <a:rPr lang="en"/>
+              <a:t>                        &lt;div&gt;</a:t>
+            </a:r>
+          </a:p>
+          <a:p>
+            <a:pPr lvl="0">
+              <a:spcBef>
+                <a:spcPts val="0"/>
+              </a:spcBef>
+              <a:buClr>
+                <a:schemeClr val="dk1"/>
+              </a:buClr>
+              <a:buSzPct val="100000"/>
+              <a:buFont typeface="Arial"/>
+              <a:buNone/>
+            </a:pPr>
+            <a:r>
+              <a:rPr lang="en"/>
+              <a:t>                            &lt;label&gt;By How Much?&lt;/label&gt;&lt;input type="number"&gt;</a:t>
+            </a:r>
+          </a:p>
+          <a:p>
+            <a:pPr lvl="0">
+              <a:spcBef>
+                <a:spcPts val="0"/>
+              </a:spcBef>
+              <a:buClr>
+                <a:schemeClr val="dk1"/>
+              </a:buClr>
+              <a:buSzPct val="100000"/>
+              <a:buFont typeface="Arial"/>
+              <a:buNone/>
+            </a:pPr>
+            <a:r>
+              <a:rPr lang="en"/>
+              <a:t>                        &lt;/div&gt;</a:t>
+            </a:r>
+          </a:p>
+          <a:p>
+            <a:pPr lvl="0">
+              <a:spcBef>
+                <a:spcPts val="0"/>
+              </a:spcBef>
+              <a:buClr>
+                <a:schemeClr val="dk1"/>
+              </a:buClr>
+              <a:buSzPct val="100000"/>
+              <a:buFont typeface="Arial"/>
+              <a:buNone/>
+            </a:pPr>
+            <a:r>
+              <a:rPr lang="en"/>
+              <a:t>                        Counter is : &lt;span class="result"&gt;0&lt;/span&gt;</a:t>
+            </a:r>
+          </a:p>
+          <a:p>
+            <a:pPr lvl="0">
+              <a:spcBef>
+                <a:spcPts val="0"/>
+              </a:spcBef>
+              <a:buClr>
+                <a:schemeClr val="dk1"/>
+              </a:buClr>
+              <a:buSzPct val="100000"/>
+              <a:buFont typeface="Arial"/>
+              <a:buNone/>
+            </a:pPr>
+            <a:r>
+              <a:rPr lang="en"/>
+              <a:t>                    &lt;/div&gt;</a:t>
+            </a:r>
+          </a:p>
+          <a:p>
+            <a:pPr lvl="0">
+              <a:spcBef>
+                <a:spcPts val="0"/>
+              </a:spcBef>
+              <a:buClr>
+                <a:schemeClr val="dk1"/>
+              </a:buClr>
+              <a:buSzPct val="100000"/>
+              <a:buFont typeface="Arial"/>
+              <a:buNone/>
+            </a:pPr>
+            <a:r>
+              <a:rPr lang="en"/>
+              <a:t>                &lt;/div&gt;</a:t>
+            </a:r>
+          </a:p>
+          <a:p>
+            <a:pPr lvl="0">
+              <a:spcBef>
+                <a:spcPts val="0"/>
+              </a:spcBef>
+              <a:buClr>
+                <a:schemeClr val="dk1"/>
+              </a:buClr>
+              <a:buSzPct val="100000"/>
+              <a:buFont typeface="Arial"/>
+              <a:buNone/>
+            </a:pPr>
+            <a:r>
+              <a:rPr lang="en"/>
+              <a:t>                &lt;div class="panel panel-default col-lg-4 counter"&gt;</a:t>
+            </a:r>
+          </a:p>
+          <a:p>
+            <a:pPr lvl="0">
+              <a:spcBef>
+                <a:spcPts val="0"/>
+              </a:spcBef>
+              <a:buClr>
+                <a:schemeClr val="dk1"/>
+              </a:buClr>
+              <a:buSzPct val="100000"/>
+              <a:buFont typeface="Arial"/>
+              <a:buNone/>
+            </a:pPr>
+            <a:r>
+              <a:rPr lang="en"/>
+              <a:t>                    &lt;div class="panel-body"&gt;</a:t>
+            </a:r>
+          </a:p>
+          <a:p>
+            <a:pPr lvl="0">
+              <a:spcBef>
+                <a:spcPts val="0"/>
+              </a:spcBef>
+              <a:buClr>
+                <a:schemeClr val="dk1"/>
+              </a:buClr>
+              <a:buSzPct val="100000"/>
+              <a:buFont typeface="Arial"/>
+              <a:buNone/>
+            </a:pPr>
+            <a:r>
+              <a:rPr lang="en"/>
+              <a:t>                        Panel content</a:t>
+            </a:r>
+          </a:p>
+          <a:p>
+            <a:pPr lvl="0">
+              <a:spcBef>
+                <a:spcPts val="0"/>
+              </a:spcBef>
+              <a:buClr>
+                <a:schemeClr val="dk1"/>
+              </a:buClr>
+              <a:buSzPct val="100000"/>
+              <a:buFont typeface="Arial"/>
+              <a:buNone/>
+            </a:pPr>
+            <a:r>
+              <a:rPr lang="en"/>
+              <a:t>                    &lt;/div&gt;</a:t>
+            </a:r>
+          </a:p>
+          <a:p>
+            <a:pPr lvl="0">
+              <a:spcBef>
+                <a:spcPts val="0"/>
+              </a:spcBef>
+              <a:buClr>
+                <a:schemeClr val="dk1"/>
+              </a:buClr>
+              <a:buSzPct val="100000"/>
+              <a:buFont typeface="Arial"/>
+              <a:buNone/>
+            </a:pPr>
+            <a:r>
+              <a:rPr lang="en"/>
+              <a:t>                    &lt;div class="panel-footer"&gt;</a:t>
+            </a:r>
+          </a:p>
+          <a:p>
+            <a:pPr lvl="0">
+              <a:spcBef>
+                <a:spcPts val="0"/>
+              </a:spcBef>
+              <a:buClr>
+                <a:schemeClr val="dk1"/>
+              </a:buClr>
+              <a:buSzPct val="100000"/>
+              <a:buFont typeface="Arial"/>
+              <a:buNone/>
+            </a:pPr>
+            <a:r>
+              <a:rPr lang="en"/>
+              <a:t>                        &lt;div&gt;</a:t>
+            </a:r>
+          </a:p>
+          <a:p>
+            <a:pPr lvl="0">
+              <a:spcBef>
+                <a:spcPts val="0"/>
+              </a:spcBef>
+              <a:buClr>
+                <a:schemeClr val="dk1"/>
+              </a:buClr>
+              <a:buSzPct val="100000"/>
+              <a:buFont typeface="Arial"/>
+              <a:buNone/>
+            </a:pPr>
+            <a:r>
+              <a:rPr lang="en"/>
+              <a:t>                            &lt;label&gt;By How Much?&lt;/label&gt;&lt;input type="number"&gt;</a:t>
+            </a:r>
+          </a:p>
+          <a:p>
+            <a:pPr lvl="0">
+              <a:spcBef>
+                <a:spcPts val="0"/>
+              </a:spcBef>
+              <a:buClr>
+                <a:schemeClr val="dk1"/>
+              </a:buClr>
+              <a:buSzPct val="100000"/>
+              <a:buFont typeface="Arial"/>
+              <a:buNone/>
+            </a:pPr>
+            <a:r>
+              <a:rPr lang="en"/>
+              <a:t>                        &lt;/div&gt;</a:t>
+            </a:r>
+          </a:p>
+          <a:p>
+            <a:pPr lvl="0">
+              <a:spcBef>
+                <a:spcPts val="0"/>
+              </a:spcBef>
+              <a:buClr>
+                <a:schemeClr val="dk1"/>
+              </a:buClr>
+              <a:buSzPct val="100000"/>
+              <a:buFont typeface="Arial"/>
+              <a:buNone/>
+            </a:pPr>
+            <a:r>
+              <a:rPr lang="en"/>
+              <a:t>                        Counter is : &lt;span class="result"&gt;0&lt;/span&gt;</a:t>
+            </a:r>
+          </a:p>
+          <a:p>
+            <a:pPr lvl="0">
+              <a:spcBef>
+                <a:spcPts val="0"/>
+              </a:spcBef>
+              <a:buClr>
+                <a:schemeClr val="dk1"/>
+              </a:buClr>
+              <a:buSzPct val="100000"/>
+              <a:buFont typeface="Arial"/>
+              <a:buNone/>
+            </a:pPr>
+            <a:r>
+              <a:rPr lang="en"/>
+              <a:t>                    &lt;/div&gt;</a:t>
+            </a:r>
+          </a:p>
+          <a:p>
+            <a:pPr lvl="0">
+              <a:spcBef>
+                <a:spcPts val="0"/>
+              </a:spcBef>
+              <a:buClr>
+                <a:schemeClr val="dk1"/>
+              </a:buClr>
+              <a:buSzPct val="100000"/>
+              <a:buFont typeface="Arial"/>
+              <a:buNone/>
+            </a:pPr>
+            <a:r>
+              <a:rPr lang="en"/>
+              <a:t>                &lt;/div&gt;</a:t>
+            </a:r>
+          </a:p>
+          <a:p>
+            <a:pPr lvl="0">
+              <a:spcBef>
+                <a:spcPts val="0"/>
+              </a:spcBef>
+              <a:buClr>
+                <a:schemeClr val="dk1"/>
+              </a:buClr>
+              <a:buSzPct val="100000"/>
+              <a:buFont typeface="Arial"/>
+              <a:buNone/>
+            </a:pPr>
+            <a:r>
+              <a:rPr lang="en"/>
+              <a:t>            &lt;/div&gt;</a:t>
+            </a:r>
+          </a:p>
+          <a:p>
+            <a:pPr lvl="0">
+              <a:spcBef>
+                <a:spcPts val="0"/>
+              </a:spcBef>
+              <a:buClr>
+                <a:schemeClr val="dk1"/>
+              </a:buClr>
+              <a:buSzPct val="100000"/>
+              <a:buFont typeface="Arial"/>
+              <a:buNone/>
+            </a:pPr>
+            <a:r>
+              <a:t/>
+            </a:r>
+            <a:endParaRPr/>
+          </a:p>
+          <a:p>
+            <a:pPr lvl="0">
+              <a:spcBef>
+                <a:spcPts val="0"/>
+              </a:spcBef>
+              <a:buClr>
+                <a:schemeClr val="dk1"/>
+              </a:buClr>
+              <a:buSzPct val="100000"/>
+              <a:buFont typeface="Arial"/>
+              <a:buNone/>
+            </a:pPr>
+            <a:r>
+              <a:rPr lang="en"/>
+              <a:t>            &lt;div class="row"&gt;</a:t>
+            </a:r>
+          </a:p>
+          <a:p>
+            <a:pPr lvl="0">
+              <a:spcBef>
+                <a:spcPts val="0"/>
+              </a:spcBef>
+              <a:buClr>
+                <a:schemeClr val="dk1"/>
+              </a:buClr>
+              <a:buSzPct val="100000"/>
+              <a:buFont typeface="Arial"/>
+              <a:buNone/>
+            </a:pPr>
+            <a:r>
+              <a:rPr lang="en"/>
+              <a:t>                &lt;button class="btn btn-primary col-lg-2 col-lg-offset-4 increment" &gt;Increment&lt;/button&gt;</a:t>
+            </a:r>
+          </a:p>
+          <a:p>
+            <a:pPr lvl="0">
+              <a:spcBef>
+                <a:spcPts val="0"/>
+              </a:spcBef>
+              <a:buClr>
+                <a:schemeClr val="dk1"/>
+              </a:buClr>
+              <a:buSzPct val="100000"/>
+              <a:buFont typeface="Arial"/>
+              <a:buNone/>
+            </a:pPr>
+            <a:r>
+              <a:rPr lang="en"/>
+              <a:t>                &lt;button class="btn btn-danger col-lg-2 col-lg-offset-2 decrement"&gt;Decrement&lt;/button&gt;</a:t>
+            </a:r>
+          </a:p>
+          <a:p>
+            <a:pPr lvl="0">
+              <a:spcBef>
+                <a:spcPts val="0"/>
+              </a:spcBef>
+              <a:buClr>
+                <a:schemeClr val="dk1"/>
+              </a:buClr>
+              <a:buSzPct val="100000"/>
+              <a:buFont typeface="Arial"/>
+              <a:buNone/>
+            </a:pPr>
+            <a:r>
+              <a:rPr lang="en"/>
+              <a:t>            &lt;/div&gt;</a:t>
+            </a:r>
+          </a:p>
+          <a:p>
+            <a:pPr lvl="0">
+              <a:spcBef>
+                <a:spcPts val="0"/>
+              </a:spcBef>
+              <a:buClr>
+                <a:schemeClr val="dk1"/>
+              </a:buClr>
+              <a:buSzPct val="100000"/>
+              <a:buFont typeface="Arial"/>
+              <a:buNone/>
+            </a:pPr>
+            <a:r>
+              <a:rPr lang="en"/>
+              <a:t>        &lt;/div&gt;</a:t>
+            </a:r>
+          </a:p>
+          <a:p>
+            <a:pPr lvl="0">
+              <a:spcBef>
+                <a:spcPts val="0"/>
+              </a:spcBef>
+              <a:buNone/>
+            </a:pPr>
+            <a:r>
+              <a:t/>
+            </a:r>
+            <a:endParaRPr/>
+          </a:p>
+        </p:txBody>
+      </p:sp>
+    </p:spTree>
+  </p:cSld>
+  <p:clrMapOvr>
+    <a:masterClrMapping/>
+  </p:clrMapOvr>
+</p:notes>
+</file>
+
+<file path=ppt/notesSlides/notesSlide5.xml><?xml version="1.0" encoding="utf-8"?>
+<p:notes xmlns:a="http://schemas.openxmlformats.org/drawingml/2006/main" xmlns:r="http://schemas.openxmlformats.org/officeDocument/2006/relationships" xmlns:mc="http://schemas.openxmlformats.org/markup-compatibility/2006" xmlns:mv="urn:schemas-microsoft-com:mac:vml" xmlns:p="http://schemas.openxmlformats.org/presentationml/2006/main" xmlns:c="http://schemas.openxmlformats.org/drawingml/2006/chart" xmlns:dgm="http://schemas.openxmlformats.org/drawingml/2006/diagram" xmlns:o="urn:schemas-microsoft-com:office:office" xmlns:v="urn:schemas-microsoft-com:vml" xmlns:pvml="urn:schemas-microsoft-com:office:powerpoint" xmlns:com="http://schemas.openxmlformats.org/drawingml/2006/compatibility" xmlns:p14="http://schemas.microsoft.com/office/powerpoint/2010/main" xmlns:p15="http://schemas.microsoft.com/office/powerpoint/2012/main" showMasterPhAnim="0" showMasterSp="0">
+  <p:cSld>
+    <p:spTree>
+      <p:nvGrpSpPr>
+        <p:cNvPr id="78" name="Shape 78"/>
+        <p:cNvGrpSpPr/>
+        <p:nvPr/>
+      </p:nvGrpSpPr>
+      <p:grpSpPr>
+        <a:xfrm>
+          <a:off x="0" y="0"/>
+          <a:ext cx="0" cy="0"/>
+          <a:chOff x="0" y="0"/>
+          <a:chExt cx="0" cy="0"/>
+        </a:xfrm>
+      </p:grpSpPr>
+      <p:sp>
+        <p:nvSpPr>
+          <p:cNvPr id="79" name="Shape 79"/>
+          <p:cNvSpPr/>
+          <p:nvPr>
+            <p:ph idx="2" type="sldImg"/>
+          </p:nvPr>
+        </p:nvSpPr>
+        <p:spPr>
+          <a:xfrm>
+            <a:off x="381300" y="685800"/>
+            <a:ext cx="6096000" cy="3429000"/>
+          </a:xfrm>
+          <a:custGeom>
+            <a:pathLst>
+              <a:path extrusionOk="0" h="120000" w="120000">
+                <a:moveTo>
+                  <a:pt x="0" y="0"/>
+                </a:moveTo>
+                <a:lnTo>
+                  <a:pt x="120000" y="0"/>
+                </a:lnTo>
+                <a:lnTo>
+                  <a:pt x="120000" y="120000"/>
+                </a:lnTo>
+                <a:lnTo>
+                  <a:pt x="0" y="120000"/>
+                </a:lnTo>
+                <a:close/>
+              </a:path>
+            </a:pathLst>
+          </a:custGeom>
+        </p:spPr>
+      </p:sp>
+      <p:sp>
+        <p:nvSpPr>
+          <p:cNvPr id="80" name="Shape 80"/>
+          <p:cNvSpPr txBox="1"/>
+          <p:nvPr>
+            <p:ph idx="1" type="body"/>
+          </p:nvPr>
+        </p:nvSpPr>
+        <p:spPr>
+          <a:xfrm>
+            <a:off x="685800" y="4343400"/>
+            <a:ext cx="5486400" cy="4114800"/>
+          </a:xfrm>
+          <a:prstGeom prst="rect">
+            <a:avLst/>
+          </a:prstGeom>
+        </p:spPr>
+        <p:txBody>
+          <a:bodyPr anchorCtr="0" anchor="t" bIns="91425" lIns="91425" rIns="91425" wrap="square" tIns="91425">
             <a:noAutofit/>
           </a:bodyPr>
           <a:lstStyle/>
@@ -3561,7 +4031,7 @@
           </a:prstGeom>
         </p:spPr>
         <p:txBody>
-          <a:bodyPr anchorCtr="0" anchor="t" bIns="91425" lIns="91425" rIns="91425" tIns="91425">
+          <a:bodyPr anchorCtr="0" anchor="t" bIns="91425" lIns="91425" rIns="91425" wrap="square" tIns="91425">
             <a:noAutofit/>
           </a:bodyPr>
           <a:lstStyle/>
@@ -3592,7 +4062,7 @@
   <p:cSld>
     <p:spTree>
       <p:nvGrpSpPr>
-        <p:cNvPr id="91" name="Shape 91"/>
+        <p:cNvPr id="92" name="Shape 92"/>
         <p:cNvGrpSpPr/>
         <p:nvPr/>
       </p:nvGrpSpPr>
@@ -3606,7 +4076,7 @@
       </p:grpSpPr>
       <p:sp>
         <p:nvSpPr>
-          <p:cNvPr id="92" name="Shape 92"/>
+          <p:cNvPr id="93" name="Shape 93"/>
           <p:cNvSpPr/>
           <p:nvPr>
             <p:ph idx="2" type="sldImg"/>
@@ -3640,7 +4110,7 @@
       </p:sp>
       <p:sp>
         <p:nvSpPr>
-          <p:cNvPr id="93" name="Shape 93"/>
+          <p:cNvPr id="94" name="Shape 94"/>
           <p:cNvSpPr txBox="1"/>
           <p:nvPr>
             <p:ph idx="1" type="body"/>
@@ -3656,7 +4126,7 @@
           </a:prstGeom>
         </p:spPr>
         <p:txBody>
-          <a:bodyPr anchorCtr="0" anchor="t" bIns="91425" lIns="91425" rIns="91425" tIns="91425">
+          <a:bodyPr anchorCtr="0" anchor="t" bIns="91425" lIns="91425" rIns="91425" wrap="square" tIns="91425">
             <a:noAutofit/>
           </a:bodyPr>
           <a:lstStyle/>
@@ -3687,7 +4157,7 @@
   <p:cSld>
     <p:spTree>
       <p:nvGrpSpPr>
-        <p:cNvPr id="97" name="Shape 97"/>
+        <p:cNvPr id="98" name="Shape 98"/>
         <p:cNvGrpSpPr/>
         <p:nvPr/>
       </p:nvGrpSpPr>
@@ -3701,7 +4171,7 @@
       </p:grpSpPr>
       <p:sp>
         <p:nvSpPr>
-          <p:cNvPr id="98" name="Shape 98"/>
+          <p:cNvPr id="99" name="Shape 99"/>
           <p:cNvSpPr/>
           <p:nvPr>
             <p:ph idx="2" type="sldImg"/>
@@ -3735,7 +4205,7 @@
       </p:sp>
       <p:sp>
         <p:nvSpPr>
-          <p:cNvPr id="99" name="Shape 99"/>
+          <p:cNvPr id="100" name="Shape 100"/>
           <p:cNvSpPr txBox="1"/>
           <p:nvPr>
             <p:ph idx="1" type="body"/>
@@ -3751,7 +4221,7 @@
           </a:prstGeom>
         </p:spPr>
         <p:txBody>
-          <a:bodyPr anchorCtr="0" anchor="t" bIns="91425" lIns="91425" rIns="91425" tIns="91425">
+          <a:bodyPr anchorCtr="0" anchor="t" bIns="91425" lIns="91425" rIns="91425" wrap="square" tIns="91425">
             <a:noAutofit/>
           </a:bodyPr>
           <a:lstStyle/>
@@ -3782,7 +4252,7 @@
   <p:cSld>
     <p:spTree>
       <p:nvGrpSpPr>
-        <p:cNvPr id="103" name="Shape 103"/>
+        <p:cNvPr id="106" name="Shape 106"/>
         <p:cNvGrpSpPr/>
         <p:nvPr/>
       </p:nvGrpSpPr>
@@ -3796,7 +4266,7 @@
       </p:grpSpPr>
       <p:sp>
         <p:nvSpPr>
-          <p:cNvPr id="104" name="Shape 104"/>
+          <p:cNvPr id="107" name="Shape 107"/>
           <p:cNvSpPr/>
           <p:nvPr>
             <p:ph idx="2" type="sldImg"/>
@@ -3830,7 +4300,7 @@
       </p:sp>
       <p:sp>
         <p:nvSpPr>
-          <p:cNvPr id="105" name="Shape 105"/>
+          <p:cNvPr id="108" name="Shape 108"/>
           <p:cNvSpPr txBox="1"/>
           <p:nvPr>
             <p:ph idx="1" type="body"/>
@@ -3846,384 +4316,10 @@
           </a:prstGeom>
         </p:spPr>
         <p:txBody>
-          <a:bodyPr anchorCtr="0" anchor="t" bIns="91425" lIns="91425" rIns="91425" tIns="91425">
+          <a:bodyPr anchorCtr="0" anchor="t" bIns="91425" lIns="91425" rIns="91425" wrap="square" tIns="91425">
             <a:noAutofit/>
           </a:bodyPr>
           <a:lstStyle/>
-          <a:p>
-            <a:pPr lvl="0">
-              <a:spcBef>
-                <a:spcPts val="0"/>
-              </a:spcBef>
-              <a:buClr>
-                <a:schemeClr val="dk1"/>
-              </a:buClr>
-              <a:buSzPct val="100000"/>
-              <a:buFont typeface="Arial"/>
-              <a:buNone/>
-            </a:pPr>
-            <a:r>
-              <a:rPr lang="en"/>
-              <a:t>// airbnb best practice for arguments</a:t>
-            </a:r>
-          </a:p>
-          <a:p>
-            <a:pPr lvl="0">
-              <a:spcBef>
-                <a:spcPts val="0"/>
-              </a:spcBef>
-              <a:buClr>
-                <a:schemeClr val="dk1"/>
-              </a:buClr>
-              <a:buSzPct val="100000"/>
-              <a:buFont typeface="Arial"/>
-              <a:buNone/>
-            </a:pPr>
-            <a:r>
-              <a:rPr lang="en"/>
-              <a:t>function Box({dom}) {</a:t>
-            </a:r>
-          </a:p>
-          <a:p>
-            <a:pPr lvl="0">
-              <a:spcBef>
-                <a:spcPts val="0"/>
-              </a:spcBef>
-              <a:buClr>
-                <a:schemeClr val="dk1"/>
-              </a:buClr>
-              <a:buSzPct val="100000"/>
-              <a:buFont typeface="Arial"/>
-              <a:buNone/>
-            </a:pPr>
-            <a:r>
-              <a:rPr lang="en"/>
-              <a:t>       /* private vars*/</a:t>
-            </a:r>
-          </a:p>
-          <a:p>
-            <a:pPr lvl="0">
-              <a:spcBef>
-                <a:spcPts val="0"/>
-              </a:spcBef>
-              <a:buClr>
-                <a:schemeClr val="dk1"/>
-              </a:buClr>
-              <a:buSzPct val="100000"/>
-              <a:buFont typeface="Arial"/>
-              <a:buNone/>
-            </a:pPr>
-            <a:r>
-              <a:rPr lang="en"/>
-              <a:t>        const input = dom.querySelector('input');</a:t>
-            </a:r>
-          </a:p>
-          <a:p>
-            <a:pPr lvl="0">
-              <a:spcBef>
-                <a:spcPts val="0"/>
-              </a:spcBef>
-              <a:buClr>
-                <a:schemeClr val="dk1"/>
-              </a:buClr>
-              <a:buSzPct val="100000"/>
-              <a:buFont typeface="Arial"/>
-              <a:buNone/>
-            </a:pPr>
-            <a:r>
-              <a:rPr lang="en"/>
-              <a:t>        let counter = 0;</a:t>
-            </a:r>
-          </a:p>
-          <a:p>
-            <a:pPr lvl="0">
-              <a:spcBef>
-                <a:spcPts val="0"/>
-              </a:spcBef>
-              <a:buClr>
-                <a:schemeClr val="dk1"/>
-              </a:buClr>
-              <a:buSzPct val="100000"/>
-              <a:buFont typeface="Arial"/>
-              <a:buNone/>
-            </a:pPr>
-            <a:r>
-              <a:rPr lang="en"/>
-              <a:t>        /* private function*/</a:t>
-            </a:r>
-          </a:p>
-          <a:p>
-            <a:pPr lvl="0">
-              <a:spcBef>
-                <a:spcPts val="0"/>
-              </a:spcBef>
-              <a:buClr>
-                <a:schemeClr val="dk1"/>
-              </a:buClr>
-              <a:buSzPct val="100000"/>
-              <a:buFont typeface="Arial"/>
-              <a:buNone/>
-            </a:pPr>
-            <a:r>
-              <a:rPr lang="en"/>
-              <a:t>        function increment(by = 1) {</a:t>
-            </a:r>
-          </a:p>
-          <a:p>
-            <a:pPr lvl="0">
-              <a:spcBef>
-                <a:spcPts val="0"/>
-              </a:spcBef>
-              <a:buClr>
-                <a:schemeClr val="dk1"/>
-              </a:buClr>
-              <a:buSzPct val="100000"/>
-              <a:buFont typeface="Arial"/>
-              <a:buNone/>
-            </a:pPr>
-            <a:r>
-              <a:rPr lang="en"/>
-              <a:t>            const inputValue = +(input.value) || by;</a:t>
-            </a:r>
-          </a:p>
-          <a:p>
-            <a:pPr lvl="0">
-              <a:spcBef>
-                <a:spcPts val="0"/>
-              </a:spcBef>
-              <a:buClr>
-                <a:schemeClr val="dk1"/>
-              </a:buClr>
-              <a:buSzPct val="100000"/>
-              <a:buFont typeface="Arial"/>
-              <a:buNone/>
-            </a:pPr>
-            <a:r>
-              <a:rPr lang="en"/>
-              <a:t>            counter += inputValue;</a:t>
-            </a:r>
-          </a:p>
-          <a:p>
-            <a:pPr lvl="0">
-              <a:spcBef>
-                <a:spcPts val="0"/>
-              </a:spcBef>
-              <a:buClr>
-                <a:schemeClr val="dk1"/>
-              </a:buClr>
-              <a:buSzPct val="100000"/>
-              <a:buFont typeface="Arial"/>
-              <a:buNone/>
-            </a:pPr>
-            <a:r>
-              <a:rPr lang="en"/>
-              <a:t>            dom.innerHTML = counter;</a:t>
-            </a:r>
-          </a:p>
-          <a:p>
-            <a:pPr lvl="0">
-              <a:spcBef>
-                <a:spcPts val="0"/>
-              </a:spcBef>
-              <a:buClr>
-                <a:schemeClr val="dk1"/>
-              </a:buClr>
-              <a:buSzPct val="100000"/>
-              <a:buFont typeface="Arial"/>
-              <a:buNone/>
-            </a:pPr>
-            <a:r>
-              <a:rPr lang="en"/>
-              <a:t>        }</a:t>
-            </a:r>
-          </a:p>
-          <a:p>
-            <a:pPr lvl="0">
-              <a:spcBef>
-                <a:spcPts val="0"/>
-              </a:spcBef>
-              <a:buClr>
-                <a:schemeClr val="dk1"/>
-              </a:buClr>
-              <a:buSzPct val="100000"/>
-              <a:buFont typeface="Arial"/>
-              <a:buNone/>
-            </a:pPr>
-            <a:r>
-              <a:rPr lang="en"/>
-              <a:t>        function decrement(by = 1) {</a:t>
-            </a:r>
-          </a:p>
-          <a:p>
-            <a:pPr lvl="0">
-              <a:spcBef>
-                <a:spcPts val="0"/>
-              </a:spcBef>
-              <a:buClr>
-                <a:schemeClr val="dk1"/>
-              </a:buClr>
-              <a:buSzPct val="100000"/>
-              <a:buFont typeface="Arial"/>
-              <a:buNone/>
-            </a:pPr>
-            <a:r>
-              <a:rPr lang="en"/>
-              <a:t>            const inputValue = +(input.value) || by;</a:t>
-            </a:r>
-          </a:p>
-          <a:p>
-            <a:pPr lvl="0">
-              <a:spcBef>
-                <a:spcPts val="0"/>
-              </a:spcBef>
-              <a:buClr>
-                <a:schemeClr val="dk1"/>
-              </a:buClr>
-              <a:buSzPct val="100000"/>
-              <a:buFont typeface="Arial"/>
-              <a:buNone/>
-            </a:pPr>
-            <a:r>
-              <a:rPr lang="en"/>
-              <a:t>            counter -= inputValue;</a:t>
-            </a:r>
-          </a:p>
-          <a:p>
-            <a:pPr lvl="0">
-              <a:spcBef>
-                <a:spcPts val="0"/>
-              </a:spcBef>
-              <a:buClr>
-                <a:schemeClr val="dk1"/>
-              </a:buClr>
-              <a:buSzPct val="100000"/>
-              <a:buFont typeface="Arial"/>
-              <a:buNone/>
-            </a:pPr>
-            <a:r>
-              <a:rPr lang="en"/>
-              <a:t>            dom.innerHTML = counter;</a:t>
-            </a:r>
-          </a:p>
-          <a:p>
-            <a:pPr lvl="0">
-              <a:spcBef>
-                <a:spcPts val="0"/>
-              </a:spcBef>
-              <a:buClr>
-                <a:schemeClr val="dk1"/>
-              </a:buClr>
-              <a:buSzPct val="100000"/>
-              <a:buFont typeface="Arial"/>
-              <a:buNone/>
-            </a:pPr>
-            <a:r>
-              <a:rPr lang="en"/>
-              <a:t>        }</a:t>
-            </a:r>
-          </a:p>
-          <a:p>
-            <a:pPr lvl="0">
-              <a:spcBef>
-                <a:spcPts val="0"/>
-              </a:spcBef>
-              <a:buClr>
-                <a:schemeClr val="dk1"/>
-              </a:buClr>
-              <a:buSzPct val="100000"/>
-              <a:buFont typeface="Arial"/>
-              <a:buNone/>
-            </a:pPr>
-            <a:r>
-              <a:rPr lang="en"/>
-              <a:t>        /*public functions*/</a:t>
-            </a:r>
-          </a:p>
-          <a:p>
-            <a:pPr lvl="0">
-              <a:spcBef>
-                <a:spcPts val="0"/>
-              </a:spcBef>
-              <a:buClr>
-                <a:schemeClr val="dk1"/>
-              </a:buClr>
-              <a:buSzPct val="100000"/>
-              <a:buFont typeface="Arial"/>
-              <a:buNone/>
-            </a:pPr>
-            <a:r>
-              <a:rPr lang="en"/>
-              <a:t>        return {</a:t>
-            </a:r>
-          </a:p>
-          <a:p>
-            <a:pPr lvl="0">
-              <a:spcBef>
-                <a:spcPts val="0"/>
-              </a:spcBef>
-              <a:buClr>
-                <a:schemeClr val="dk1"/>
-              </a:buClr>
-              <a:buSzPct val="100000"/>
-              <a:buFont typeface="Arial"/>
-              <a:buNone/>
-            </a:pPr>
-            <a:r>
-              <a:rPr lang="en"/>
-              <a:t>            increment,</a:t>
-            </a:r>
-          </a:p>
-          <a:p>
-            <a:pPr lvl="0">
-              <a:spcBef>
-                <a:spcPts val="0"/>
-              </a:spcBef>
-              <a:buClr>
-                <a:schemeClr val="dk1"/>
-              </a:buClr>
-              <a:buSzPct val="100000"/>
-              <a:buFont typeface="Arial"/>
-              <a:buNone/>
-            </a:pPr>
-            <a:r>
-              <a:rPr lang="en"/>
-              <a:t>            decrement</a:t>
-            </a:r>
-          </a:p>
-          <a:p>
-            <a:pPr lvl="0">
-              <a:spcBef>
-                <a:spcPts val="0"/>
-              </a:spcBef>
-              <a:buClr>
-                <a:schemeClr val="dk1"/>
-              </a:buClr>
-              <a:buSzPct val="100000"/>
-              <a:buFont typeface="Arial"/>
-              <a:buNone/>
-            </a:pPr>
-            <a:r>
-              <a:rPr lang="en"/>
-              <a:t>        }</a:t>
-            </a:r>
-          </a:p>
-          <a:p>
-            <a:pPr lvl="0">
-              <a:spcBef>
-                <a:spcPts val="0"/>
-              </a:spcBef>
-              <a:buClr>
-                <a:schemeClr val="dk1"/>
-              </a:buClr>
-              <a:buSzPct val="100000"/>
-              <a:buFont typeface="Arial"/>
-              <a:buNone/>
-            </a:pPr>
-            <a:r>
-              <a:rPr lang="en"/>
-              <a:t>    }</a:t>
-            </a:r>
-          </a:p>
           <a:p>
             <a:pPr lvl="0">
               <a:spcBef>
@@ -4281,7 +4377,7 @@
           </a:prstGeom>
         </p:spPr>
         <p:txBody>
-          <a:bodyPr anchorCtr="0" anchor="b" bIns="91425" lIns="91425" rIns="91425" tIns="91425"/>
+          <a:bodyPr anchorCtr="0" anchor="b" bIns="91425" lIns="91425" rIns="91425" wrap="square" tIns="91425"/>
           <a:lstStyle>
             <a:lvl1pPr lvl="0" rtl="0" algn="ctr">
               <a:spcBef>
@@ -4368,7 +4464,7 @@
           </a:prstGeom>
         </p:spPr>
         <p:txBody>
-          <a:bodyPr anchorCtr="0" anchor="t" bIns="91425" lIns="91425" rIns="91425" tIns="91425"/>
+          <a:bodyPr anchorCtr="0" anchor="t" bIns="91425" lIns="91425" rIns="91425" wrap="square" tIns="91425"/>
           <a:lstStyle>
             <a:lvl1pPr lvl="0" rtl="0" algn="ctr">
               <a:lnSpc>
@@ -4518,7 +4614,7 @@
           </a:prstGeom>
         </p:spPr>
         <p:txBody>
-          <a:bodyPr anchorCtr="0" anchor="ctr" bIns="91425" lIns="91425" rIns="91425" tIns="91425">
+          <a:bodyPr anchorCtr="0" anchor="ctr" bIns="91425" lIns="91425" rIns="91425" wrap="square" tIns="91425">
             <a:noAutofit/>
           </a:bodyPr>
           <a:lstStyle/>
@@ -4579,7 +4675,7 @@
           </a:prstGeom>
         </p:spPr>
         <p:txBody>
-          <a:bodyPr anchorCtr="0" anchor="b" bIns="91425" lIns="91425" rIns="91425" tIns="91425"/>
+          <a:bodyPr anchorCtr="0" anchor="b" bIns="91425" lIns="91425" rIns="91425" wrap="square" tIns="91425"/>
           <a:lstStyle>
             <a:lvl1pPr lvl="0" rtl="0" algn="ctr">
               <a:spcBef>
@@ -4666,7 +4762,7 @@
           </a:prstGeom>
         </p:spPr>
         <p:txBody>
-          <a:bodyPr anchorCtr="0" anchor="t" bIns="91425" lIns="91425" rIns="91425" tIns="91425"/>
+          <a:bodyPr anchorCtr="0" anchor="t" bIns="91425" lIns="91425" rIns="91425" wrap="square" tIns="91425"/>
           <a:lstStyle>
             <a:lvl1pPr lvl="0" rtl="0" algn="ctr">
               <a:spcBef>
@@ -4744,7 +4840,7 @@
           </a:prstGeom>
         </p:spPr>
         <p:txBody>
-          <a:bodyPr anchorCtr="0" anchor="ctr" bIns="91425" lIns="91425" rIns="91425" tIns="91425">
+          <a:bodyPr anchorCtr="0" anchor="ctr" bIns="91425" lIns="91425" rIns="91425" wrap="square" tIns="91425">
             <a:noAutofit/>
           </a:bodyPr>
           <a:lstStyle/>
@@ -4805,7 +4901,7 @@
           </a:prstGeom>
         </p:spPr>
         <p:txBody>
-          <a:bodyPr anchorCtr="0" anchor="ctr" bIns="91425" lIns="91425" rIns="91425" tIns="91425">
+          <a:bodyPr anchorCtr="0" anchor="ctr" bIns="91425" lIns="91425" rIns="91425" wrap="square" tIns="91425">
             <a:noAutofit/>
           </a:bodyPr>
           <a:lstStyle/>
@@ -4866,7 +4962,7 @@
           </a:prstGeom>
         </p:spPr>
         <p:txBody>
-          <a:bodyPr anchorCtr="0" anchor="ctr" bIns="91425" lIns="91425" rIns="91425" tIns="91425"/>
+          <a:bodyPr anchorCtr="0" anchor="ctr" bIns="91425" lIns="91425" rIns="91425" wrap="square" tIns="91425"/>
           <a:lstStyle>
             <a:lvl1pPr lvl="0" rtl="0" algn="ctr">
               <a:spcBef>
@@ -4953,7 +5049,7 @@
           </a:prstGeom>
         </p:spPr>
         <p:txBody>
-          <a:bodyPr anchorCtr="0" anchor="ctr" bIns="91425" lIns="91425" rIns="91425" tIns="91425">
+          <a:bodyPr anchorCtr="0" anchor="ctr" bIns="91425" lIns="91425" rIns="91425" wrap="square" tIns="91425">
             <a:noAutofit/>
           </a:bodyPr>
           <a:lstStyle/>
@@ -5014,7 +5110,7 @@
           </a:prstGeom>
         </p:spPr>
         <p:txBody>
-          <a:bodyPr anchorCtr="0" anchor="t" bIns="91425" lIns="91425" rIns="91425" tIns="91425"/>
+          <a:bodyPr anchorCtr="0" anchor="t" bIns="91425" lIns="91425" rIns="91425" wrap="square" tIns="91425"/>
           <a:lstStyle>
             <a:lvl1pPr lvl="0" rtl="0">
               <a:spcBef>
@@ -5092,7 +5188,7 @@
           </a:prstGeom>
         </p:spPr>
         <p:txBody>
-          <a:bodyPr anchorCtr="0" anchor="t" bIns="91425" lIns="91425" rIns="91425" tIns="91425"/>
+          <a:bodyPr anchorCtr="0" anchor="t" bIns="91425" lIns="91425" rIns="91425" wrap="square" tIns="91425"/>
           <a:lstStyle>
             <a:lvl1pPr lvl="0" rtl="0">
               <a:spcBef>
@@ -5170,7 +5266,7 @@
           </a:prstGeom>
         </p:spPr>
         <p:txBody>
-          <a:bodyPr anchorCtr="0" anchor="ctr" bIns="91425" lIns="91425" rIns="91425" tIns="91425">
+          <a:bodyPr anchorCtr="0" anchor="ctr" bIns="91425" lIns="91425" rIns="91425" wrap="square" tIns="91425">
             <a:noAutofit/>
           </a:bodyPr>
           <a:lstStyle/>
@@ -5231,7 +5327,7 @@
           </a:prstGeom>
         </p:spPr>
         <p:txBody>
-          <a:bodyPr anchorCtr="0" anchor="t" bIns="91425" lIns="91425" rIns="91425" tIns="91425"/>
+          <a:bodyPr anchorCtr="0" anchor="t" bIns="91425" lIns="91425" rIns="91425" wrap="square" tIns="91425"/>
           <a:lstStyle>
             <a:lvl1pPr lvl="0" rtl="0">
               <a:spcBef>
@@ -5309,7 +5405,7 @@
           </a:prstGeom>
         </p:spPr>
         <p:txBody>
-          <a:bodyPr anchorCtr="0" anchor="t" bIns="91425" lIns="91425" rIns="91425" tIns="91425"/>
+          <a:bodyPr anchorCtr="0" anchor="t" bIns="91425" lIns="91425" rIns="91425" wrap="square" tIns="91425"/>
           <a:lstStyle>
             <a:lvl1pPr lvl="0" rtl="0">
               <a:spcBef>
@@ -5396,7 +5492,7 @@
           </a:prstGeom>
         </p:spPr>
         <p:txBody>
-          <a:bodyPr anchorCtr="0" anchor="t" bIns="91425" lIns="91425" rIns="91425" tIns="91425"/>
+          <a:bodyPr anchorCtr="0" anchor="t" bIns="91425" lIns="91425" rIns="91425" wrap="square" tIns="91425"/>
           <a:lstStyle>
             <a:lvl1pPr lvl="0" rtl="0">
               <a:spcBef>
@@ -5483,7 +5579,7 @@
           </a:prstGeom>
         </p:spPr>
         <p:txBody>
-          <a:bodyPr anchorCtr="0" anchor="ctr" bIns="91425" lIns="91425" rIns="91425" tIns="91425">
+          <a:bodyPr anchorCtr="0" anchor="ctr" bIns="91425" lIns="91425" rIns="91425" wrap="square" tIns="91425">
             <a:noAutofit/>
           </a:bodyPr>
           <a:lstStyle/>
@@ -5544,7 +5640,7 @@
           </a:prstGeom>
         </p:spPr>
         <p:txBody>
-          <a:bodyPr anchorCtr="0" anchor="t" bIns="91425" lIns="91425" rIns="91425" tIns="91425"/>
+          <a:bodyPr anchorCtr="0" anchor="t" bIns="91425" lIns="91425" rIns="91425" wrap="square" tIns="91425"/>
           <a:lstStyle>
             <a:lvl1pPr lvl="0" rtl="0">
               <a:spcBef>
@@ -5622,7 +5718,7 @@
           </a:prstGeom>
         </p:spPr>
         <p:txBody>
-          <a:bodyPr anchorCtr="0" anchor="ctr" bIns="91425" lIns="91425" rIns="91425" tIns="91425">
+          <a:bodyPr anchorCtr="0" anchor="ctr" bIns="91425" lIns="91425" rIns="91425" wrap="square" tIns="91425">
             <a:noAutofit/>
           </a:bodyPr>
           <a:lstStyle/>
@@ -5683,7 +5779,7 @@
           </a:prstGeom>
         </p:spPr>
         <p:txBody>
-          <a:bodyPr anchorCtr="0" anchor="b" bIns="91425" lIns="91425" rIns="91425" tIns="91425"/>
+          <a:bodyPr anchorCtr="0" anchor="b" bIns="91425" lIns="91425" rIns="91425" wrap="square" tIns="91425"/>
           <a:lstStyle>
             <a:lvl1pPr lvl="0" rtl="0">
               <a:spcBef>
@@ -5770,7 +5866,7 @@
           </a:prstGeom>
         </p:spPr>
         <p:txBody>
-          <a:bodyPr anchorCtr="0" anchor="t" bIns="91425" lIns="91425" rIns="91425" tIns="91425"/>
+          <a:bodyPr anchorCtr="0" anchor="t" bIns="91425" lIns="91425" rIns="91425" wrap="square" tIns="91425"/>
           <a:lstStyle>
             <a:lvl1pPr lvl="0" rtl="0">
               <a:spcBef>
@@ -5857,7 +5953,7 @@
           </a:prstGeom>
         </p:spPr>
         <p:txBody>
-          <a:bodyPr anchorCtr="0" anchor="ctr" bIns="91425" lIns="91425" rIns="91425" tIns="91425">
+          <a:bodyPr anchorCtr="0" anchor="ctr" bIns="91425" lIns="91425" rIns="91425" wrap="square" tIns="91425">
             <a:noAutofit/>
           </a:bodyPr>
           <a:lstStyle/>
@@ -5918,7 +6014,7 @@
           </a:prstGeom>
         </p:spPr>
         <p:txBody>
-          <a:bodyPr anchorCtr="0" anchor="ctr" bIns="91425" lIns="91425" rIns="91425" tIns="91425"/>
+          <a:bodyPr anchorCtr="0" anchor="ctr" bIns="91425" lIns="91425" rIns="91425" wrap="square" tIns="91425"/>
           <a:lstStyle>
             <a:lvl1pPr lvl="0" rtl="0">
               <a:spcBef>
@@ -6005,7 +6101,7 @@
           </a:prstGeom>
         </p:spPr>
         <p:txBody>
-          <a:bodyPr anchorCtr="0" anchor="ctr" bIns="91425" lIns="91425" rIns="91425" tIns="91425">
+          <a:bodyPr anchorCtr="0" anchor="ctr" bIns="91425" lIns="91425" rIns="91425" wrap="square" tIns="91425">
             <a:noAutofit/>
           </a:bodyPr>
           <a:lstStyle/>
@@ -6070,7 +6166,7 @@
           </a:ln>
         </p:spPr>
         <p:txBody>
-          <a:bodyPr anchorCtr="0" anchor="ctr" bIns="91425" lIns="91425" rIns="91425" tIns="91425">
+          <a:bodyPr anchorCtr="0" anchor="ctr" bIns="91425" lIns="91425" rIns="91425" wrap="square" tIns="91425">
             <a:noAutofit/>
           </a:bodyPr>
           <a:lstStyle/>
@@ -6106,7 +6202,7 @@
           </a:prstGeom>
         </p:spPr>
         <p:txBody>
-          <a:bodyPr anchorCtr="0" anchor="b" bIns="91425" lIns="91425" rIns="91425" tIns="91425"/>
+          <a:bodyPr anchorCtr="0" anchor="b" bIns="91425" lIns="91425" rIns="91425" wrap="square" tIns="91425"/>
           <a:lstStyle>
             <a:lvl1pPr lvl="0" rtl="0" algn="ctr">
               <a:spcBef>
@@ -6193,7 +6289,7 @@
           </a:prstGeom>
         </p:spPr>
         <p:txBody>
-          <a:bodyPr anchorCtr="0" anchor="t" bIns="91425" lIns="91425" rIns="91425" tIns="91425"/>
+          <a:bodyPr anchorCtr="0" anchor="t" bIns="91425" lIns="91425" rIns="91425" wrap="square" tIns="91425"/>
           <a:lstStyle>
             <a:lvl1pPr lvl="0" rtl="0" algn="ctr">
               <a:lnSpc>
@@ -6343,7 +6439,7 @@
           </a:prstGeom>
         </p:spPr>
         <p:txBody>
-          <a:bodyPr anchorCtr="0" anchor="ctr" bIns="91425" lIns="91425" rIns="91425" tIns="91425"/>
+          <a:bodyPr anchorCtr="0" anchor="ctr" bIns="91425" lIns="91425" rIns="91425" wrap="square" tIns="91425"/>
           <a:lstStyle>
             <a:lvl1pPr lvl="0" rtl="0">
               <a:spcBef>
@@ -6421,7 +6517,7 @@
           </a:prstGeom>
         </p:spPr>
         <p:txBody>
-          <a:bodyPr anchorCtr="0" anchor="ctr" bIns="91425" lIns="91425" rIns="91425" tIns="91425">
+          <a:bodyPr anchorCtr="0" anchor="ctr" bIns="91425" lIns="91425" rIns="91425" wrap="square" tIns="91425">
             <a:noAutofit/>
           </a:bodyPr>
           <a:lstStyle/>
@@ -6482,7 +6578,7 @@
           </a:prstGeom>
         </p:spPr>
         <p:txBody>
-          <a:bodyPr anchorCtr="0" anchor="ctr" bIns="91425" lIns="91425" rIns="91425" tIns="91425"/>
+          <a:bodyPr anchorCtr="0" anchor="ctr" bIns="91425" lIns="91425" rIns="91425" wrap="square" tIns="91425"/>
           <a:lstStyle>
             <a:lvl1pPr lvl="0" rtl="0">
               <a:lnSpc>
@@ -6519,7 +6615,7 @@
           </a:prstGeom>
         </p:spPr>
         <p:txBody>
-          <a:bodyPr anchorCtr="0" anchor="ctr" bIns="91425" lIns="91425" rIns="91425" tIns="91425">
+          <a:bodyPr anchorCtr="0" anchor="ctr" bIns="91425" lIns="91425" rIns="91425" wrap="square" tIns="91425">
             <a:noAutofit/>
           </a:bodyPr>
           <a:lstStyle/>
@@ -6591,7 +6687,7 @@
           </a:ln>
         </p:spPr>
         <p:txBody>
-          <a:bodyPr anchorCtr="0" anchor="t" bIns="91425" lIns="91425" rIns="91425" tIns="91425"/>
+          <a:bodyPr anchorCtr="0" anchor="t" bIns="91425" lIns="91425" rIns="91425" wrap="square" tIns="91425"/>
           <a:lstStyle>
             <a:lvl1pPr lvl="0" rtl="0">
               <a:spcBef>
@@ -6754,7 +6850,7 @@
           </a:ln>
         </p:spPr>
         <p:txBody>
-          <a:bodyPr anchorCtr="0" anchor="t" bIns="91425" lIns="91425" rIns="91425" tIns="91425"/>
+          <a:bodyPr anchorCtr="0" anchor="t" bIns="91425" lIns="91425" rIns="91425" wrap="square" tIns="91425"/>
           <a:lstStyle>
             <a:lvl1pPr lvl="0" rtl="0">
               <a:lnSpc>
@@ -6963,7 +7059,7 @@
           </a:ln>
         </p:spPr>
         <p:txBody>
-          <a:bodyPr anchorCtr="0" anchor="ctr" bIns="91425" lIns="91425" rIns="91425" tIns="91425">
+          <a:bodyPr anchorCtr="0" anchor="ctr" bIns="91425" lIns="91425" rIns="91425" wrap="square" tIns="91425">
             <a:noAutofit/>
           </a:bodyPr>
           <a:lstStyle/>
@@ -7494,7 +7590,7 @@
           </a:gradFill>
         </p:spPr>
         <p:txBody>
-          <a:bodyPr anchorCtr="0" anchor="ctr" bIns="91425" lIns="91425" rIns="91425" tIns="91425">
+          <a:bodyPr anchorCtr="0" anchor="ctr" bIns="91425" lIns="91425" rIns="91425" wrap="square" tIns="91425">
             <a:noAutofit/>
           </a:bodyPr>
           <a:lstStyle/>
@@ -7560,7 +7656,7 @@
           </a:ln>
         </p:spPr>
         <p:txBody>
-          <a:bodyPr anchorCtr="0" anchor="ctr" bIns="91425" lIns="91425" rIns="91425" tIns="91425">
+          <a:bodyPr anchorCtr="0" anchor="ctr" bIns="91425" lIns="91425" rIns="91425" wrap="square" tIns="91425">
             <a:noAutofit/>
           </a:bodyPr>
           <a:lstStyle/>
@@ -7748,7 +7844,7 @@
     </p:bg>
     <p:spTree>
       <p:nvGrpSpPr>
-        <p:cNvPr id="112" name="Shape 112"/>
+        <p:cNvPr id="116" name="Shape 116"/>
         <p:cNvGrpSpPr/>
         <p:nvPr/>
       </p:nvGrpSpPr>
@@ -7762,7 +7858,7 @@
       </p:grpSpPr>
       <p:sp>
         <p:nvSpPr>
-          <p:cNvPr id="113" name="Shape 113"/>
+          <p:cNvPr id="117" name="Shape 117"/>
           <p:cNvSpPr txBox="1"/>
           <p:nvPr>
             <p:ph type="title"/>
@@ -7770,7 +7866,7 @@
         </p:nvSpPr>
         <p:spPr>
           <a:xfrm>
-            <a:off x="244900" y="0"/>
+            <a:off x="311700" y="445025"/>
             <a:ext cx="8520600" cy="572700"/>
           </a:xfrm>
           <a:prstGeom prst="rect">
@@ -7778,7 +7874,7 @@
           </a:prstGeom>
         </p:spPr>
         <p:txBody>
-          <a:bodyPr anchorCtr="0" anchor="t" bIns="91425" lIns="91425" rIns="91425" tIns="91425">
+          <a:bodyPr anchorCtr="0" anchor="t" bIns="91425" lIns="91425" rIns="91425" wrap="square" tIns="91425">
             <a:noAutofit/>
           </a:bodyPr>
           <a:lstStyle/>
@@ -7791,18 +7887,22 @@
             </a:pPr>
             <a:r>
               <a:rPr lang="en"/>
-              <a:t>Let's</a:t>
-            </a:r>
-            <a:r>
-              <a:rPr lang="en"/>
-              <a:t> use our module in the right way</a:t>
+              <a:t>From S</a:t>
+            </a:r>
+            <a:r>
+              <a:rPr lang="en"/>
+              <a:t>paghetti</a:t>
+            </a:r>
+            <a:r>
+              <a:rPr lang="en"/>
+              <a:t> to Module</a:t>
             </a:r>
           </a:p>
         </p:txBody>
       </p:sp>
       <p:pic>
         <p:nvPicPr>
-          <p:cNvPr id="114" name="Shape 114"/>
+          <p:cNvPr id="118" name="Shape 118"/>
           <p:cNvPicPr preferRelativeResize="0"/>
           <p:nvPr/>
         </p:nvPicPr>
@@ -7816,8 +7916,8 @@
         </p:blipFill>
         <p:spPr>
           <a:xfrm>
-            <a:off x="0" y="572700"/>
-            <a:ext cx="9143999" cy="4570800"/>
+            <a:off x="0" y="1362993"/>
+            <a:ext cx="9144001" cy="3780513"/>
           </a:xfrm>
           <a:prstGeom prst="rect">
             <a:avLst/>
@@ -7859,7 +7959,7 @@
     </p:bg>
     <p:spTree>
       <p:nvGrpSpPr>
-        <p:cNvPr id="118" name="Shape 118"/>
+        <p:cNvPr id="122" name="Shape 122"/>
         <p:cNvGrpSpPr/>
         <p:nvPr/>
       </p:nvGrpSpPr>
@@ -7873,7 +7973,7 @@
       </p:grpSpPr>
       <p:sp>
         <p:nvSpPr>
-          <p:cNvPr id="119" name="Shape 119"/>
+          <p:cNvPr id="123" name="Shape 123"/>
           <p:cNvSpPr txBox="1"/>
           <p:nvPr>
             <p:ph type="title"/>
@@ -7881,111 +7981,39 @@
         </p:nvSpPr>
         <p:spPr>
           <a:xfrm>
-            <a:off x="618975" y="0"/>
-            <a:ext cx="2524800" cy="5143500"/>
+            <a:off x="244900" y="0"/>
+            <a:ext cx="8520600" cy="572700"/>
           </a:xfrm>
           <a:prstGeom prst="rect">
             <a:avLst/>
           </a:prstGeom>
         </p:spPr>
         <p:txBody>
-          <a:bodyPr anchorCtr="0" anchor="t" bIns="91425" lIns="91425" rIns="91425" tIns="91425">
+          <a:bodyPr anchorCtr="0" anchor="t" bIns="91425" lIns="91425" rIns="91425" wrap="square" tIns="91425">
             <a:noAutofit/>
           </a:bodyPr>
           <a:lstStyle/>
           <a:p>
-            <a:pPr lvl="0" rtl="0" algn="ctr">
-              <a:spcBef>
-                <a:spcPts val="0"/>
-              </a:spcBef>
-              <a:buNone/>
-            </a:pPr>
-            <a:r>
-              <a:rPr lang="en"/>
-              <a:t>Houston, </a:t>
-            </a:r>
-          </a:p>
-          <a:p>
-            <a:pPr lvl="0" rtl="0" algn="ctr">
-              <a:spcBef>
-                <a:spcPts val="0"/>
-              </a:spcBef>
-              <a:buNone/>
-            </a:pPr>
-            <a:r>
-              <a:rPr lang="en"/>
-              <a:t>we have a problem</a:t>
-            </a:r>
-          </a:p>
-          <a:p>
-            <a:pPr lvl="0" rtl="0" algn="ctr">
-              <a:spcBef>
-                <a:spcPts val="0"/>
-              </a:spcBef>
-              <a:buNone/>
-            </a:pPr>
-            <a:r>
-              <a:rPr lang="en"/>
-              <a:t>To</a:t>
-            </a:r>
-          </a:p>
-          <a:p>
-            <a:pPr lvl="0" rtl="0" algn="ctr">
-              <a:spcBef>
-                <a:spcPts val="0"/>
-              </a:spcBef>
-              <a:buNone/>
-            </a:pPr>
-            <a:r>
-              <a:rPr lang="en"/>
-              <a:t>Maintain</a:t>
-            </a:r>
-          </a:p>
-          <a:p>
-            <a:pPr lvl="0" rtl="0" algn="ctr">
-              <a:spcBef>
-                <a:spcPts val="0"/>
-              </a:spcBef>
-              <a:buNone/>
-            </a:pPr>
-            <a:r>
-              <a:t/>
-            </a:r>
-            <a:endParaRPr/>
-          </a:p>
-          <a:p>
-            <a:pPr lvl="0" rtl="0" algn="ctr">
-              <a:spcBef>
-                <a:spcPts val="0"/>
-              </a:spcBef>
-              <a:buNone/>
-            </a:pPr>
-            <a:r>
-              <a:t/>
-            </a:r>
-            <a:endParaRPr/>
-          </a:p>
-          <a:p>
-            <a:pPr lvl="0" algn="ctr">
-              <a:spcBef>
-                <a:spcPts val="0"/>
-              </a:spcBef>
-              <a:buNone/>
-            </a:pPr>
-            <a:r>
-              <a:rPr lang="en"/>
-              <a:t> </a:t>
-            </a:r>
-            <a:r>
-              <a:rPr lang="en" sz="4800"/>
-              <a:t>this</a:t>
+            <a:pPr lvl="0">
+              <a:spcBef>
+                <a:spcPts val="0"/>
+              </a:spcBef>
+              <a:buNone/>
+            </a:pPr>
+            <a:r>
+              <a:rPr lang="en"/>
+              <a:t>Let's</a:t>
+            </a:r>
+            <a:r>
+              <a:rPr lang="en"/>
+              <a:t> use our module in the right way</a:t>
             </a:r>
           </a:p>
         </p:txBody>
       </p:sp>
       <p:pic>
         <p:nvPicPr>
-          <p:cNvPr descr="1-cbG2uK0mFJ1IAdLowP3ctg.png" id="120" name="Shape 120"/>
+          <p:cNvPr id="124" name="Shape 124"/>
           <p:cNvPicPr preferRelativeResize="0"/>
           <p:nvPr/>
         </p:nvPicPr>
@@ -7999,8 +8027,8 @@
         </p:blipFill>
         <p:spPr>
           <a:xfrm>
-            <a:off x="4000500" y="0"/>
-            <a:ext cx="5143500" cy="5143500"/>
+            <a:off x="0" y="572700"/>
+            <a:ext cx="9143999" cy="4570800"/>
           </a:xfrm>
           <a:prstGeom prst="rect">
             <a:avLst/>
@@ -8011,11 +8039,122 @@
           </a:ln>
         </p:spPr>
       </p:pic>
+      <p:pic>
+        <p:nvPicPr>
+          <p:cNvPr descr="thinking.jpg" id="125" name="Shape 125"/>
+          <p:cNvPicPr preferRelativeResize="0"/>
+          <p:nvPr/>
+        </p:nvPicPr>
+        <p:blipFill>
+          <a:blip r:embed="rId4">
+            <a:alphaModFix/>
+          </a:blip>
+          <a:stretch>
+            <a:fillRect/>
+          </a:stretch>
+        </p:blipFill>
+        <p:spPr>
+          <a:xfrm>
+            <a:off x="4011024" y="2558024"/>
+            <a:ext cx="1702475" cy="1702475"/>
+          </a:xfrm>
+          <a:prstGeom prst="rect">
+            <a:avLst/>
+          </a:prstGeom>
+          <a:noFill/>
+          <a:ln>
+            <a:noFill/>
+          </a:ln>
+        </p:spPr>
+      </p:pic>
     </p:spTree>
   </p:cSld>
   <p:clrMapOvr>
     <a:masterClrMapping/>
   </p:clrMapOvr>
+  <p:timing>
+    <p:tnLst>
+      <p:par>
+        <p:cTn dur="indefinite" nodeType="tmRoot" restart="never">
+          <p:childTnLst>
+            <p:seq concurrent="1" nextAc="seek">
+              <p:cTn dur="indefinite" id="2" nodeType="mainSeq">
+                <p:childTnLst>
+                  <p:par>
+                    <p:cTn fill="hold">
+                      <p:stCondLst>
+                        <p:cond delay="indefinite"/>
+                      </p:stCondLst>
+                      <p:childTnLst>
+                        <p:par>
+                          <p:cTn fill="hold">
+                            <p:stCondLst>
+                              <p:cond delay="0"/>
+                            </p:stCondLst>
+                            <p:childTnLst>
+                              <p:par>
+                                <p:cTn fill="hold" nodeType="clickEffect" presetClass="entr" presetID="10" presetSubtype="0">
+                                  <p:stCondLst>
+                                    <p:cond delay="0"/>
+                                  </p:stCondLst>
+                                  <p:childTnLst>
+                                    <p:set>
+                                      <p:cBhvr>
+                                        <p:cTn dur="1" fill="hold">
+                                          <p:stCondLst>
+                                            <p:cond delay="0"/>
+                                          </p:stCondLst>
+                                        </p:cTn>
+                                        <p:tgtEl>
+                                          <p:spTgt spid="125"/>
+                                        </p:tgtEl>
+                                        <p:attrNameLst>
+                                          <p:attrName>style.visibility</p:attrName>
+                                        </p:attrNameLst>
+                                      </p:cBhvr>
+                                      <p:to>
+                                        <p:strVal val="visible"/>
+                                      </p:to>
+                                    </p:set>
+                                    <p:animEffect filter="fade" transition="in">
+                                      <p:cBhvr>
+                                        <p:cTn dur="5000"/>
+                                        <p:tgtEl>
+                                          <p:spTgt spid="125"/>
+                                        </p:tgtEl>
+                                      </p:cBhvr>
+                                    </p:animEffect>
+                                  </p:childTnLst>
+                                </p:cTn>
+                              </p:par>
+                            </p:childTnLst>
+                          </p:cTn>
+                        </p:par>
+                      </p:childTnLst>
+                    </p:cTn>
+                  </p:par>
+                </p:childTnLst>
+              </p:cTn>
+              <p:prevCondLst>
+                <p:cond evt="onPrev">
+                  <p:tgtEl>
+                    <p:sldTgt/>
+                  </p:tgtEl>
+                </p:cond>
+              </p:prevCondLst>
+              <p:nextCondLst>
+                <p:cond evt="onNext">
+                  <p:tgtEl>
+                    <p:sldTgt/>
+                  </p:tgtEl>
+                </p:cond>
+              </p:nextCondLst>
+            </p:seq>
+          </p:childTnLst>
+        </p:cTn>
+      </p:par>
+    </p:tnLst>
+  </p:timing>
 </p:sld>
 </file>
 
@@ -8042,7 +8181,7 @@
     </p:bg>
     <p:spTree>
       <p:nvGrpSpPr>
-        <p:cNvPr id="124" name="Shape 124"/>
+        <p:cNvPr id="129" name="Shape 129"/>
         <p:cNvGrpSpPr/>
         <p:nvPr/>
       </p:nvGrpSpPr>
@@ -8056,7 +8195,7 @@
       </p:grpSpPr>
       <p:sp>
         <p:nvSpPr>
-          <p:cNvPr id="125" name="Shape 125"/>
+          <p:cNvPr id="130" name="Shape 130"/>
           <p:cNvSpPr txBox="1"/>
           <p:nvPr>
             <p:ph type="title"/>
@@ -8064,47 +8203,111 @@
         </p:nvSpPr>
         <p:spPr>
           <a:xfrm>
-            <a:off x="311700" y="445025"/>
-            <a:ext cx="8520600" cy="1052400"/>
+            <a:off x="618975" y="0"/>
+            <a:ext cx="2524800" cy="5143500"/>
           </a:xfrm>
           <a:prstGeom prst="rect">
             <a:avLst/>
           </a:prstGeom>
         </p:spPr>
         <p:txBody>
-          <a:bodyPr anchorCtr="0" anchor="t" bIns="91425" lIns="91425" rIns="91425" tIns="91425">
+          <a:bodyPr anchorCtr="0" anchor="t" bIns="91425" lIns="91425" rIns="91425" wrap="square" tIns="91425">
             <a:noAutofit/>
           </a:bodyPr>
           <a:lstStyle/>
           <a:p>
-            <a:pPr lvl="0">
-              <a:spcBef>
-                <a:spcPts val="0"/>
-              </a:spcBef>
-              <a:buNone/>
-            </a:pPr>
-            <a:r>
-              <a:rPr lang="en"/>
-              <a:t>Let’s meet our friend,</a:t>
-            </a:r>
-          </a:p>
-          <a:p>
-            <a:pPr lvl="0">
-              <a:spcBef>
-                <a:spcPts val="0"/>
-              </a:spcBef>
-              <a:buNone/>
-            </a:pPr>
-            <a:r>
-              <a:rPr lang="en"/>
-              <a:t>Observable pattern.              (Pub/Sub)</a:t>
+            <a:pPr lvl="0" rtl="0" algn="ctr">
+              <a:spcBef>
+                <a:spcPts val="0"/>
+              </a:spcBef>
+              <a:buNone/>
+            </a:pPr>
+            <a:r>
+              <a:rPr lang="en"/>
+              <a:t>Houston, </a:t>
+            </a:r>
+          </a:p>
+          <a:p>
+            <a:pPr lvl="0" rtl="0" algn="ctr">
+              <a:spcBef>
+                <a:spcPts val="0"/>
+              </a:spcBef>
+              <a:buNone/>
+            </a:pPr>
+            <a:r>
+              <a:rPr lang="en"/>
+              <a:t>we have a problem</a:t>
+            </a:r>
+          </a:p>
+          <a:p>
+            <a:pPr lvl="0" rtl="0" algn="ctr">
+              <a:spcBef>
+                <a:spcPts val="0"/>
+              </a:spcBef>
+              <a:buNone/>
+            </a:pPr>
+            <a:r>
+              <a:rPr lang="en"/>
+              <a:t>To</a:t>
+            </a:r>
+          </a:p>
+          <a:p>
+            <a:pPr lvl="0" rtl="0" algn="ctr">
+              <a:spcBef>
+                <a:spcPts val="0"/>
+              </a:spcBef>
+              <a:buNone/>
+            </a:pPr>
+            <a:r>
+              <a:rPr lang="en"/>
+              <a:t>Maintain</a:t>
+            </a:r>
+          </a:p>
+          <a:p>
+            <a:pPr lvl="0" rtl="0" algn="ctr">
+              <a:spcBef>
+                <a:spcPts val="0"/>
+              </a:spcBef>
+              <a:buNone/>
+            </a:pPr>
+            <a:r>
+              <a:t/>
+            </a:r>
+            <a:endParaRPr/>
+          </a:p>
+          <a:p>
+            <a:pPr lvl="0" rtl="0" algn="ctr">
+              <a:spcBef>
+                <a:spcPts val="0"/>
+              </a:spcBef>
+              <a:buNone/>
+            </a:pPr>
+            <a:r>
+              <a:t/>
+            </a:r>
+            <a:endParaRPr/>
+          </a:p>
+          <a:p>
+            <a:pPr lvl="0" algn="ctr">
+              <a:spcBef>
+                <a:spcPts val="0"/>
+              </a:spcBef>
+              <a:buNone/>
+            </a:pPr>
+            <a:r>
+              <a:rPr lang="en"/>
+              <a:t> </a:t>
+            </a:r>
+            <a:r>
+              <a:rPr lang="en" sz="4800"/>
+              <a:t>this</a:t>
             </a:r>
           </a:p>
         </p:txBody>
       </p:sp>
       <p:pic>
         <p:nvPicPr>
-          <p:cNvPr descr="im-ready-for-this-pub-sub.jpg" id="126" name="Shape 126"/>
+          <p:cNvPr descr="1-cbG2uK0mFJ1IAdLowP3ctg.png" id="131" name="Shape 131"/>
           <p:cNvPicPr preferRelativeResize="0"/>
           <p:nvPr/>
         </p:nvPicPr>
@@ -8118,36 +8321,8 @@
         </p:blipFill>
         <p:spPr>
           <a:xfrm>
-            <a:off x="526475" y="1649837"/>
-            <a:ext cx="2614238" cy="3341274"/>
-          </a:xfrm>
-          <a:prstGeom prst="rect">
-            <a:avLst/>
-          </a:prstGeom>
-          <a:noFill/>
-          <a:ln>
-            <a:noFill/>
-          </a:ln>
-        </p:spPr>
-      </p:pic>
-      <p:pic>
-        <p:nvPicPr>
-          <p:cNvPr descr="873659.png" id="127" name="Shape 127"/>
-          <p:cNvPicPr preferRelativeResize="0"/>
-          <p:nvPr/>
-        </p:nvPicPr>
-        <p:blipFill>
-          <a:blip r:embed="rId4">
-            <a:alphaModFix/>
-          </a:blip>
-          <a:stretch>
-            <a:fillRect/>
-          </a:stretch>
-        </p:blipFill>
-        <p:spPr>
-          <a:xfrm>
-            <a:off x="4254988" y="1672637"/>
-            <a:ext cx="4286250" cy="3295650"/>
+            <a:off x="4000500" y="0"/>
+            <a:ext cx="5143500" cy="5143500"/>
           </a:xfrm>
           <a:prstGeom prst="rect">
             <a:avLst/>
@@ -8189,7 +8364,7 @@
     </p:bg>
     <p:spTree>
       <p:nvGrpSpPr>
-        <p:cNvPr id="131" name="Shape 131"/>
+        <p:cNvPr id="135" name="Shape 135"/>
         <p:cNvGrpSpPr/>
         <p:nvPr/>
       </p:nvGrpSpPr>
@@ -8203,7 +8378,7 @@
       </p:grpSpPr>
       <p:sp>
         <p:nvSpPr>
-          <p:cNvPr id="132" name="Shape 132"/>
+          <p:cNvPr id="136" name="Shape 136"/>
           <p:cNvSpPr txBox="1"/>
           <p:nvPr>
             <p:ph type="title"/>
@@ -8212,14 +8387,14 @@
         <p:spPr>
           <a:xfrm>
             <a:off x="311700" y="445025"/>
-            <a:ext cx="8520600" cy="572700"/>
+            <a:ext cx="8520600" cy="1052400"/>
           </a:xfrm>
           <a:prstGeom prst="rect">
             <a:avLst/>
           </a:prstGeom>
         </p:spPr>
         <p:txBody>
-          <a:bodyPr anchorCtr="0" anchor="t" bIns="91425" lIns="91425" rIns="91425" tIns="91425">
+          <a:bodyPr anchorCtr="0" anchor="t" bIns="91425" lIns="91425" rIns="91425" wrap="square" tIns="91425">
             <a:noAutofit/>
           </a:bodyPr>
           <a:lstStyle/>
@@ -8232,14 +8407,26 @@
             </a:pPr>
             <a:r>
               <a:rPr lang="en"/>
-              <a:t>What is pub/ sub pattern</a:t>
+              <a:t>Let’s meet our friend,</a:t>
+            </a:r>
+          </a:p>
+          <a:p>
+            <a:pPr lvl="0">
+              <a:spcBef>
+                <a:spcPts val="0"/>
+              </a:spcBef>
+              <a:buNone/>
+            </a:pPr>
+            <a:r>
+              <a:rPr lang="en"/>
+              <a:t>Observable pattern.              (Pub/Sub)</a:t>
             </a:r>
           </a:p>
         </p:txBody>
       </p:sp>
       <p:pic>
         <p:nvPicPr>
-          <p:cNvPr descr="pubsub.png" id="133" name="Shape 133"/>
+          <p:cNvPr descr="im-ready-for-this-pub-sub.jpg" id="137" name="Shape 137"/>
           <p:cNvPicPr preferRelativeResize="0"/>
           <p:nvPr/>
         </p:nvPicPr>
@@ -8253,8 +8440,8 @@
         </p:blipFill>
         <p:spPr>
           <a:xfrm>
-            <a:off x="3353300" y="1086600"/>
-            <a:ext cx="5790700" cy="4056900"/>
+            <a:off x="526475" y="1649837"/>
+            <a:ext cx="2614238" cy="3341274"/>
           </a:xfrm>
           <a:prstGeom prst="rect">
             <a:avLst/>
@@ -8265,16 +8452,24 @@
           </a:ln>
         </p:spPr>
       </p:pic>
-      <p:sp>
-        <p:nvSpPr>
-          <p:cNvPr id="134" name="Shape 134"/>
-          <p:cNvSpPr txBox="1"/>
+      <p:pic>
+        <p:nvPicPr>
+          <p:cNvPr descr="873659.png" id="138" name="Shape 138"/>
+          <p:cNvPicPr preferRelativeResize="0"/>
           <p:nvPr/>
-        </p:nvSpPr>
-        <p:spPr>
-          <a:xfrm>
-            <a:off x="26724" y="1033150"/>
-            <a:ext cx="3246300" cy="4056900"/>
+        </p:nvPicPr>
+        <p:blipFill>
+          <a:blip r:embed="rId4">
+            <a:alphaModFix/>
+          </a:blip>
+          <a:stretch>
+            <a:fillRect/>
+          </a:stretch>
+        </p:blipFill>
+        <p:spPr>
+          <a:xfrm>
+            <a:off x="4254988" y="1672637"/>
+            <a:ext cx="4286250" cy="3295650"/>
           </a:xfrm>
           <a:prstGeom prst="rect">
             <a:avLst/>
@@ -8284,81 +8479,7 @@
             <a:noFill/>
           </a:ln>
         </p:spPr>
-        <p:txBody>
-          <a:bodyPr anchorCtr="0" anchor="t" bIns="91425" lIns="91425" rIns="91425" tIns="91425">
-            <a:noAutofit/>
-          </a:bodyPr>
-          <a:lstStyle/>
-          <a:p>
-            <a:pPr lvl="0">
-              <a:spcBef>
-                <a:spcPts val="0"/>
-              </a:spcBef>
-              <a:buNone/>
-            </a:pPr>
-            <a:r>
-              <a:rPr lang="en"/>
-              <a:t>Like </a:t>
-            </a:r>
-            <a:r>
-              <a:rPr lang="en"/>
-              <a:t>twitter </a:t>
-            </a:r>
-          </a:p>
-          <a:p>
-            <a:pPr indent="-228600" lvl="0" marL="457200" rtl="0">
-              <a:spcBef>
-                <a:spcPts val="0"/>
-              </a:spcBef>
-              <a:buChar char="●"/>
-            </a:pPr>
-            <a:r>
-              <a:rPr lang="en"/>
-              <a:t>The celeb post his tweet</a:t>
-            </a:r>
-          </a:p>
-          <a:p>
-            <a:pPr indent="-228600" lvl="0" marL="457200" rtl="0">
-              <a:spcBef>
-                <a:spcPts val="0"/>
-              </a:spcBef>
-              <a:buChar char="●"/>
-            </a:pPr>
-            <a:r>
-              <a:rPr lang="en"/>
-              <a:t>The subscriber get the push </a:t>
-            </a:r>
-            <a:r>
-              <a:rPr lang="en"/>
-              <a:t> </a:t>
-            </a:r>
-          </a:p>
-          <a:p>
-            <a:pPr lvl="0" rtl="0">
-              <a:spcBef>
-                <a:spcPts val="0"/>
-              </a:spcBef>
-              <a:buNone/>
-            </a:pPr>
-            <a:r>
-              <a:t/>
-            </a:r>
-            <a:endParaRPr/>
-          </a:p>
-          <a:p>
-            <a:pPr lvl="0">
-              <a:spcBef>
-                <a:spcPts val="0"/>
-              </a:spcBef>
-              <a:buNone/>
-            </a:pPr>
-            <a:r>
-              <a:rPr lang="en"/>
-              <a:t>Every publisher can have as many   followers as he wants</a:t>
-            </a:r>
-          </a:p>
-        </p:txBody>
-      </p:sp>
+      </p:pic>
     </p:spTree>
   </p:cSld>
   <p:clrMapOvr>
@@ -8390,7 +8511,7 @@
     </p:bg>
     <p:spTree>
       <p:nvGrpSpPr>
-        <p:cNvPr id="138" name="Shape 138"/>
+        <p:cNvPr id="142" name="Shape 142"/>
         <p:cNvGrpSpPr/>
         <p:nvPr/>
       </p:nvGrpSpPr>
@@ -8404,7 +8525,7 @@
       </p:grpSpPr>
       <p:sp>
         <p:nvSpPr>
-          <p:cNvPr id="139" name="Shape 139"/>
+          <p:cNvPr id="143" name="Shape 143"/>
           <p:cNvSpPr txBox="1"/>
           <p:nvPr>
             <p:ph type="title"/>
@@ -8412,7 +8533,7 @@
         </p:nvSpPr>
         <p:spPr>
           <a:xfrm>
-            <a:off x="311700" y="0"/>
+            <a:off x="311700" y="445025"/>
             <a:ext cx="8520600" cy="572700"/>
           </a:xfrm>
           <a:prstGeom prst="rect">
@@ -8420,7 +8541,7 @@
           </a:prstGeom>
         </p:spPr>
         <p:txBody>
-          <a:bodyPr anchorCtr="0" anchor="t" bIns="91425" lIns="91425" rIns="91425" tIns="91425">
+          <a:bodyPr anchorCtr="0" anchor="t" bIns="91425" lIns="91425" rIns="91425" wrap="square" tIns="91425">
             <a:noAutofit/>
           </a:bodyPr>
           <a:lstStyle/>
@@ -8433,14 +8554,14 @@
             </a:pPr>
             <a:r>
               <a:rPr lang="en"/>
-              <a:t>Let’s go pub/sub….</a:t>
+              <a:t>What is pub/ sub pattern</a:t>
             </a:r>
           </a:p>
         </p:txBody>
       </p:sp>
       <p:pic>
         <p:nvPicPr>
-          <p:cNvPr id="140" name="Shape 140"/>
+          <p:cNvPr descr="pubsub.png" id="144" name="Shape 144"/>
           <p:cNvPicPr preferRelativeResize="0"/>
           <p:nvPr/>
         </p:nvPicPr>
@@ -8454,8 +8575,8 @@
         </p:blipFill>
         <p:spPr>
           <a:xfrm>
-            <a:off x="0" y="725100"/>
-            <a:ext cx="9143999" cy="4418400"/>
+            <a:off x="3353300" y="1086600"/>
+            <a:ext cx="5790700" cy="4056900"/>
           </a:xfrm>
           <a:prstGeom prst="rect">
             <a:avLst/>
@@ -8466,24 +8587,16 @@
           </a:ln>
         </p:spPr>
       </p:pic>
-      <p:pic>
-        <p:nvPicPr>
-          <p:cNvPr id="141" name="Shape 141"/>
-          <p:cNvPicPr preferRelativeResize="0"/>
+      <p:sp>
+        <p:nvSpPr>
+          <p:cNvPr id="145" name="Shape 145"/>
+          <p:cNvSpPr txBox="1"/>
           <p:nvPr/>
-        </p:nvPicPr>
-        <p:blipFill>
-          <a:blip r:embed="rId4">
-            <a:alphaModFix/>
-          </a:blip>
-          <a:stretch>
-            <a:fillRect/>
-          </a:stretch>
-        </p:blipFill>
-        <p:spPr>
-          <a:xfrm>
-            <a:off x="4207100" y="725100"/>
-            <a:ext cx="4936899" cy="4418399"/>
+        </p:nvSpPr>
+        <p:spPr>
+          <a:xfrm>
+            <a:off x="26724" y="1033150"/>
+            <a:ext cx="3246300" cy="4056900"/>
           </a:xfrm>
           <a:prstGeom prst="rect">
             <a:avLst/>
@@ -8493,7 +8606,81 @@
             <a:noFill/>
           </a:ln>
         </p:spPr>
-      </p:pic>
+        <p:txBody>
+          <a:bodyPr anchorCtr="0" anchor="t" bIns="91425" lIns="91425" rIns="91425" wrap="square" tIns="91425">
+            <a:noAutofit/>
+          </a:bodyPr>
+          <a:lstStyle/>
+          <a:p>
+            <a:pPr lvl="0">
+              <a:spcBef>
+                <a:spcPts val="0"/>
+              </a:spcBef>
+              <a:buNone/>
+            </a:pPr>
+            <a:r>
+              <a:rPr lang="en"/>
+              <a:t>Like </a:t>
+            </a:r>
+            <a:r>
+              <a:rPr lang="en"/>
+              <a:t>twitter </a:t>
+            </a:r>
+          </a:p>
+          <a:p>
+            <a:pPr indent="-228600" lvl="0" marL="457200" rtl="0">
+              <a:spcBef>
+                <a:spcPts val="0"/>
+              </a:spcBef>
+              <a:buChar char="●"/>
+            </a:pPr>
+            <a:r>
+              <a:rPr lang="en"/>
+              <a:t>The celeb posts his tweet</a:t>
+            </a:r>
+          </a:p>
+          <a:p>
+            <a:pPr indent="-228600" lvl="0" marL="457200" rtl="0">
+              <a:spcBef>
+                <a:spcPts val="0"/>
+              </a:spcBef>
+              <a:buChar char="●"/>
+            </a:pPr>
+            <a:r>
+              <a:rPr lang="en"/>
+              <a:t>The subscriber gets the push </a:t>
+            </a:r>
+            <a:r>
+              <a:rPr lang="en"/>
+              <a:t> </a:t>
+            </a:r>
+          </a:p>
+          <a:p>
+            <a:pPr lvl="0" rtl="0">
+              <a:spcBef>
+                <a:spcPts val="0"/>
+              </a:spcBef>
+              <a:buNone/>
+            </a:pPr>
+            <a:r>
+              <a:t/>
+            </a:r>
+            <a:endParaRPr/>
+          </a:p>
+          <a:p>
+            <a:pPr lvl="0">
+              <a:spcBef>
+                <a:spcPts val="0"/>
+              </a:spcBef>
+              <a:buNone/>
+            </a:pPr>
+            <a:r>
+              <a:rPr lang="en"/>
+              <a:t>Every publisher can have as many   followers as he wants</a:t>
+            </a:r>
+          </a:p>
+        </p:txBody>
+      </p:sp>
     </p:spTree>
   </p:cSld>
   <p:clrMapOvr>
@@ -8525,7 +8712,7 @@
     </p:bg>
     <p:spTree>
       <p:nvGrpSpPr>
-        <p:cNvPr id="145" name="Shape 145"/>
+        <p:cNvPr id="149" name="Shape 149"/>
         <p:cNvGrpSpPr/>
         <p:nvPr/>
       </p:nvGrpSpPr>
@@ -8539,7 +8726,7 @@
       </p:grpSpPr>
       <p:sp>
         <p:nvSpPr>
-          <p:cNvPr id="146" name="Shape 146"/>
+          <p:cNvPr id="150" name="Shape 150"/>
           <p:cNvSpPr txBox="1"/>
           <p:nvPr>
             <p:ph type="title"/>
@@ -8547,7 +8734,7 @@
         </p:nvSpPr>
         <p:spPr>
           <a:xfrm>
-            <a:off x="311700" y="445025"/>
+            <a:off x="311700" y="0"/>
             <a:ext cx="8520600" cy="572700"/>
           </a:xfrm>
           <a:prstGeom prst="rect">
@@ -8555,7 +8742,7 @@
           </a:prstGeom>
         </p:spPr>
         <p:txBody>
-          <a:bodyPr anchorCtr="0" anchor="t" bIns="91425" lIns="91425" rIns="91425" tIns="91425">
+          <a:bodyPr anchorCtr="0" anchor="t" bIns="91425" lIns="91425" rIns="91425" wrap="square" tIns="91425">
             <a:noAutofit/>
           </a:bodyPr>
           <a:lstStyle/>
@@ -8568,14 +8755,14 @@
             </a:pPr>
             <a:r>
               <a:rPr lang="en"/>
-              <a:t>Show me the code.. (only 25 lines of code, with {})</a:t>
+              <a:t>Let’s go pub/sub….</a:t>
             </a:r>
           </a:p>
         </p:txBody>
       </p:sp>
       <p:pic>
         <p:nvPicPr>
-          <p:cNvPr id="147" name="Shape 147"/>
+          <p:cNvPr id="151" name="Shape 151"/>
           <p:cNvPicPr preferRelativeResize="0"/>
           <p:nvPr/>
         </p:nvPicPr>
@@ -8589,8 +8776,36 @@
         </p:blipFill>
         <p:spPr>
           <a:xfrm>
-            <a:off x="0" y="1170125"/>
-            <a:ext cx="9143999" cy="3973375"/>
+            <a:off x="0" y="725100"/>
+            <a:ext cx="9143999" cy="4418400"/>
+          </a:xfrm>
+          <a:prstGeom prst="rect">
+            <a:avLst/>
+          </a:prstGeom>
+          <a:noFill/>
+          <a:ln>
+            <a:noFill/>
+          </a:ln>
+        </p:spPr>
+      </p:pic>
+      <p:pic>
+        <p:nvPicPr>
+          <p:cNvPr id="152" name="Shape 152"/>
+          <p:cNvPicPr preferRelativeResize="0"/>
+          <p:nvPr/>
+        </p:nvPicPr>
+        <p:blipFill>
+          <a:blip r:embed="rId4">
+            <a:alphaModFix/>
+          </a:blip>
+          <a:stretch>
+            <a:fillRect/>
+          </a:stretch>
+        </p:blipFill>
+        <p:spPr>
+          <a:xfrm>
+            <a:off x="4207100" y="725100"/>
+            <a:ext cx="4936899" cy="4418399"/>
           </a:xfrm>
           <a:prstGeom prst="rect">
             <a:avLst/>
@@ -8632,7 +8847,7 @@
     </p:bg>
     <p:spTree>
       <p:nvGrpSpPr>
-        <p:cNvPr id="151" name="Shape 151"/>
+        <p:cNvPr id="156" name="Shape 156"/>
         <p:cNvGrpSpPr/>
         <p:nvPr/>
       </p:nvGrpSpPr>
@@ -8646,7 +8861,7 @@
       </p:grpSpPr>
       <p:sp>
         <p:nvSpPr>
-          <p:cNvPr id="152" name="Shape 152"/>
+          <p:cNvPr id="157" name="Shape 157"/>
           <p:cNvSpPr txBox="1"/>
           <p:nvPr>
             <p:ph type="title"/>
@@ -8662,7 +8877,7 @@
           </a:prstGeom>
         </p:spPr>
         <p:txBody>
-          <a:bodyPr anchorCtr="0" anchor="t" bIns="91425" lIns="91425" rIns="91425" tIns="91425">
+          <a:bodyPr anchorCtr="0" anchor="t" bIns="91425" lIns="91425" rIns="91425" wrap="square" tIns="91425">
             <a:noAutofit/>
           </a:bodyPr>
           <a:lstStyle/>
@@ -8675,14 +8890,14 @@
             </a:pPr>
             <a:r>
               <a:rPr lang="en"/>
-              <a:t>What did i see right now...</a:t>
+              <a:t>Show me the code.. (only 25 lines of code, with {})</a:t>
             </a:r>
           </a:p>
         </p:txBody>
       </p:sp>
       <p:pic>
         <p:nvPicPr>
-          <p:cNvPr descr="8whzl0.jpg" id="153" name="Shape 153"/>
+          <p:cNvPr id="158" name="Shape 158"/>
           <p:cNvPicPr preferRelativeResize="0"/>
           <p:nvPr/>
         </p:nvPicPr>
@@ -8696,8 +8911,8 @@
         </p:blipFill>
         <p:spPr>
           <a:xfrm>
-            <a:off x="1835609" y="1017725"/>
-            <a:ext cx="4884340" cy="4125774"/>
+            <a:off x="0" y="1170125"/>
+            <a:ext cx="9143999" cy="3973375"/>
           </a:xfrm>
           <a:prstGeom prst="rect">
             <a:avLst/>
@@ -8739,7 +8954,7 @@
     </p:bg>
     <p:spTree>
       <p:nvGrpSpPr>
-        <p:cNvPr id="157" name="Shape 157"/>
+        <p:cNvPr id="162" name="Shape 162"/>
         <p:cNvGrpSpPr/>
         <p:nvPr/>
       </p:nvGrpSpPr>
@@ -8753,7 +8968,7 @@
       </p:grpSpPr>
       <p:sp>
         <p:nvSpPr>
-          <p:cNvPr id="158" name="Shape 158"/>
+          <p:cNvPr id="163" name="Shape 163"/>
           <p:cNvSpPr txBox="1"/>
           <p:nvPr>
             <p:ph type="title"/>
@@ -8769,7 +8984,7 @@
           </a:prstGeom>
         </p:spPr>
         <p:txBody>
-          <a:bodyPr anchorCtr="0" anchor="t" bIns="91425" lIns="91425" rIns="91425" tIns="91425">
+          <a:bodyPr anchorCtr="0" anchor="t" bIns="91425" lIns="91425" rIns="91425" wrap="square" tIns="91425">
             <a:noAutofit/>
           </a:bodyPr>
           <a:lstStyle/>
@@ -8782,82 +8997,14 @@
             </a:pPr>
             <a:r>
               <a:rPr lang="en"/>
-              <a:t>You passed function to array?!?!</a:t>
-            </a:r>
-          </a:p>
-          <a:p>
-            <a:pPr lvl="0">
-              <a:spcBef>
-                <a:spcPts val="0"/>
-              </a:spcBef>
-              <a:buNone/>
-            </a:pPr>
-            <a:r>
-              <a:rPr lang="en"/>
-              <a:t>You called function from array?!?!</a:t>
-            </a:r>
-          </a:p>
-          <a:p>
-            <a:pPr indent="457200" lvl="0" marL="1828800">
-              <a:spcBef>
-                <a:spcPts val="0"/>
-              </a:spcBef>
-              <a:buNone/>
-            </a:pPr>
-            <a:r>
-              <a:rPr lang="en"/>
-              <a:t> WTF</a:t>
-            </a:r>
-          </a:p>
-        </p:txBody>
-      </p:sp>
-      <p:sp>
-        <p:nvSpPr>
-          <p:cNvPr id="159" name="Shape 159"/>
-          <p:cNvSpPr txBox="1"/>
-          <p:nvPr>
-            <p:ph idx="1" type="body"/>
-          </p:nvPr>
-        </p:nvSpPr>
-        <p:spPr>
-          <a:xfrm>
-            <a:off x="311700" y="1777500"/>
-            <a:ext cx="8520600" cy="832800"/>
-          </a:xfrm>
-          <a:prstGeom prst="rect">
-            <a:avLst/>
-          </a:prstGeom>
-        </p:spPr>
-        <p:txBody>
-          <a:bodyPr anchorCtr="0" anchor="t" bIns="91425" lIns="91425" rIns="91425" tIns="91425">
-            <a:noAutofit/>
-          </a:bodyPr>
-          <a:lstStyle/>
-          <a:p>
-            <a:pPr lvl="0">
-              <a:spcBef>
-                <a:spcPts val="0"/>
-              </a:spcBef>
-              <a:buNone/>
-            </a:pPr>
-            <a:r>
-              <a:rPr lang="en"/>
-              <a:t>In javascript, Everything is data. And functions are </a:t>
-            </a:r>
-            <a:r>
-              <a:rPr lang="en"/>
-              <a:t>also</a:t>
-            </a:r>
-            <a:r>
-              <a:rPr lang="en"/>
-              <a:t> pass as reference to there exist</a:t>
+              <a:t>What did I see right now...</a:t>
             </a:r>
           </a:p>
         </p:txBody>
       </p:sp>
       <p:pic>
         <p:nvPicPr>
-          <p:cNvPr id="160" name="Shape 160"/>
+          <p:cNvPr descr="8whzl0.jpg" id="164" name="Shape 164"/>
           <p:cNvPicPr preferRelativeResize="0"/>
           <p:nvPr/>
         </p:nvPicPr>
@@ -8871,8 +9018,8 @@
         </p:blipFill>
         <p:spPr>
           <a:xfrm>
-            <a:off x="152400" y="2762700"/>
-            <a:ext cx="8839198" cy="2000374"/>
+            <a:off x="1835609" y="1017725"/>
+            <a:ext cx="4884340" cy="4125774"/>
           </a:xfrm>
           <a:prstGeom prst="rect">
             <a:avLst/>
@@ -8914,7 +9061,7 @@
     </p:bg>
     <p:spTree>
       <p:nvGrpSpPr>
-        <p:cNvPr id="164" name="Shape 164"/>
+        <p:cNvPr id="168" name="Shape 168"/>
         <p:cNvGrpSpPr/>
         <p:nvPr/>
       </p:nvGrpSpPr>
@@ -8928,7 +9075,7 @@
       </p:grpSpPr>
       <p:sp>
         <p:nvSpPr>
-          <p:cNvPr id="165" name="Shape 165"/>
+          <p:cNvPr id="169" name="Shape 169"/>
           <p:cNvSpPr txBox="1"/>
           <p:nvPr>
             <p:ph type="title"/>
@@ -8944,7 +9091,7 @@
           </a:prstGeom>
         </p:spPr>
         <p:txBody>
-          <a:bodyPr anchorCtr="0" anchor="t" bIns="91425" lIns="91425" rIns="91425" tIns="91425">
+          <a:bodyPr anchorCtr="0" anchor="t" bIns="91425" lIns="91425" rIns="91425" wrap="square" tIns="91425">
             <a:noAutofit/>
           </a:bodyPr>
           <a:lstStyle/>
@@ -8957,18 +9104,78 @@
             </a:pPr>
             <a:r>
               <a:rPr lang="en"/>
-              <a:t>Let’s build from </a:t>
-            </a:r>
-            <a:r>
-              <a:rPr lang="en"/>
-              <a:t>scratch</a:t>
+              <a:t>You passed a function to an array?!?!</a:t>
+            </a:r>
+          </a:p>
+          <a:p>
+            <a:pPr lvl="0">
+              <a:spcBef>
+                <a:spcPts val="0"/>
+              </a:spcBef>
+              <a:buNone/>
+            </a:pPr>
+            <a:r>
+              <a:rPr lang="en"/>
+              <a:t>You called a function from an array?!?!</a:t>
+            </a:r>
+          </a:p>
+          <a:p>
+            <a:pPr indent="457200" lvl="0" marL="1828800">
+              <a:spcBef>
+                <a:spcPts val="0"/>
+              </a:spcBef>
+              <a:buNone/>
+            </a:pPr>
+            <a:r>
+              <a:rPr lang="en"/>
+              <a:t> WTF</a:t>
+            </a:r>
+          </a:p>
+        </p:txBody>
+      </p:sp>
+      <p:sp>
+        <p:nvSpPr>
+          <p:cNvPr id="170" name="Shape 170"/>
+          <p:cNvSpPr txBox="1"/>
+          <p:nvPr>
+            <p:ph idx="1" type="body"/>
+          </p:nvPr>
+        </p:nvSpPr>
+        <p:spPr>
+          <a:xfrm>
+            <a:off x="311700" y="1777500"/>
+            <a:ext cx="8520600" cy="832800"/>
+          </a:xfrm>
+          <a:prstGeom prst="rect">
+            <a:avLst/>
+          </a:prstGeom>
+        </p:spPr>
+        <p:txBody>
+          <a:bodyPr anchorCtr="0" anchor="t" bIns="91425" lIns="91425" rIns="91425" wrap="square" tIns="91425">
+            <a:noAutofit/>
+          </a:bodyPr>
+          <a:lstStyle/>
+          <a:p>
+            <a:pPr lvl="0">
+              <a:spcBef>
+                <a:spcPts val="0"/>
+              </a:spcBef>
+              <a:buNone/>
+            </a:pPr>
+            <a:r>
+              <a:rPr lang="en"/>
+              <a:t>In javascript, everything is data, </a:t>
+            </a:r>
+            <a:r>
+              <a:rPr lang="en"/>
+              <a:t>and we can pass functions as referenced data as well </a:t>
             </a:r>
           </a:p>
         </p:txBody>
       </p:sp>
       <p:pic>
         <p:nvPicPr>
-          <p:cNvPr id="166" name="Shape 166"/>
+          <p:cNvPr id="171" name="Shape 171"/>
           <p:cNvPicPr preferRelativeResize="0"/>
           <p:nvPr/>
         </p:nvPicPr>
@@ -8982,8 +9189,8 @@
         </p:blipFill>
         <p:spPr>
           <a:xfrm>
-            <a:off x="152400" y="2385850"/>
-            <a:ext cx="8839202" cy="1511589"/>
+            <a:off x="152400" y="2762700"/>
+            <a:ext cx="8839198" cy="2000374"/>
           </a:xfrm>
           <a:prstGeom prst="rect">
             <a:avLst/>
@@ -8994,68 +9201,6 @@
           </a:ln>
         </p:spPr>
       </p:pic>
-      <p:sp>
-        <p:nvSpPr>
-          <p:cNvPr id="167" name="Shape 167"/>
-          <p:cNvSpPr txBox="1"/>
-          <p:nvPr/>
-        </p:nvSpPr>
-        <p:spPr>
-          <a:xfrm>
-            <a:off x="761500" y="1273625"/>
-            <a:ext cx="7331700" cy="855300"/>
-          </a:xfrm>
-          <a:prstGeom prst="rect">
-            <a:avLst/>
-          </a:prstGeom>
-          <a:noFill/>
-          <a:ln>
-            <a:noFill/>
-          </a:ln>
-        </p:spPr>
-        <p:txBody>
-          <a:bodyPr anchorCtr="0" anchor="t" bIns="91425" lIns="91425" rIns="91425" tIns="91425">
-            <a:noAutofit/>
-          </a:bodyPr>
-          <a:lstStyle/>
-          <a:p>
-            <a:pPr lvl="0">
-              <a:spcBef>
-                <a:spcPts val="0"/>
-              </a:spcBef>
-              <a:buNone/>
-            </a:pPr>
-            <a:r>
-              <a:rPr lang="en"/>
-              <a:t>Hey, I know you</a:t>
-            </a:r>
-          </a:p>
-          <a:p>
-            <a:pPr lvl="0">
-              <a:spcBef>
-                <a:spcPts val="0"/>
-              </a:spcBef>
-              <a:buNone/>
-            </a:pPr>
-            <a:r>
-              <a:t/>
-            </a:r>
-            <a:endParaRPr/>
-          </a:p>
-          <a:p>
-            <a:pPr lvl="0">
-              <a:spcBef>
-                <a:spcPts val="0"/>
-              </a:spcBef>
-              <a:buNone/>
-            </a:pPr>
-            <a:r>
-              <a:rPr lang="en"/>
-              <a:t>You are the module pattern</a:t>
-            </a:r>
-          </a:p>
-        </p:txBody>
-      </p:sp>
     </p:spTree>
   </p:cSld>
   <p:clrMapOvr>
@@ -9087,7 +9232,7 @@
     </p:bg>
     <p:spTree>
       <p:nvGrpSpPr>
-        <p:cNvPr id="171" name="Shape 171"/>
+        <p:cNvPr id="175" name="Shape 175"/>
         <p:cNvGrpSpPr/>
         <p:nvPr/>
       </p:nvGrpSpPr>
@@ -9101,7 +9246,7 @@
       </p:grpSpPr>
       <p:sp>
         <p:nvSpPr>
-          <p:cNvPr id="172" name="Shape 172"/>
+          <p:cNvPr id="176" name="Shape 176"/>
           <p:cNvSpPr txBox="1"/>
           <p:nvPr>
             <p:ph type="title"/>
@@ -9117,7 +9262,7 @@
           </a:prstGeom>
         </p:spPr>
         <p:txBody>
-          <a:bodyPr anchorCtr="0" anchor="t" bIns="91425" lIns="91425" rIns="91425" tIns="91425">
+          <a:bodyPr anchorCtr="0" anchor="t" bIns="91425" lIns="91425" rIns="91425" wrap="square" tIns="91425">
             <a:noAutofit/>
           </a:bodyPr>
           <a:lstStyle/>
@@ -9130,22 +9275,18 @@
             </a:pPr>
             <a:r>
               <a:rPr lang="en"/>
-              <a:t>Let’s add some </a:t>
-            </a:r>
-            <a:r>
-              <a:rPr lang="en"/>
-              <a:t>followers</a:t>
-            </a:r>
-            <a:r>
-              <a:rPr lang="en"/>
-              <a:t> (subscribers)</a:t>
+              <a:t>Let’s build from </a:t>
+            </a:r>
+            <a:r>
+              <a:rPr lang="en"/>
+              <a:t>scratch</a:t>
             </a:r>
           </a:p>
         </p:txBody>
       </p:sp>
       <p:pic>
         <p:nvPicPr>
-          <p:cNvPr id="173" name="Shape 173"/>
+          <p:cNvPr id="177" name="Shape 177"/>
           <p:cNvPicPr preferRelativeResize="0"/>
           <p:nvPr/>
         </p:nvPicPr>
@@ -9159,8 +9300,8 @@
         </p:blipFill>
         <p:spPr>
           <a:xfrm>
-            <a:off x="247400" y="1873925"/>
-            <a:ext cx="8839198" cy="3232621"/>
+            <a:off x="152400" y="2385850"/>
+            <a:ext cx="8839202" cy="1511589"/>
           </a:xfrm>
           <a:prstGeom prst="rect">
             <a:avLst/>
@@ -9173,14 +9314,14 @@
       </p:pic>
       <p:sp>
         <p:nvSpPr>
-          <p:cNvPr id="174" name="Shape 174"/>
+          <p:cNvPr id="178" name="Shape 178"/>
           <p:cNvSpPr txBox="1"/>
           <p:nvPr/>
         </p:nvSpPr>
         <p:spPr>
           <a:xfrm>
-            <a:off x="997400" y="1017725"/>
-            <a:ext cx="7339200" cy="856200"/>
+            <a:off x="761500" y="1273625"/>
+            <a:ext cx="7331700" cy="855300"/>
           </a:xfrm>
           <a:prstGeom prst="rect">
             <a:avLst/>
@@ -9191,7 +9332,7 @@
           </a:ln>
         </p:spPr>
         <p:txBody>
-          <a:bodyPr anchorCtr="0" anchor="t" bIns="91425" lIns="91425" rIns="91425" tIns="91425">
+          <a:bodyPr anchorCtr="0" anchor="t" bIns="91425" lIns="91425" rIns="91425" wrap="square" tIns="91425">
             <a:noAutofit/>
           </a:bodyPr>
           <a:lstStyle/>
@@ -9204,77 +9345,31 @@
             </a:pPr>
             <a:r>
               <a:rPr lang="en"/>
-              <a:t>With the method subscribe we will add function to the array of this </a:t>
-            </a:r>
-            <a:r>
-              <a:rPr lang="en"/>
-              <a:t>channel</a:t>
-            </a:r>
-          </a:p>
-          <a:p>
-            <a:pPr lvl="0">
-              <a:spcBef>
-                <a:spcPts val="0"/>
-              </a:spcBef>
-              <a:buNone/>
-            </a:pPr>
-            <a:r>
-              <a:rPr lang="en"/>
-              <a:t>If the channel name is now exist we will create new array instance.</a:t>
-            </a:r>
-          </a:p>
-          <a:p>
-            <a:pPr lvl="0">
-              <a:spcBef>
-                <a:spcPts val="0"/>
-              </a:spcBef>
-              <a:buNone/>
-            </a:pPr>
-            <a:r>
-              <a:rPr lang="en"/>
-              <a:t>If he does, we will push to the stack the function reference</a:t>
-            </a:r>
-          </a:p>
-        </p:txBody>
-      </p:sp>
-      <p:sp>
-        <p:nvSpPr>
-          <p:cNvPr id="175" name="Shape 175"/>
-          <p:cNvSpPr txBox="1"/>
-          <p:nvPr/>
-        </p:nvSpPr>
-        <p:spPr>
-          <a:xfrm>
-            <a:off x="3500250" y="2916875"/>
-            <a:ext cx="7331700" cy="360600"/>
-          </a:xfrm>
-          <a:prstGeom prst="rect">
-            <a:avLst/>
-          </a:prstGeom>
-          <a:noFill/>
-          <a:ln>
-            <a:noFill/>
-          </a:ln>
-        </p:spPr>
-        <p:txBody>
-          <a:bodyPr anchorCtr="0" anchor="t" bIns="91425" lIns="91425" rIns="91425" tIns="91425">
-            <a:noAutofit/>
-          </a:bodyPr>
-          <a:lstStyle/>
-          <a:p>
-            <a:pPr lvl="0">
-              <a:spcBef>
-                <a:spcPts val="0"/>
-              </a:spcBef>
-              <a:buNone/>
-            </a:pPr>
-            <a:r>
-              <a:rPr lang="en">
-                <a:solidFill>
-                  <a:srgbClr val="FFFFFF"/>
-                </a:solidFill>
-              </a:rPr>
-              <a:t>If not exist make new array instance as default</a:t>
+              <a:t>Hey, I know you</a:t>
+            </a:r>
+          </a:p>
+          <a:p>
+            <a:pPr lvl="0">
+              <a:spcBef>
+                <a:spcPts val="0"/>
+              </a:spcBef>
+              <a:buNone/>
+            </a:pPr>
+            <a:r>
+              <a:t/>
+            </a:r>
+            <a:endParaRPr/>
+          </a:p>
+          <a:p>
+            <a:pPr lvl="0">
+              <a:spcBef>
+                <a:spcPts val="0"/>
+              </a:spcBef>
+              <a:buNone/>
+            </a:pPr>
+            <a:r>
+              <a:rPr lang="en"/>
+              <a:t>You are the module pattern</a:t>
             </a:r>
           </a:p>
         </p:txBody>
@@ -9290,6 +9385,24 @@
 <file path=ppt/slides/slide2.xml><?xml version="1.0" encoding="utf-8"?>
 <p:sld xmlns:a="http://schemas.openxmlformats.org/drawingml/2006/main" xmlns:r="http://schemas.openxmlformats.org/officeDocument/2006/relationships" xmlns:mc="http://schemas.openxmlformats.org/markup-compatibility/2006" xmlns:mv="urn:schemas-microsoft-com:mac:vml" xmlns:p="http://schemas.openxmlformats.org/presentationml/2006/main" xmlns:c="http://schemas.openxmlformats.org/drawingml/2006/chart" xmlns:dgm="http://schemas.openxmlformats.org/drawingml/2006/diagram" xmlns:o="urn:schemas-microsoft-com:office:office" xmlns:v="urn:schemas-microsoft-com:vml" xmlns:pvml="urn:schemas-microsoft-com:office:powerpoint" xmlns:com="http://schemas.openxmlformats.org/drawingml/2006/compatibility" xmlns:p14="http://schemas.microsoft.com/office/powerpoint/2010/main" xmlns:p15="http://schemas.microsoft.com/office/powerpoint/2012/main">
   <p:cSld>
+    <p:bg>
+      <p:bgPr>
+        <a:gradFill>
+          <a:gsLst>
+            <a:gs pos="0">
+              <a:srgbClr val="DCECD5"/>
+            </a:gs>
+            <a:gs pos="100000">
+              <a:srgbClr val="93BC81"/>
+            </a:gs>
+          </a:gsLst>
+          <a:path path="circle">
+            <a:fillToRect b="50%" l="50%" r="50%" t="50%"/>
+          </a:path>
+          <a:tileRect/>
+        </a:gradFill>
+      </p:bgPr>
+    </p:bg>
     <p:spTree>
       <p:nvGrpSpPr>
         <p:cNvPr id="61" name="Shape 61"/>
@@ -9304,24 +9417,82 @@
           <a:chExt cx="0" cy="0"/>
         </a:xfrm>
       </p:grpSpPr>
-      <p:pic>
-        <p:nvPicPr>
+      <p:sp>
+        <p:nvSpPr>
           <p:cNvPr id="62" name="Shape 62"/>
-          <p:cNvPicPr preferRelativeResize="0"/>
-          <p:nvPr/>
-        </p:nvPicPr>
-        <p:blipFill>
-          <a:blip r:embed="rId3">
-            <a:alphaModFix/>
-          </a:blip>
-          <a:stretch>
-            <a:fillRect/>
-          </a:stretch>
-        </p:blipFill>
-        <p:spPr>
-          <a:xfrm>
-            <a:off x="0" y="1293799"/>
-            <a:ext cx="9144000" cy="3849700"/>
+          <p:cNvSpPr txBox="1"/>
+          <p:nvPr>
+            <p:ph type="title"/>
+          </p:nvPr>
+        </p:nvSpPr>
+        <p:spPr>
+          <a:xfrm>
+            <a:off x="311700" y="445025"/>
+            <a:ext cx="8520600" cy="572700"/>
+          </a:xfrm>
+          <a:prstGeom prst="rect">
+            <a:avLst/>
+          </a:prstGeom>
+        </p:spPr>
+        <p:txBody>
+          <a:bodyPr anchorCtr="0" anchor="t" bIns="91425" lIns="91425" rIns="91425" wrap="square" tIns="91425">
+            <a:noAutofit/>
+          </a:bodyPr>
+          <a:lstStyle/>
+          <a:p>
+            <a:pPr lvl="0" rtl="0" algn="ctr">
+              <a:lnSpc>
+                <a:spcPct val="130000"/>
+              </a:lnSpc>
+              <a:spcBef>
+                <a:spcPts val="0"/>
+              </a:spcBef>
+              <a:spcAft>
+                <a:spcPts val="600"/>
+              </a:spcAft>
+              <a:buClr>
+                <a:schemeClr val="dk1"/>
+              </a:buClr>
+              <a:buSzPct val="26190"/>
+              <a:buFont typeface="Arial"/>
+              <a:buNone/>
+            </a:pPr>
+            <a:r>
+              <a:rPr lang="en" sz="4150">
+                <a:latin typeface="Georgia"/>
+                <a:ea typeface="Georgia"/>
+                <a:cs typeface="Georgia"/>
+                <a:sym typeface="Georgia"/>
+              </a:rPr>
+              <a:t>Spaghetti code</a:t>
+            </a:r>
+          </a:p>
+          <a:p>
+            <a:pPr lvl="0">
+              <a:spcBef>
+                <a:spcPts val="0"/>
+              </a:spcBef>
+              <a:buNone/>
+            </a:pPr>
+            <a:r>
+              <a:t/>
+            </a:r>
+            <a:endParaRPr/>
+          </a:p>
+        </p:txBody>
+      </p:sp>
+      <p:sp>
+        <p:nvSpPr>
+          <p:cNvPr id="63" name="Shape 63"/>
+          <p:cNvSpPr txBox="1"/>
+          <p:nvPr>
+            <p:ph idx="1" type="body"/>
+          </p:nvPr>
+        </p:nvSpPr>
+        <p:spPr>
+          <a:xfrm>
+            <a:off x="436100" y="1156975"/>
+            <a:ext cx="8520600" cy="3416400"/>
           </a:xfrm>
           <a:prstGeom prst="rect">
             <a:avLst/>
@@ -9331,36 +9502,8 @@
             <a:noFill/>
           </a:ln>
         </p:spPr>
-      </p:pic>
-      <p:sp>
-        <p:nvSpPr>
-          <p:cNvPr id="63" name="Shape 63"/>
-          <p:cNvSpPr/>
-          <p:nvPr/>
-        </p:nvSpPr>
-        <p:spPr>
-          <a:xfrm>
-            <a:off x="0" y="31675"/>
-            <a:ext cx="9144000" cy="1262100"/>
-          </a:xfrm>
-          <a:prstGeom prst="rect">
-            <a:avLst/>
-          </a:prstGeom>
-          <a:solidFill>
-            <a:srgbClr val="76A5AF"/>
-          </a:solidFill>
-          <a:ln cap="flat" cmpd="sng" w="9525">
-            <a:solidFill>
-              <a:schemeClr val="dk2"/>
-            </a:solidFill>
-            <a:prstDash val="solid"/>
-            <a:round/>
-            <a:headEnd len="med" w="med" type="none"/>
-            <a:tailEnd len="med" w="med" type="none"/>
-          </a:ln>
-        </p:spPr>
         <p:txBody>
-          <a:bodyPr anchorCtr="0" anchor="ctr" bIns="91425" lIns="91425" rIns="91425" tIns="91425">
+          <a:bodyPr anchorCtr="0" anchor="t" bIns="91425" lIns="91425" rIns="91425" wrap="square" tIns="91425">
             <a:noAutofit/>
           </a:bodyPr>
           <a:lstStyle/>
@@ -9372,54 +9515,232 @@
               <a:buNone/>
             </a:pPr>
             <a:r>
+              <a:rPr b="1" lang="en">
+                <a:solidFill>
+                  <a:srgbClr val="222222"/>
+                </a:solidFill>
+              </a:rPr>
+              <a:t>Spaghetti code</a:t>
+            </a:r>
+            <a:r>
+              <a:rPr lang="en">
+                <a:solidFill>
+                  <a:srgbClr val="222222"/>
+                </a:solidFill>
+              </a:rPr>
+              <a:t> is a </a:t>
+            </a:r>
+            <a:r>
+              <a:rPr lang="en" u="sng">
+                <a:solidFill>
+                  <a:srgbClr val="0B0080"/>
+                </a:solidFill>
+                <a:hlinkClick r:id="rId3"/>
+              </a:rPr>
+              <a:t>pejorative</a:t>
+            </a:r>
+            <a:r>
+              <a:rPr lang="en">
+                <a:solidFill>
+                  <a:srgbClr val="222222"/>
+                </a:solidFill>
+              </a:rPr>
+              <a:t> phrase for </a:t>
+            </a:r>
+            <a:r>
+              <a:rPr lang="en" u="sng">
+                <a:solidFill>
+                  <a:srgbClr val="0B0080"/>
+                </a:solidFill>
+                <a:hlinkClick r:id="rId4"/>
+              </a:rPr>
+              <a:t>source code</a:t>
+            </a:r>
+            <a:r>
+              <a:rPr lang="en">
+                <a:solidFill>
+                  <a:srgbClr val="222222"/>
+                </a:solidFill>
+              </a:rPr>
+              <a:t> that has a complex and tangled </a:t>
+            </a:r>
+            <a:r>
+              <a:rPr lang="en" u="sng">
+                <a:solidFill>
+                  <a:srgbClr val="0B0080"/>
+                </a:solidFill>
+                <a:hlinkClick r:id="rId5"/>
+              </a:rPr>
+              <a:t>control structure</a:t>
+            </a:r>
+            <a:r>
+              <a:rPr lang="en">
+                <a:solidFill>
+                  <a:srgbClr val="222222"/>
+                </a:solidFill>
+              </a:rPr>
+              <a:t>, especially one using many </a:t>
+            </a:r>
+            <a:r>
+              <a:rPr lang="en" u="sng">
+                <a:solidFill>
+                  <a:srgbClr val="0B0080"/>
+                </a:solidFill>
+                <a:hlinkClick r:id="rId6"/>
+              </a:rPr>
+              <a:t>GOTO</a:t>
+            </a:r>
+            <a:r>
+              <a:rPr lang="en">
+                <a:solidFill>
+                  <a:srgbClr val="222222"/>
+                </a:solidFill>
+              </a:rPr>
+              <a:t> statements, exceptions, threads, or other "</a:t>
+            </a:r>
+            <a:r>
+              <a:rPr lang="en" u="sng">
+                <a:solidFill>
+                  <a:srgbClr val="0B0080"/>
+                </a:solidFill>
+                <a:hlinkClick r:id="rId7"/>
+              </a:rPr>
+              <a:t>unstructured</a:t>
+            </a:r>
+            <a:r>
+              <a:rPr lang="en">
+                <a:solidFill>
+                  <a:srgbClr val="222222"/>
+                </a:solidFill>
+              </a:rPr>
+              <a:t>" </a:t>
+            </a:r>
+            <a:r>
+              <a:rPr lang="en" u="sng">
+                <a:solidFill>
+                  <a:srgbClr val="0B0080"/>
+                </a:solidFill>
+                <a:hlinkClick r:id="rId8"/>
+              </a:rPr>
+              <a:t>branching</a:t>
+            </a:r>
+            <a:r>
+              <a:rPr lang="en">
+                <a:solidFill>
+                  <a:srgbClr val="222222"/>
+                </a:solidFill>
+              </a:rPr>
+              <a:t> constructs. It is named such because program flow is conceptually like a </a:t>
+            </a:r>
+            <a:r>
+              <a:rPr lang="en" u="sng">
+                <a:solidFill>
+                  <a:srgbClr val="0B0080"/>
+                </a:solidFill>
+                <a:hlinkClick r:id="rId9"/>
+              </a:rPr>
+              <a:t>bowl of spaghetti</a:t>
+            </a:r>
+            <a:r>
+              <a:rPr lang="en">
+                <a:solidFill>
+                  <a:srgbClr val="222222"/>
+                </a:solidFill>
+              </a:rPr>
+              <a:t>, i.e. twisted and tangled.</a:t>
+            </a:r>
+            <a:r>
+              <a:rPr baseline="30000" lang="en" u="sng">
+                <a:solidFill>
+                  <a:srgbClr val="0B0080"/>
+                </a:solidFill>
+                <a:hlinkClick r:id="rId10"/>
+              </a:rPr>
+              <a:t>[1]</a:t>
+            </a:r>
+            <a:r>
+              <a:rPr lang="en">
+                <a:solidFill>
+                  <a:srgbClr val="222222"/>
+                </a:solidFill>
+              </a:rPr>
+              <a:t> Spaghetti code can be caused by several factors, such as </a:t>
+            </a:r>
+            <a:r>
+              <a:rPr b="1" i="1" lang="en" u="sng">
+                <a:solidFill>
+                  <a:srgbClr val="222222"/>
+                </a:solidFill>
+                <a:highlight>
+                  <a:srgbClr val="FFFF00"/>
+                </a:highlight>
+              </a:rPr>
+              <a:t>continuous modifications by several people with different programming styles over a long life cycle</a:t>
+            </a:r>
+            <a:r>
+              <a:rPr b="1" i="1" lang="en">
+                <a:solidFill>
+                  <a:srgbClr val="222222"/>
+                </a:solidFill>
+              </a:rPr>
+              <a:t>.</a:t>
+            </a:r>
+            <a:r>
+              <a:rPr lang="en">
+                <a:solidFill>
+                  <a:srgbClr val="222222"/>
+                </a:solidFill>
+              </a:rPr>
+              <a:t> </a:t>
+            </a:r>
+            <a:r>
+              <a:rPr lang="en" u="sng">
+                <a:solidFill>
+                  <a:srgbClr val="0B0080"/>
+                </a:solidFill>
+                <a:hlinkClick r:id="rId11"/>
+              </a:rPr>
+              <a:t>Structured programming</a:t>
+            </a:r>
+            <a:r>
+              <a:rPr lang="en">
+                <a:solidFill>
+                  <a:srgbClr val="222222"/>
+                </a:solidFill>
+              </a:rPr>
+              <a:t> greatly decreases the incidence of spaghetti code.</a:t>
+            </a:r>
+          </a:p>
+          <a:p>
+            <a:pPr lvl="0">
+              <a:spcBef>
+                <a:spcPts val="0"/>
+              </a:spcBef>
+              <a:buNone/>
+            </a:pPr>
+            <a:r>
               <a:t/>
             </a:r>
-            <a:endParaRPr/>
-          </a:p>
-        </p:txBody>
-      </p:sp>
-      <p:sp>
-        <p:nvSpPr>
-          <p:cNvPr id="64" name="Shape 64"/>
-          <p:cNvSpPr txBox="1"/>
-          <p:nvPr/>
-        </p:nvSpPr>
-        <p:spPr>
-          <a:xfrm>
-            <a:off x="325700" y="208100"/>
-            <a:ext cx="7339200" cy="856200"/>
-          </a:xfrm>
-          <a:prstGeom prst="rect">
-            <a:avLst/>
-          </a:prstGeom>
-          <a:noFill/>
-          <a:ln>
-            <a:noFill/>
-          </a:ln>
-        </p:spPr>
-        <p:txBody>
-          <a:bodyPr anchorCtr="0" anchor="t" bIns="91425" lIns="91425" rIns="91425" tIns="91425">
-            <a:noAutofit/>
-          </a:bodyPr>
-          <a:lstStyle/>
-          <a:p>
-            <a:pPr lvl="0" algn="ctr">
-              <a:spcBef>
-                <a:spcPts val="0"/>
-              </a:spcBef>
-              <a:buNone/>
-            </a:pPr>
-            <a:r>
-              <a:rPr lang="en"/>
-              <a:t>Let say we want to </a:t>
-            </a:r>
-            <a:r>
-              <a:rPr lang="en" sz="1800"/>
-              <a:t>create </a:t>
-            </a:r>
-            <a:r>
-              <a:rPr lang="en"/>
-              <a:t>this...</a:t>
+            <a:endParaRPr>
+              <a:solidFill>
+                <a:srgbClr val="222222"/>
+              </a:solidFill>
+            </a:endParaRPr>
+          </a:p>
+          <a:p>
+            <a:pPr lvl="0">
+              <a:spcBef>
+                <a:spcPts val="0"/>
+              </a:spcBef>
+              <a:buNone/>
+            </a:pPr>
+            <a:r>
+              <a:rPr lang="en" sz="1400">
+                <a:solidFill>
+                  <a:srgbClr val="222222"/>
+                </a:solidFill>
+              </a:rPr>
+              <a:t>From Wikipedia, the free encyclopedia`</a:t>
             </a:r>
           </a:p>
         </p:txBody>
@@ -9455,7 +9776,7 @@
     </p:bg>
     <p:spTree>
       <p:nvGrpSpPr>
-        <p:cNvPr id="179" name="Shape 179"/>
+        <p:cNvPr id="182" name="Shape 182"/>
         <p:cNvGrpSpPr/>
         <p:nvPr/>
       </p:nvGrpSpPr>
@@ -9469,7 +9790,7 @@
       </p:grpSpPr>
       <p:sp>
         <p:nvSpPr>
-          <p:cNvPr id="180" name="Shape 180"/>
+          <p:cNvPr id="183" name="Shape 183"/>
           <p:cNvSpPr txBox="1"/>
           <p:nvPr>
             <p:ph type="title"/>
@@ -9485,7 +9806,7 @@
           </a:prstGeom>
         </p:spPr>
         <p:txBody>
-          <a:bodyPr anchorCtr="0" anchor="t" bIns="91425" lIns="91425" rIns="91425" tIns="91425">
+          <a:bodyPr anchorCtr="0" anchor="t" bIns="91425" lIns="91425" rIns="91425" wrap="square" tIns="91425">
             <a:noAutofit/>
           </a:bodyPr>
           <a:lstStyle/>
@@ -9498,26 +9819,22 @@
             </a:pPr>
             <a:r>
               <a:rPr lang="en"/>
-              <a:t>Let publish </a:t>
-            </a:r>
-            <a:r>
-              <a:rPr lang="en"/>
-              <a:t>something</a:t>
-            </a:r>
-            <a:r>
-              <a:rPr lang="en"/>
-              <a:t> to our </a:t>
+              <a:t>Let’s add some </a:t>
             </a:r>
             <a:r>
               <a:rPr lang="en"/>
               <a:t>followers</a:t>
+            </a:r>
+            <a:r>
+              <a:rPr lang="en"/>
+              <a:t> (subscribers)</a:t>
             </a:r>
           </a:p>
         </p:txBody>
       </p:sp>
       <p:pic>
         <p:nvPicPr>
-          <p:cNvPr id="181" name="Shape 181"/>
+          <p:cNvPr id="184" name="Shape 184"/>
           <p:cNvPicPr preferRelativeResize="0"/>
           <p:nvPr/>
         </p:nvPicPr>
@@ -9531,8 +9848,8 @@
         </p:blipFill>
         <p:spPr>
           <a:xfrm>
-            <a:off x="152400" y="1170125"/>
-            <a:ext cx="8991600" cy="3820975"/>
+            <a:off x="247400" y="1873925"/>
+            <a:ext cx="8839198" cy="3232621"/>
           </a:xfrm>
           <a:prstGeom prst="rect">
             <a:avLst/>
@@ -9543,42 +9860,16 @@
           </a:ln>
         </p:spPr>
       </p:pic>
-      <p:cxnSp>
-        <p:nvCxnSpPr>
-          <p:cNvPr id="182" name="Shape 182"/>
-          <p:cNvCxnSpPr/>
-          <p:nvPr/>
-        </p:nvCxnSpPr>
-        <p:spPr>
-          <a:xfrm rot="10800000">
-            <a:off x="2965925" y="2730000"/>
-            <a:ext cx="3366600" cy="13200"/>
-          </a:xfrm>
-          <a:prstGeom prst="straightConnector1">
-            <a:avLst/>
-          </a:prstGeom>
-          <a:noFill/>
-          <a:ln cap="flat" cmpd="sng" w="9525">
-            <a:solidFill>
-              <a:schemeClr val="dk2"/>
-            </a:solidFill>
-            <a:prstDash val="solid"/>
-            <a:round/>
-            <a:headEnd len="lg" w="lg" type="none"/>
-            <a:tailEnd len="lg" w="lg" type="triangle"/>
-          </a:ln>
-        </p:spPr>
-      </p:cxnSp>
       <p:sp>
         <p:nvSpPr>
-          <p:cNvPr id="183" name="Shape 183"/>
+          <p:cNvPr id="185" name="Shape 185"/>
           <p:cNvSpPr txBox="1"/>
           <p:nvPr/>
         </p:nvSpPr>
         <p:spPr>
           <a:xfrm>
-            <a:off x="6332525" y="2409200"/>
-            <a:ext cx="2811600" cy="855300"/>
+            <a:off x="997400" y="1017725"/>
+            <a:ext cx="7339200" cy="856200"/>
           </a:xfrm>
           <a:prstGeom prst="rect">
             <a:avLst/>
@@ -9589,7 +9880,7 @@
           </a:ln>
         </p:spPr>
         <p:txBody>
-          <a:bodyPr anchorCtr="0" anchor="t" bIns="91425" lIns="91425" rIns="91425" tIns="91425">
+          <a:bodyPr anchorCtr="0" anchor="t" bIns="91425" lIns="91425" rIns="91425" wrap="square" tIns="91425">
             <a:noAutofit/>
           </a:bodyPr>
           <a:lstStyle/>
@@ -9601,36 +9892,78 @@
               <a:buNone/>
             </a:pPr>
             <a:r>
+              <a:rPr lang="en"/>
+              <a:t>With the method subscribe we will add function to the array of this </a:t>
+            </a:r>
+            <a:r>
+              <a:rPr lang="en"/>
+              <a:t>channel</a:t>
+            </a:r>
+          </a:p>
+          <a:p>
+            <a:pPr lvl="0">
+              <a:spcBef>
+                <a:spcPts val="0"/>
+              </a:spcBef>
+              <a:buNone/>
+            </a:pPr>
+            <a:r>
+              <a:rPr lang="en"/>
+              <a:t>If the channel name exists now, we will create a new array instance.</a:t>
+            </a:r>
+          </a:p>
+          <a:p>
+            <a:pPr lvl="0">
+              <a:spcBef>
+                <a:spcPts val="0"/>
+              </a:spcBef>
+              <a:buNone/>
+            </a:pPr>
+            <a:r>
+              <a:rPr lang="en"/>
+              <a:t>If he does, we will push to the stack the function reference</a:t>
+            </a:r>
+          </a:p>
+        </p:txBody>
+      </p:sp>
+      <p:sp>
+        <p:nvSpPr>
+          <p:cNvPr id="186" name="Shape 186"/>
+          <p:cNvSpPr txBox="1"/>
+          <p:nvPr/>
+        </p:nvSpPr>
+        <p:spPr>
+          <a:xfrm>
+            <a:off x="3500250" y="2916875"/>
+            <a:ext cx="7331700" cy="360600"/>
+          </a:xfrm>
+          <a:prstGeom prst="rect">
+            <a:avLst/>
+          </a:prstGeom>
+          <a:noFill/>
+          <a:ln>
+            <a:noFill/>
+          </a:ln>
+        </p:spPr>
+        <p:txBody>
+          <a:bodyPr anchorCtr="0" anchor="t" bIns="91425" lIns="91425" rIns="91425" wrap="square" tIns="91425">
+            <a:noAutofit/>
+          </a:bodyPr>
+          <a:lstStyle/>
+          <a:p>
+            <a:pPr lvl="0">
+              <a:spcBef>
+                <a:spcPts val="0"/>
+              </a:spcBef>
+              <a:buNone/>
+            </a:pPr>
+            <a:r>
               <a:rPr lang="en">
                 <a:solidFill>
-                  <a:srgbClr val="F3F3F3"/>
+                  <a:srgbClr val="FFFFFF"/>
                 </a:solidFill>
               </a:rPr>
-              <a:t>Event</a:t>
-            </a:r>
-            <a:r>
-              <a:rPr lang="en">
-                <a:solidFill>
-                  <a:srgbClr val="F3F3F3"/>
-                </a:solidFill>
-              </a:rPr>
-              <a:t> name and pass data to </a:t>
-            </a:r>
-          </a:p>
-          <a:p>
-            <a:pPr lvl="0">
-              <a:spcBef>
-                <a:spcPts val="0"/>
-              </a:spcBef>
-              <a:buNone/>
-            </a:pPr>
-            <a:r>
-              <a:rPr lang="en">
-                <a:solidFill>
-                  <a:srgbClr val="F3F3F3"/>
-                </a:solidFill>
-              </a:rPr>
-              <a:t>The functions</a:t>
+              <a:t>If not exist make new array instance as default</a:t>
             </a:r>
           </a:p>
         </p:txBody>
@@ -9666,7 +9999,7 @@
     </p:bg>
     <p:spTree>
       <p:nvGrpSpPr>
-        <p:cNvPr id="187" name="Shape 187"/>
+        <p:cNvPr id="190" name="Shape 190"/>
         <p:cNvGrpSpPr/>
         <p:nvPr/>
       </p:nvGrpSpPr>
@@ -9680,7 +10013,7 @@
       </p:grpSpPr>
       <p:sp>
         <p:nvSpPr>
-          <p:cNvPr id="188" name="Shape 188"/>
+          <p:cNvPr id="191" name="Shape 191"/>
           <p:cNvSpPr txBox="1"/>
           <p:nvPr>
             <p:ph type="title"/>
@@ -9688,7 +10021,7 @@
         </p:nvSpPr>
         <p:spPr>
           <a:xfrm>
-            <a:off x="391850" y="111050"/>
+            <a:off x="311700" y="445025"/>
             <a:ext cx="8520600" cy="572700"/>
           </a:xfrm>
           <a:prstGeom prst="rect">
@@ -9696,7 +10029,7 @@
           </a:prstGeom>
         </p:spPr>
         <p:txBody>
-          <a:bodyPr anchorCtr="0" anchor="t" bIns="91425" lIns="91425" rIns="91425" tIns="91425">
+          <a:bodyPr anchorCtr="0" anchor="t" bIns="91425" lIns="91425" rIns="91425" wrap="square" tIns="91425">
             <a:noAutofit/>
           </a:bodyPr>
           <a:lstStyle/>
@@ -9709,14 +10042,26 @@
             </a:pPr>
             <a:r>
               <a:rPr lang="en"/>
-              <a:t>Let delete us from our publisher</a:t>
+              <a:t>Let’s publish </a:t>
+            </a:r>
+            <a:r>
+              <a:rPr lang="en"/>
+              <a:t>something</a:t>
+            </a:r>
+            <a:r>
+              <a:rPr lang="en"/>
+              <a:t> to our </a:t>
+            </a:r>
+            <a:r>
+              <a:rPr lang="en"/>
+              <a:t>followers</a:t>
             </a:r>
           </a:p>
         </p:txBody>
       </p:sp>
       <p:pic>
         <p:nvPicPr>
-          <p:cNvPr id="189" name="Shape 189"/>
+          <p:cNvPr id="192" name="Shape 192"/>
           <p:cNvPicPr preferRelativeResize="0"/>
           <p:nvPr/>
         </p:nvPicPr>
@@ -9730,8 +10075,8 @@
         </p:blipFill>
         <p:spPr>
           <a:xfrm>
-            <a:off x="80150" y="737200"/>
-            <a:ext cx="9144001" cy="4459750"/>
+            <a:off x="152400" y="1170125"/>
+            <a:ext cx="8991600" cy="3820975"/>
           </a:xfrm>
           <a:prstGeom prst="rect">
             <a:avLst/>
@@ -9742,90 +10087,16 @@
           </a:ln>
         </p:spPr>
       </p:pic>
-      <p:sp>
-        <p:nvSpPr>
-          <p:cNvPr id="190" name="Shape 190"/>
-          <p:cNvSpPr txBox="1"/>
-          <p:nvPr/>
-        </p:nvSpPr>
-        <p:spPr>
-          <a:xfrm>
-            <a:off x="4889650" y="3437625"/>
-            <a:ext cx="7331700" cy="855300"/>
-          </a:xfrm>
-          <a:prstGeom prst="rect">
-            <a:avLst/>
-          </a:prstGeom>
-          <a:noFill/>
-          <a:ln>
-            <a:noFill/>
-          </a:ln>
-        </p:spPr>
-        <p:txBody>
-          <a:bodyPr anchorCtr="0" anchor="t" bIns="91425" lIns="91425" rIns="91425" tIns="91425">
-            <a:noAutofit/>
-          </a:bodyPr>
-          <a:lstStyle/>
-          <a:p>
-            <a:pPr lvl="0">
-              <a:spcBef>
-                <a:spcPts val="0"/>
-              </a:spcBef>
-              <a:buNone/>
-            </a:pPr>
-            <a:r>
-              <a:rPr lang="en">
-                <a:solidFill>
-                  <a:srgbClr val="FFFFFF"/>
-                </a:solidFill>
-              </a:rPr>
-              <a:t> Before anything published, and we unsubscribe </a:t>
-            </a:r>
-          </a:p>
-          <a:p>
-            <a:pPr lvl="0">
-              <a:spcBef>
-                <a:spcPts val="0"/>
-              </a:spcBef>
-              <a:buNone/>
-            </a:pPr>
-            <a:r>
-              <a:rPr lang="en">
-                <a:solidFill>
-                  <a:srgbClr val="FFFFFF"/>
-                </a:solidFill>
-              </a:rPr>
-              <a:t>To the channel. </a:t>
-            </a:r>
-          </a:p>
-          <a:p>
-            <a:pPr lvl="0">
-              <a:spcBef>
-                <a:spcPts val="0"/>
-              </a:spcBef>
-              <a:buNone/>
-            </a:pPr>
-            <a:r>
-              <a:rPr lang="en">
-                <a:solidFill>
-                  <a:srgbClr val="FFFFFF"/>
-                </a:solidFill>
-              </a:rPr>
-              <a:t>We will see nothing.</a:t>
-            </a:r>
-          </a:p>
-        </p:txBody>
-      </p:sp>
       <p:cxnSp>
         <p:nvCxnSpPr>
-          <p:cNvPr id="191" name="Shape 191"/>
+          <p:cNvPr id="193" name="Shape 193"/>
           <p:cNvCxnSpPr/>
           <p:nvPr/>
         </p:nvCxnSpPr>
         <p:spPr>
-          <a:xfrm flipH="1">
-            <a:off x="2819100" y="4667000"/>
-            <a:ext cx="2952300" cy="80100"/>
+          <a:xfrm rot="10800000">
+            <a:off x="2965925" y="2730000"/>
+            <a:ext cx="3366600" cy="13200"/>
           </a:xfrm>
           <a:prstGeom prst="straightConnector1">
             <a:avLst/>
@@ -9842,6 +10113,72 @@
           </a:ln>
         </p:spPr>
       </p:cxnSp>
+      <p:sp>
+        <p:nvSpPr>
+          <p:cNvPr id="194" name="Shape 194"/>
+          <p:cNvSpPr txBox="1"/>
+          <p:nvPr/>
+        </p:nvSpPr>
+        <p:spPr>
+          <a:xfrm>
+            <a:off x="6332525" y="2409200"/>
+            <a:ext cx="2811600" cy="855300"/>
+          </a:xfrm>
+          <a:prstGeom prst="rect">
+            <a:avLst/>
+          </a:prstGeom>
+          <a:noFill/>
+          <a:ln>
+            <a:noFill/>
+          </a:ln>
+        </p:spPr>
+        <p:txBody>
+          <a:bodyPr anchorCtr="0" anchor="t" bIns="91425" lIns="91425" rIns="91425" wrap="square" tIns="91425">
+            <a:noAutofit/>
+          </a:bodyPr>
+          <a:lstStyle/>
+          <a:p>
+            <a:pPr lvl="0">
+              <a:spcBef>
+                <a:spcPts val="0"/>
+              </a:spcBef>
+              <a:buNone/>
+            </a:pPr>
+            <a:r>
+              <a:rPr lang="en">
+                <a:solidFill>
+                  <a:srgbClr val="F3F3F3"/>
+                </a:solidFill>
+              </a:rPr>
+              <a:t>Event</a:t>
+            </a:r>
+            <a:r>
+              <a:rPr lang="en">
+                <a:solidFill>
+                  <a:srgbClr val="F3F3F3"/>
+                </a:solidFill>
+              </a:rPr>
+              <a:t> name and passed data to </a:t>
+            </a:r>
+          </a:p>
+          <a:p>
+            <a:pPr lvl="0">
+              <a:spcBef>
+                <a:spcPts val="0"/>
+              </a:spcBef>
+              <a:buNone/>
+            </a:pPr>
+            <a:r>
+              <a:rPr lang="en">
+                <a:solidFill>
+                  <a:srgbClr val="F3F3F3"/>
+                </a:solidFill>
+              </a:rPr>
+              <a:t>the functions</a:t>
+            </a:r>
+          </a:p>
+        </p:txBody>
+      </p:sp>
     </p:spTree>
   </p:cSld>
   <p:clrMapOvr>
@@ -9873,7 +10210,7 @@
     </p:bg>
     <p:spTree>
       <p:nvGrpSpPr>
-        <p:cNvPr id="195" name="Shape 195"/>
+        <p:cNvPr id="198" name="Shape 198"/>
         <p:cNvGrpSpPr/>
         <p:nvPr/>
       </p:nvGrpSpPr>
@@ -9887,7 +10224,7 @@
       </p:grpSpPr>
       <p:sp>
         <p:nvSpPr>
-          <p:cNvPr id="196" name="Shape 196"/>
+          <p:cNvPr id="199" name="Shape 199"/>
           <p:cNvSpPr txBox="1"/>
           <p:nvPr>
             <p:ph type="title"/>
@@ -9895,7 +10232,7 @@
         </p:nvSpPr>
         <p:spPr>
           <a:xfrm>
-            <a:off x="623400" y="364875"/>
+            <a:off x="391850" y="111050"/>
             <a:ext cx="8520600" cy="572700"/>
           </a:xfrm>
           <a:prstGeom prst="rect">
@@ -9903,7 +10240,7 @@
           </a:prstGeom>
         </p:spPr>
         <p:txBody>
-          <a:bodyPr anchorCtr="0" anchor="t" bIns="91425" lIns="91425" rIns="91425" tIns="91425">
+          <a:bodyPr anchorCtr="0" anchor="t" bIns="91425" lIns="91425" rIns="91425" wrap="square" tIns="91425">
             <a:noAutofit/>
           </a:bodyPr>
           <a:lstStyle/>
@@ -9916,30 +10253,60 @@
             </a:pPr>
             <a:r>
               <a:rPr lang="en"/>
-              <a:t>Wants next ?</a:t>
+              <a:t>Let’s delete us from our publisher</a:t>
             </a:r>
           </a:p>
         </p:txBody>
       </p:sp>
-      <p:sp>
-        <p:nvSpPr>
-          <p:cNvPr id="197" name="Shape 197"/>
-          <p:cNvSpPr txBox="1"/>
-          <p:nvPr>
-            <p:ph idx="1" type="body"/>
-          </p:nvPr>
-        </p:nvSpPr>
-        <p:spPr>
-          <a:xfrm>
-            <a:off x="377475" y="1113025"/>
-            <a:ext cx="2882400" cy="3416400"/>
+      <p:pic>
+        <p:nvPicPr>
+          <p:cNvPr id="200" name="Shape 200"/>
+          <p:cNvPicPr preferRelativeResize="0"/>
+          <p:nvPr/>
+        </p:nvPicPr>
+        <p:blipFill>
+          <a:blip r:embed="rId3">
+            <a:alphaModFix/>
+          </a:blip>
+          <a:stretch>
+            <a:fillRect/>
+          </a:stretch>
+        </p:blipFill>
+        <p:spPr>
+          <a:xfrm>
+            <a:off x="80150" y="737200"/>
+            <a:ext cx="9144001" cy="4459750"/>
           </a:xfrm>
           <a:prstGeom prst="rect">
             <a:avLst/>
           </a:prstGeom>
+          <a:noFill/>
+          <a:ln>
+            <a:noFill/>
+          </a:ln>
+        </p:spPr>
+      </p:pic>
+      <p:sp>
+        <p:nvSpPr>
+          <p:cNvPr id="201" name="Shape 201"/>
+          <p:cNvSpPr txBox="1"/>
+          <p:nvPr/>
+        </p:nvSpPr>
+        <p:spPr>
+          <a:xfrm>
+            <a:off x="4889650" y="3437625"/>
+            <a:ext cx="7331700" cy="855300"/>
+          </a:xfrm>
+          <a:prstGeom prst="rect">
+            <a:avLst/>
+          </a:prstGeom>
+          <a:noFill/>
+          <a:ln>
+            <a:noFill/>
+          </a:ln>
         </p:spPr>
         <p:txBody>
-          <a:bodyPr anchorCtr="0" anchor="t" bIns="91425" lIns="91425" rIns="91425" tIns="91425">
+          <a:bodyPr anchorCtr="0" anchor="t" bIns="91425" lIns="91425" rIns="91425" wrap="square" tIns="91425">
             <a:noAutofit/>
           </a:bodyPr>
           <a:lstStyle/>
@@ -9951,146 +10318,58 @@
               <a:buNone/>
             </a:pPr>
             <a:r>
-              <a:rPr lang="en"/>
-              <a:t>Our </a:t>
-            </a:r>
-            <a:r>
-              <a:rPr lang="en"/>
-              <a:t>evolution</a:t>
-            </a:r>
-            <a:r>
-              <a:rPr lang="en"/>
-              <a:t> is RxJs</a:t>
-            </a:r>
-          </a:p>
-          <a:p>
-            <a:pPr indent="-228600" lvl="0" marL="457200">
-              <a:spcBef>
-                <a:spcPts val="0"/>
-              </a:spcBef>
-              <a:buChar char="●"/>
-            </a:pPr>
-            <a:r>
-              <a:rPr lang="en"/>
-              <a:t>Angular NgJs</a:t>
-            </a:r>
-          </a:p>
-          <a:p>
-            <a:pPr indent="-228600" lvl="0" marL="457200">
-              <a:spcBef>
-                <a:spcPts val="0"/>
-              </a:spcBef>
-              <a:buChar char="●"/>
-            </a:pPr>
-            <a:r>
-              <a:rPr lang="en"/>
-              <a:t>React Redux</a:t>
-            </a:r>
-          </a:p>
-          <a:p>
-            <a:pPr indent="-228600" lvl="0" marL="457200" rtl="0">
-              <a:spcBef>
-                <a:spcPts val="0"/>
-              </a:spcBef>
-              <a:buChar char="●"/>
-            </a:pPr>
-            <a:r>
-              <a:rPr lang="en"/>
-              <a:t>Vue </a:t>
-            </a:r>
-            <a:r>
-              <a:rPr lang="en"/>
-              <a:t>Veux</a:t>
-            </a:r>
-          </a:p>
-          <a:p>
-            <a:pPr lvl="0">
-              <a:spcBef>
-                <a:spcPts val="0"/>
-              </a:spcBef>
-              <a:buNone/>
-            </a:pPr>
-            <a:r>
-              <a:rPr lang="en"/>
-              <a:t>Reactive </a:t>
-            </a:r>
-            <a:r>
-              <a:rPr lang="en"/>
-              <a:t>Programming</a:t>
+              <a:rPr lang="en">
+                <a:solidFill>
+                  <a:srgbClr val="FFFFFF"/>
+                </a:solidFill>
+              </a:rPr>
+              <a:t>Before anything’s published, and we unsubscribe </a:t>
+            </a:r>
+          </a:p>
+          <a:p>
+            <a:pPr lvl="0">
+              <a:spcBef>
+                <a:spcPts val="0"/>
+              </a:spcBef>
+              <a:buNone/>
+            </a:pPr>
+            <a:r>
+              <a:rPr lang="en">
+                <a:solidFill>
+                  <a:srgbClr val="FFFFFF"/>
+                </a:solidFill>
+              </a:rPr>
+              <a:t>from the channel, we will see nothing.</a:t>
             </a:r>
           </a:p>
         </p:txBody>
       </p:sp>
-      <p:sp>
-        <p:nvSpPr>
-          <p:cNvPr id="198" name="Shape 198"/>
-          <p:cNvSpPr/>
+      <p:cxnSp>
+        <p:nvCxnSpPr>
+          <p:cNvPr id="202" name="Shape 202"/>
+          <p:cNvCxnSpPr/>
           <p:nvPr/>
-        </p:nvSpPr>
+        </p:nvCxnSpPr>
         <p:spPr>
           <a:xfrm flipH="1">
-            <a:off x="2885679" y="672425"/>
-            <a:ext cx="4635846" cy="2244455"/>
-          </a:xfrm>
-          <a:prstGeom prst="lightningBolt">
+            <a:off x="2819100" y="4667000"/>
+            <a:ext cx="2952300" cy="80100"/>
+          </a:xfrm>
+          <a:prstGeom prst="straightConnector1">
             <a:avLst/>
           </a:prstGeom>
-          <a:solidFill>
-            <a:srgbClr val="FFFF00"/>
-          </a:solidFill>
+          <a:noFill/>
           <a:ln cap="flat" cmpd="sng" w="9525">
             <a:solidFill>
-              <a:srgbClr val="FFFF00"/>
+              <a:schemeClr val="dk2"/>
             </a:solidFill>
             <a:prstDash val="solid"/>
             <a:round/>
-            <a:headEnd len="med" w="med" type="none"/>
-            <a:tailEnd len="med" w="med" type="none"/>
+            <a:headEnd len="lg" w="lg" type="none"/>
+            <a:tailEnd len="lg" w="lg" type="triangle"/>
           </a:ln>
         </p:spPr>
-        <p:txBody>
-          <a:bodyPr anchorCtr="0" anchor="ctr" bIns="91425" lIns="91425" rIns="91425" tIns="91425">
-            <a:noAutofit/>
-          </a:bodyPr>
-          <a:lstStyle/>
-          <a:p>
-            <a:pPr lvl="0">
-              <a:spcBef>
-                <a:spcPts val="0"/>
-              </a:spcBef>
-              <a:buNone/>
-            </a:pPr>
-            <a:r>
-              <a:rPr lang="en"/>
-              <a:t>       Anything</a:t>
-            </a:r>
-          </a:p>
-          <a:p>
-            <a:pPr lvl="0">
-              <a:spcBef>
-                <a:spcPts val="0"/>
-              </a:spcBef>
-              <a:buNone/>
-            </a:pPr>
-            <a:r>
-              <a:rPr lang="en"/>
-              <a:t>With </a:t>
-            </a:r>
-          </a:p>
-          <a:p>
-            <a:pPr lvl="0">
-              <a:spcBef>
-                <a:spcPts val="0"/>
-              </a:spcBef>
-              <a:buNone/>
-            </a:pPr>
-            <a:r>
-              <a:rPr lang="en"/>
-              <a:t>x</a:t>
-            </a:r>
-          </a:p>
-        </p:txBody>
-      </p:sp>
+      </p:cxnSp>
     </p:spTree>
   </p:cSld>
   <p:clrMapOvr>
@@ -10099,7 +10378,7 @@
 </p:sld>
 </file>
 
-<file path=ppt/slides/slide3.xml><?xml version="1.0" encoding="utf-8"?>
+<file path=ppt/slides/slide23.xml><?xml version="1.0" encoding="utf-8"?>
 <p:sld xmlns:a="http://schemas.openxmlformats.org/drawingml/2006/main" xmlns:r="http://schemas.openxmlformats.org/officeDocument/2006/relationships" xmlns:mc="http://schemas.openxmlformats.org/markup-compatibility/2006" xmlns:mv="urn:schemas-microsoft-com:mac:vml" xmlns:p="http://schemas.openxmlformats.org/presentationml/2006/main" xmlns:c="http://schemas.openxmlformats.org/drawingml/2006/chart" xmlns:dgm="http://schemas.openxmlformats.org/drawingml/2006/diagram" xmlns:o="urn:schemas-microsoft-com:office:office" xmlns:v="urn:schemas-microsoft-com:vml" xmlns:pvml="urn:schemas-microsoft-com:office:powerpoint" xmlns:com="http://schemas.openxmlformats.org/drawingml/2006/compatibility" xmlns:p14="http://schemas.microsoft.com/office/powerpoint/2010/main" xmlns:p15="http://schemas.microsoft.com/office/powerpoint/2012/main">
   <p:cSld>
     <p:bg>
@@ -10122,7 +10401,7 @@
     </p:bg>
     <p:spTree>
       <p:nvGrpSpPr>
-        <p:cNvPr id="68" name="Shape 68"/>
+        <p:cNvPr id="206" name="Shape 206"/>
         <p:cNvGrpSpPr/>
         <p:nvPr/>
       </p:nvGrpSpPr>
@@ -10136,7 +10415,7 @@
       </p:grpSpPr>
       <p:sp>
         <p:nvSpPr>
-          <p:cNvPr id="69" name="Shape 69"/>
+          <p:cNvPr id="207" name="Shape 207"/>
           <p:cNvSpPr txBox="1"/>
           <p:nvPr>
             <p:ph type="title"/>
@@ -10144,7 +10423,7 @@
         </p:nvSpPr>
         <p:spPr>
           <a:xfrm>
-            <a:off x="391850" y="404975"/>
+            <a:off x="623400" y="364875"/>
             <a:ext cx="8520600" cy="572700"/>
           </a:xfrm>
           <a:prstGeom prst="rect">
@@ -10152,7 +10431,7 @@
           </a:prstGeom>
         </p:spPr>
         <p:txBody>
-          <a:bodyPr anchorCtr="0" anchor="t" bIns="91425" lIns="91425" rIns="91425" tIns="91425">
+          <a:bodyPr anchorCtr="0" anchor="t" bIns="91425" lIns="91425" rIns="91425" wrap="square" tIns="91425">
             <a:noAutofit/>
           </a:bodyPr>
           <a:lstStyle/>
@@ -10165,18 +10444,209 @@
             </a:pPr>
             <a:r>
               <a:rPr lang="en"/>
-              <a:t>Let's</a:t>
-            </a:r>
-            <a:r>
-              <a:rPr lang="en"/>
-              <a:t> go spagetti….. The HTML</a:t>
+              <a:t>What’s next ?</a:t>
             </a:r>
           </a:p>
         </p:txBody>
       </p:sp>
+      <p:sp>
+        <p:nvSpPr>
+          <p:cNvPr id="208" name="Shape 208"/>
+          <p:cNvSpPr txBox="1"/>
+          <p:nvPr>
+            <p:ph idx="1" type="body"/>
+          </p:nvPr>
+        </p:nvSpPr>
+        <p:spPr>
+          <a:xfrm>
+            <a:off x="377475" y="1113025"/>
+            <a:ext cx="2882400" cy="3416400"/>
+          </a:xfrm>
+          <a:prstGeom prst="rect">
+            <a:avLst/>
+          </a:prstGeom>
+        </p:spPr>
+        <p:txBody>
+          <a:bodyPr anchorCtr="0" anchor="t" bIns="91425" lIns="91425" rIns="91425" wrap="square" tIns="91425">
+            <a:noAutofit/>
+          </a:bodyPr>
+          <a:lstStyle/>
+          <a:p>
+            <a:pPr lvl="0">
+              <a:spcBef>
+                <a:spcPts val="0"/>
+              </a:spcBef>
+              <a:buNone/>
+            </a:pPr>
+            <a:r>
+              <a:rPr lang="en"/>
+              <a:t>Our </a:t>
+            </a:r>
+            <a:r>
+              <a:rPr lang="en"/>
+              <a:t>evolution</a:t>
+            </a:r>
+            <a:r>
+              <a:rPr lang="en"/>
+              <a:t> is RxJs</a:t>
+            </a:r>
+          </a:p>
+          <a:p>
+            <a:pPr indent="-228600" lvl="0" marL="457200">
+              <a:spcBef>
+                <a:spcPts val="0"/>
+              </a:spcBef>
+              <a:buChar char="●"/>
+            </a:pPr>
+            <a:r>
+              <a:rPr lang="en"/>
+              <a:t>Angular NgRx</a:t>
+            </a:r>
+          </a:p>
+          <a:p>
+            <a:pPr indent="-228600" lvl="0" marL="457200">
+              <a:spcBef>
+                <a:spcPts val="0"/>
+              </a:spcBef>
+              <a:buChar char="●"/>
+            </a:pPr>
+            <a:r>
+              <a:rPr lang="en"/>
+              <a:t>React Redux</a:t>
+            </a:r>
+          </a:p>
+          <a:p>
+            <a:pPr indent="-228600" lvl="0" marL="457200" rtl="0">
+              <a:spcBef>
+                <a:spcPts val="0"/>
+              </a:spcBef>
+              <a:buChar char="●"/>
+            </a:pPr>
+            <a:r>
+              <a:rPr lang="en"/>
+              <a:t>Vue </a:t>
+            </a:r>
+            <a:r>
+              <a:rPr lang="en"/>
+              <a:t>Veux</a:t>
+            </a:r>
+          </a:p>
+          <a:p>
+            <a:pPr lvl="0">
+              <a:spcBef>
+                <a:spcPts val="0"/>
+              </a:spcBef>
+              <a:buNone/>
+            </a:pPr>
+            <a:r>
+              <a:rPr lang="en"/>
+              <a:t>Reactive </a:t>
+            </a:r>
+            <a:r>
+              <a:rPr lang="en"/>
+              <a:t>Programming</a:t>
+            </a:r>
+          </a:p>
+        </p:txBody>
+      </p:sp>
+      <p:sp>
+        <p:nvSpPr>
+          <p:cNvPr id="209" name="Shape 209"/>
+          <p:cNvSpPr/>
+          <p:nvPr/>
+        </p:nvSpPr>
+        <p:spPr>
+          <a:xfrm flipH="1">
+            <a:off x="2885679" y="672425"/>
+            <a:ext cx="4635846" cy="2244455"/>
+          </a:xfrm>
+          <a:prstGeom prst="lightningBolt">
+            <a:avLst/>
+          </a:prstGeom>
+          <a:solidFill>
+            <a:srgbClr val="FFFF00"/>
+          </a:solidFill>
+          <a:ln cap="flat" cmpd="sng" w="9525">
+            <a:solidFill>
+              <a:srgbClr val="FFFF00"/>
+            </a:solidFill>
+            <a:prstDash val="solid"/>
+            <a:round/>
+            <a:headEnd len="med" w="med" type="none"/>
+            <a:tailEnd len="med" w="med" type="none"/>
+          </a:ln>
+        </p:spPr>
+        <p:txBody>
+          <a:bodyPr anchorCtr="0" anchor="ctr" bIns="91425" lIns="91425" rIns="91425" wrap="square" tIns="91425">
+            <a:noAutofit/>
+          </a:bodyPr>
+          <a:lstStyle/>
+          <a:p>
+            <a:pPr lvl="0">
+              <a:spcBef>
+                <a:spcPts val="0"/>
+              </a:spcBef>
+              <a:buNone/>
+            </a:pPr>
+            <a:r>
+              <a:rPr lang="en"/>
+              <a:t>       Anything</a:t>
+            </a:r>
+          </a:p>
+          <a:p>
+            <a:pPr lvl="0">
+              <a:spcBef>
+                <a:spcPts val="0"/>
+              </a:spcBef>
+              <a:buNone/>
+            </a:pPr>
+            <a:r>
+              <a:rPr lang="en"/>
+              <a:t>With </a:t>
+            </a:r>
+          </a:p>
+          <a:p>
+            <a:pPr lvl="0">
+              <a:spcBef>
+                <a:spcPts val="0"/>
+              </a:spcBef>
+              <a:buNone/>
+            </a:pPr>
+            <a:r>
+              <a:rPr lang="en"/>
+              <a:t>x</a:t>
+            </a:r>
+          </a:p>
+        </p:txBody>
+      </p:sp>
+    </p:spTree>
+  </p:cSld>
+  <p:clrMapOvr>
+    <a:masterClrMapping/>
+  </p:clrMapOvr>
+</p:sld>
+</file>
+
+<file path=ppt/slides/slide3.xml><?xml version="1.0" encoding="utf-8"?>
+<p:sld xmlns:a="http://schemas.openxmlformats.org/drawingml/2006/main" xmlns:r="http://schemas.openxmlformats.org/officeDocument/2006/relationships" xmlns:mc="http://schemas.openxmlformats.org/markup-compatibility/2006" xmlns:mv="urn:schemas-microsoft-com:mac:vml" xmlns:p="http://schemas.openxmlformats.org/presentationml/2006/main" xmlns:c="http://schemas.openxmlformats.org/drawingml/2006/chart" xmlns:dgm="http://schemas.openxmlformats.org/drawingml/2006/diagram" xmlns:o="urn:schemas-microsoft-com:office:office" xmlns:v="urn:schemas-microsoft-com:vml" xmlns:pvml="urn:schemas-microsoft-com:office:powerpoint" xmlns:com="http://schemas.openxmlformats.org/drawingml/2006/compatibility" xmlns:p14="http://schemas.microsoft.com/office/powerpoint/2010/main" xmlns:p15="http://schemas.microsoft.com/office/powerpoint/2012/main">
+  <p:cSld>
+    <p:spTree>
+      <p:nvGrpSpPr>
+        <p:cNvPr id="67" name="Shape 67"/>
+        <p:cNvGrpSpPr/>
+        <p:nvPr/>
+      </p:nvGrpSpPr>
+      <p:grpSpPr>
+        <a:xfrm>
+          <a:off x="0" y="0"/>
+          <a:ext cx="0" cy="0"/>
+          <a:chOff x="0" y="0"/>
+          <a:chExt cx="0" cy="0"/>
+        </a:xfrm>
+      </p:grpSpPr>
       <p:pic>
         <p:nvPicPr>
-          <p:cNvPr id="70" name="Shape 70"/>
+          <p:cNvPr id="68" name="Shape 68"/>
           <p:cNvPicPr preferRelativeResize="0"/>
           <p:nvPr/>
         </p:nvPicPr>
@@ -10190,8 +10660,8 @@
         </p:blipFill>
         <p:spPr>
           <a:xfrm>
-            <a:off x="0" y="1130075"/>
-            <a:ext cx="9143999" cy="4013425"/>
+            <a:off x="0" y="1293799"/>
+            <a:ext cx="9144000" cy="3849700"/>
           </a:xfrm>
           <a:prstGeom prst="rect">
             <a:avLst/>
@@ -10202,24 +10672,62 @@
           </a:ln>
         </p:spPr>
       </p:pic>
-      <p:pic>
-        <p:nvPicPr>
-          <p:cNvPr id="71" name="Shape 71"/>
-          <p:cNvPicPr preferRelativeResize="0"/>
+      <p:sp>
+        <p:nvSpPr>
+          <p:cNvPr id="69" name="Shape 69"/>
+          <p:cNvSpPr/>
           <p:nvPr/>
-        </p:nvPicPr>
-        <p:blipFill>
-          <a:blip r:embed="rId4">
-            <a:alphaModFix/>
-          </a:blip>
-          <a:stretch>
-            <a:fillRect/>
-          </a:stretch>
-        </p:blipFill>
-        <p:spPr>
-          <a:xfrm>
-            <a:off x="6500625" y="1130075"/>
-            <a:ext cx="2643374" cy="1493700"/>
+        </p:nvSpPr>
+        <p:spPr>
+          <a:xfrm>
+            <a:off x="0" y="31675"/>
+            <a:ext cx="9144000" cy="1262100"/>
+          </a:xfrm>
+          <a:prstGeom prst="rect">
+            <a:avLst/>
+          </a:prstGeom>
+          <a:solidFill>
+            <a:srgbClr val="76A5AF"/>
+          </a:solidFill>
+          <a:ln cap="flat" cmpd="sng" w="9525">
+            <a:solidFill>
+              <a:schemeClr val="dk2"/>
+            </a:solidFill>
+            <a:prstDash val="solid"/>
+            <a:round/>
+            <a:headEnd len="med" w="med" type="none"/>
+            <a:tailEnd len="med" w="med" type="none"/>
+          </a:ln>
+        </p:spPr>
+        <p:txBody>
+          <a:bodyPr anchorCtr="0" anchor="ctr" bIns="91425" lIns="91425" rIns="91425" wrap="square" tIns="91425">
+            <a:noAutofit/>
+          </a:bodyPr>
+          <a:lstStyle/>
+          <a:p>
+            <a:pPr lvl="0">
+              <a:spcBef>
+                <a:spcPts val="0"/>
+              </a:spcBef>
+              <a:buNone/>
+            </a:pPr>
+            <a:r>
+              <a:t/>
+            </a:r>
+            <a:endParaRPr/>
+          </a:p>
+        </p:txBody>
+      </p:sp>
+      <p:sp>
+        <p:nvSpPr>
+          <p:cNvPr id="70" name="Shape 70"/>
+          <p:cNvSpPr txBox="1"/>
+          <p:nvPr/>
+        </p:nvSpPr>
+        <p:spPr>
+          <a:xfrm>
+            <a:off x="325700" y="208100"/>
+            <a:ext cx="7339200" cy="856200"/>
           </a:xfrm>
           <a:prstGeom prst="rect">
             <a:avLst/>
@@ -10229,7 +10737,25 @@
             <a:noFill/>
           </a:ln>
         </p:spPr>
-      </p:pic>
+        <p:txBody>
+          <a:bodyPr anchorCtr="0" anchor="t" bIns="91425" lIns="91425" rIns="91425" wrap="square" tIns="91425">
+            <a:noAutofit/>
+          </a:bodyPr>
+          <a:lstStyle/>
+          <a:p>
+            <a:pPr lvl="0" algn="ctr">
+              <a:spcBef>
+                <a:spcPts val="0"/>
+              </a:spcBef>
+              <a:buNone/>
+            </a:pPr>
+            <a:r>
+              <a:rPr lang="en" sz="3600"/>
+              <a:t>Let’s say we want to create this...</a:t>
+            </a:r>
+          </a:p>
+        </p:txBody>
+      </p:sp>
     </p:spTree>
   </p:cSld>
   <p:clrMapOvr>
@@ -10261,7 +10787,7 @@
     </p:bg>
     <p:spTree>
       <p:nvGrpSpPr>
-        <p:cNvPr id="75" name="Shape 75"/>
+        <p:cNvPr id="74" name="Shape 74"/>
         <p:cNvGrpSpPr/>
         <p:nvPr/>
       </p:nvGrpSpPr>
@@ -10275,7 +10801,7 @@
       </p:grpSpPr>
       <p:sp>
         <p:nvSpPr>
-          <p:cNvPr id="76" name="Shape 76"/>
+          <p:cNvPr id="75" name="Shape 75"/>
           <p:cNvSpPr txBox="1"/>
           <p:nvPr>
             <p:ph type="title"/>
@@ -10283,7 +10809,7 @@
         </p:nvSpPr>
         <p:spPr>
           <a:xfrm>
-            <a:off x="311700" y="445025"/>
+            <a:off x="391850" y="404975"/>
             <a:ext cx="8520600" cy="572700"/>
           </a:xfrm>
           <a:prstGeom prst="rect">
@@ -10291,7 +10817,7 @@
           </a:prstGeom>
         </p:spPr>
         <p:txBody>
-          <a:bodyPr anchorCtr="0" anchor="t" bIns="91425" lIns="91425" rIns="91425" tIns="91425">
+          <a:bodyPr anchorCtr="0" anchor="t" bIns="91425" lIns="91425" rIns="91425" wrap="square" tIns="91425">
             <a:noAutofit/>
           </a:bodyPr>
           <a:lstStyle/>
@@ -10312,18 +10838,18 @@
             </a:r>
             <a:r>
               <a:rPr lang="en"/>
-              <a:t>spaghetti</a:t>
-            </a:r>
-            <a:r>
-              <a:rPr lang="en"/>
-              <a:t> in JQUERY</a:t>
+              <a:t>spaghetti.</a:t>
+            </a:r>
+            <a:r>
+              <a:rPr lang="en"/>
+              <a:t>.. The HTML</a:t>
             </a:r>
           </a:p>
         </p:txBody>
       </p:sp>
       <p:pic>
         <p:nvPicPr>
-          <p:cNvPr id="77" name="Shape 77"/>
+          <p:cNvPr id="76" name="Shape 76"/>
           <p:cNvPicPr preferRelativeResize="0"/>
           <p:nvPr/>
         </p:nvPicPr>
@@ -10337,8 +10863,8 @@
         </p:blipFill>
         <p:spPr>
           <a:xfrm>
-            <a:off x="152400" y="1170125"/>
-            <a:ext cx="8839200" cy="1557211"/>
+            <a:off x="0" y="1130075"/>
+            <a:ext cx="9143999" cy="4013425"/>
           </a:xfrm>
           <a:prstGeom prst="rect">
             <a:avLst/>
@@ -10349,16 +10875,24 @@
           </a:ln>
         </p:spPr>
       </p:pic>
-      <p:sp>
-        <p:nvSpPr>
-          <p:cNvPr id="78" name="Shape 78"/>
-          <p:cNvSpPr txBox="1"/>
+      <p:pic>
+        <p:nvPicPr>
+          <p:cNvPr id="77" name="Shape 77"/>
+          <p:cNvPicPr preferRelativeResize="0"/>
           <p:nvPr/>
-        </p:nvSpPr>
-        <p:spPr>
-          <a:xfrm>
-            <a:off x="2204350" y="2727325"/>
-            <a:ext cx="4074600" cy="1296000"/>
+        </p:nvPicPr>
+        <p:blipFill>
+          <a:blip r:embed="rId4">
+            <a:alphaModFix/>
+          </a:blip>
+          <a:stretch>
+            <a:fillRect/>
+          </a:stretch>
+        </p:blipFill>
+        <p:spPr>
+          <a:xfrm>
+            <a:off x="6500625" y="1130075"/>
+            <a:ext cx="2643374" cy="1493700"/>
           </a:xfrm>
           <a:prstGeom prst="rect">
             <a:avLst/>
@@ -10368,30 +10902,110 @@
             <a:noFill/>
           </a:ln>
         </p:spPr>
-        <p:txBody>
-          <a:bodyPr anchorCtr="0" anchor="ctr" bIns="91425" lIns="91425" rIns="91425" tIns="91425">
-            <a:noAutofit/>
-          </a:bodyPr>
-          <a:lstStyle/>
-          <a:p>
-            <a:pPr lvl="0" algn="ctr">
-              <a:spcBef>
-                <a:spcPts val="0"/>
-              </a:spcBef>
-              <a:buNone/>
-            </a:pPr>
-            <a:r>
-              <a:rPr lang="en" sz="6000"/>
-              <a:t>But!!!</a:t>
-            </a:r>
-          </a:p>
-        </p:txBody>
-      </p:sp>
+      </p:pic>
     </p:spTree>
   </p:cSld>
   <p:clrMapOvr>
     <a:masterClrMapping/>
   </p:clrMapOvr>
+  <p:timing>
+    <p:tnLst>
+      <p:par>
+        <p:cTn dur="indefinite" nodeType="tmRoot" restart="never">
+          <p:childTnLst>
+            <p:seq concurrent="1" nextAc="seek">
+              <p:cTn dur="indefinite" id="2" nodeType="mainSeq">
+                <p:childTnLst>
+                  <p:par>
+                    <p:cTn fill="hold">
+                      <p:stCondLst>
+                        <p:cond delay="indefinite"/>
+                      </p:stCondLst>
+                      <p:childTnLst>
+                        <p:par>
+                          <p:cTn fill="hold">
+                            <p:stCondLst>
+                              <p:cond delay="0"/>
+                            </p:stCondLst>
+                            <p:childTnLst>
+                              <p:par>
+                                <p:cTn fill="hold" nodeType="clickEffect" presetClass="entr" presetID="2" presetSubtype="4">
+                                  <p:stCondLst>
+                                    <p:cond delay="0"/>
+                                  </p:stCondLst>
+                                  <p:childTnLst>
+                                    <p:set>
+                                      <p:cBhvr>
+                                        <p:cTn dur="1" fill="hold">
+                                          <p:stCondLst>
+                                            <p:cond delay="0"/>
+                                          </p:stCondLst>
+                                        </p:cTn>
+                                        <p:tgtEl>
+                                          <p:spTgt spid="77"/>
+                                        </p:tgtEl>
+                                        <p:attrNameLst>
+                                          <p:attrName>style.visibility</p:attrName>
+                                        </p:attrNameLst>
+                                      </p:cBhvr>
+                                      <p:to>
+                                        <p:strVal val="visible"/>
+                                      </p:to>
+                                    </p:set>
+                                    <p:anim calcmode="lin" valueType="num">
+                                      <p:cBhvr additive="base">
+                                        <p:cTn dur="1000"/>
+                                        <p:tgtEl>
+                                          <p:spTgt spid="77"/>
+                                        </p:tgtEl>
+                                        <p:attrNameLst>
+                                          <p:attrName>ppt_y</p:attrName>
+                                        </p:attrNameLst>
+                                      </p:cBhvr>
+                                      <p:tavLst>
+                                        <p:tav fmla="" tm="0">
+                                          <p:val>
+                                            <p:strVal val="#ppt_y+1"/>
+                                          </p:val>
+                                        </p:tav>
+                                        <p:tav fmla="" tm="100000">
+                                          <p:val>
+                                            <p:strVal val="#ppt_y"/>
+                                          </p:val>
+                                        </p:tav>
+                                      </p:tavLst>
+                                    </p:anim>
+                                  </p:childTnLst>
+                                </p:cTn>
+                              </p:par>
+                            </p:childTnLst>
+                          </p:cTn>
+                        </p:par>
+                      </p:childTnLst>
+                    </p:cTn>
+                  </p:par>
+                </p:childTnLst>
+              </p:cTn>
+              <p:prevCondLst>
+                <p:cond evt="onPrev">
+                  <p:tgtEl>
+                    <p:sldTgt/>
+                  </p:tgtEl>
+                </p:cond>
+              </p:prevCondLst>
+              <p:nextCondLst>
+                <p:cond evt="onNext">
+                  <p:tgtEl>
+                    <p:sldTgt/>
+                  </p:tgtEl>
+                </p:cond>
+              </p:nextCondLst>
+            </p:seq>
+          </p:childTnLst>
+        </p:cTn>
+      </p:par>
+    </p:tnLst>
+  </p:timing>
 </p:sld>
 </file>
 
@@ -10418,7 +11032,7 @@
     </p:bg>
     <p:spTree>
       <p:nvGrpSpPr>
-        <p:cNvPr id="82" name="Shape 82"/>
+        <p:cNvPr id="81" name="Shape 81"/>
         <p:cNvGrpSpPr/>
         <p:nvPr/>
       </p:nvGrpSpPr>
@@ -10432,7 +11046,7 @@
       </p:grpSpPr>
       <p:sp>
         <p:nvSpPr>
-          <p:cNvPr id="83" name="Shape 83"/>
+          <p:cNvPr id="82" name="Shape 82"/>
           <p:cNvSpPr txBox="1"/>
           <p:nvPr>
             <p:ph type="title"/>
@@ -10441,42 +11055,46 @@
         <p:spPr>
           <a:xfrm>
             <a:off x="311700" y="445025"/>
-            <a:ext cx="8520600" cy="1122600"/>
+            <a:ext cx="8520600" cy="572700"/>
           </a:xfrm>
           <a:prstGeom prst="rect">
             <a:avLst/>
           </a:prstGeom>
         </p:spPr>
         <p:txBody>
-          <a:bodyPr anchorCtr="0" anchor="t" bIns="91425" lIns="91425" rIns="91425" tIns="91425">
+          <a:bodyPr anchorCtr="0" anchor="t" bIns="91425" lIns="91425" rIns="91425" wrap="square" tIns="91425">
             <a:noAutofit/>
           </a:bodyPr>
           <a:lstStyle/>
           <a:p>
-            <a:pPr lvl="0" algn="ctr">
-              <a:spcBef>
-                <a:spcPts val="0"/>
-              </a:spcBef>
-              <a:buNone/>
-            </a:pPr>
-            <a:r>
-              <a:rPr lang="en"/>
-              <a:t>What if we want the user to </a:t>
-            </a:r>
-            <a:r>
-              <a:rPr lang="en"/>
-              <a:t>decide</a:t>
-            </a:r>
-            <a:r>
-              <a:rPr lang="en"/>
-              <a:t> how much to increment?</a:t>
+            <a:pPr lvl="0">
+              <a:spcBef>
+                <a:spcPts val="0"/>
+              </a:spcBef>
+              <a:buNone/>
+            </a:pPr>
+            <a:r>
+              <a:rPr lang="en"/>
+              <a:t>Let's</a:t>
+            </a:r>
+            <a:r>
+              <a:rPr lang="en"/>
+              <a:t> go </a:t>
+            </a:r>
+            <a:r>
+              <a:rPr lang="en"/>
+              <a:t>spaghetti </a:t>
+            </a:r>
+            <a:r>
+              <a:rPr lang="en"/>
+              <a:t>in JQUERY</a:t>
             </a:r>
           </a:p>
         </p:txBody>
       </p:sp>
       <p:pic>
         <p:nvPicPr>
-          <p:cNvPr id="84" name="Shape 84"/>
+          <p:cNvPr id="83" name="Shape 83"/>
           <p:cNvPicPr preferRelativeResize="0"/>
           <p:nvPr/>
         </p:nvPicPr>
@@ -10490,8 +11108,8 @@
         </p:blipFill>
         <p:spPr>
           <a:xfrm>
-            <a:off x="152400" y="1720025"/>
-            <a:ext cx="8839199" cy="1826600"/>
+            <a:off x="152400" y="1170125"/>
+            <a:ext cx="8839200" cy="1557211"/>
           </a:xfrm>
           <a:prstGeom prst="rect">
             <a:avLst/>
@@ -10502,11 +11120,170 @@
           </a:ln>
         </p:spPr>
       </p:pic>
+      <p:sp>
+        <p:nvSpPr>
+          <p:cNvPr id="84" name="Shape 84"/>
+          <p:cNvSpPr txBox="1"/>
+          <p:nvPr/>
+        </p:nvSpPr>
+        <p:spPr>
+          <a:xfrm>
+            <a:off x="2204350" y="2727325"/>
+            <a:ext cx="4074600" cy="1296000"/>
+          </a:xfrm>
+          <a:prstGeom prst="rect">
+            <a:avLst/>
+          </a:prstGeom>
+          <a:noFill/>
+          <a:ln>
+            <a:noFill/>
+          </a:ln>
+        </p:spPr>
+        <p:txBody>
+          <a:bodyPr anchorCtr="0" anchor="ctr" bIns="91425" lIns="91425" rIns="91425" wrap="square" tIns="91425">
+            <a:noAutofit/>
+          </a:bodyPr>
+          <a:lstStyle/>
+          <a:p>
+            <a:pPr lvl="0" algn="ctr">
+              <a:spcBef>
+                <a:spcPts val="0"/>
+              </a:spcBef>
+              <a:buNone/>
+            </a:pPr>
+            <a:r>
+              <a:rPr lang="en" sz="6000"/>
+              <a:t>But!!!</a:t>
+            </a:r>
+          </a:p>
+        </p:txBody>
+      </p:sp>
     </p:spTree>
   </p:cSld>
   <p:clrMapOvr>
     <a:masterClrMapping/>
   </p:clrMapOvr>
+  <p:timing>
+    <p:tnLst>
+      <p:par>
+        <p:cTn dur="indefinite" nodeType="tmRoot" restart="never">
+          <p:childTnLst>
+            <p:seq concurrent="1" nextAc="seek">
+              <p:cTn dur="indefinite" id="2" nodeType="mainSeq">
+                <p:childTnLst>
+                  <p:par>
+                    <p:cTn fill="hold">
+                      <p:stCondLst>
+                        <p:cond delay="indefinite"/>
+                      </p:stCondLst>
+                      <p:childTnLst>
+                        <p:par>
+                          <p:cTn fill="hold">
+                            <p:stCondLst>
+                              <p:cond delay="0"/>
+                            </p:stCondLst>
+                            <p:childTnLst>
+                              <p:par>
+                                <p:cTn fill="hold" nodeType="clickEffect" presetClass="entr" presetID="23" presetSubtype="16">
+                                  <p:stCondLst>
+                                    <p:cond delay="0"/>
+                                  </p:stCondLst>
+                                  <p:childTnLst>
+                                    <p:set>
+                                      <p:cBhvr>
+                                        <p:cTn dur="1" fill="hold">
+                                          <p:stCondLst>
+                                            <p:cond delay="0"/>
+                                          </p:stCondLst>
+                                        </p:cTn>
+                                        <p:tgtEl>
+                                          <p:spTgt spid="84"/>
+                                        </p:tgtEl>
+                                        <p:attrNameLst>
+                                          <p:attrName>style.visibility</p:attrName>
+                                        </p:attrNameLst>
+                                      </p:cBhvr>
+                                      <p:to>
+                                        <p:strVal val="visible"/>
+                                      </p:to>
+                                    </p:set>
+                                    <p:anim calcmode="lin" valueType="num">
+                                      <p:cBhvr additive="base">
+                                        <p:cTn dur="5000"/>
+                                        <p:tgtEl>
+                                          <p:spTgt spid="84"/>
+                                        </p:tgtEl>
+                                        <p:attrNameLst>
+                                          <p:attrName>ppt_w</p:attrName>
+                                        </p:attrNameLst>
+                                      </p:cBhvr>
+                                      <p:tavLst>
+                                        <p:tav fmla="" tm="0">
+                                          <p:val>
+                                            <p:strVal val="0"/>
+                                          </p:val>
+                                        </p:tav>
+                                        <p:tav fmla="" tm="100000">
+                                          <p:val>
+                                            <p:strVal val="#ppt_w"/>
+                                          </p:val>
+                                        </p:tav>
+                                      </p:tavLst>
+                                    </p:anim>
+                                    <p:anim calcmode="lin" valueType="num">
+                                      <p:cBhvr additive="base">
+                                        <p:cTn dur="5000"/>
+                                        <p:tgtEl>
+                                          <p:spTgt spid="84"/>
+                                        </p:tgtEl>
+                                        <p:attrNameLst>
+                                          <p:attrName>ppt_h</p:attrName>
+                                        </p:attrNameLst>
+                                      </p:cBhvr>
+                                      <p:tavLst>
+                                        <p:tav fmla="" tm="0">
+                                          <p:val>
+                                            <p:strVal val="0"/>
+                                          </p:val>
+                                        </p:tav>
+                                        <p:tav fmla="" tm="100000">
+                                          <p:val>
+                                            <p:strVal val="#ppt_h"/>
+                                          </p:val>
+                                        </p:tav>
+                                      </p:tavLst>
+                                    </p:anim>
+                                  </p:childTnLst>
+                                </p:cTn>
+                              </p:par>
+                            </p:childTnLst>
+                          </p:cTn>
+                        </p:par>
+                      </p:childTnLst>
+                    </p:cTn>
+                  </p:par>
+                </p:childTnLst>
+              </p:cTn>
+              <p:prevCondLst>
+                <p:cond evt="onPrev">
+                  <p:tgtEl>
+                    <p:sldTgt/>
+                  </p:tgtEl>
+                </p:cond>
+              </p:prevCondLst>
+              <p:nextCondLst>
+                <p:cond evt="onNext">
+                  <p:tgtEl>
+                    <p:sldTgt/>
+                  </p:tgtEl>
+                </p:cond>
+              </p:nextCondLst>
+            </p:seq>
+          </p:childTnLst>
+        </p:cTn>
+      </p:par>
+    </p:tnLst>
+  </p:timing>
 </p:sld>
 </file>
 
@@ -10556,35 +11333,35 @@
         <p:spPr>
           <a:xfrm>
             <a:off x="311700" y="445025"/>
-            <a:ext cx="8520600" cy="572700"/>
+            <a:ext cx="8520600" cy="1122600"/>
           </a:xfrm>
           <a:prstGeom prst="rect">
             <a:avLst/>
           </a:prstGeom>
         </p:spPr>
         <p:txBody>
-          <a:bodyPr anchorCtr="0" anchor="t" bIns="91425" lIns="91425" rIns="91425" tIns="91425">
+          <a:bodyPr anchorCtr="0" anchor="t" bIns="91425" lIns="91425" rIns="91425" wrap="square" tIns="91425">
             <a:noAutofit/>
           </a:bodyPr>
           <a:lstStyle/>
           <a:p>
-            <a:pPr lvl="0">
-              <a:spcBef>
-                <a:spcPts val="0"/>
-              </a:spcBef>
-              <a:buNone/>
-            </a:pPr>
-            <a:r>
-              <a:rPr lang="en"/>
-              <a:t>Let’s go </a:t>
-            </a:r>
-            <a:r>
-              <a:rPr lang="en"/>
-              <a:t>spaghetti</a:t>
-            </a:r>
-            <a:r>
-              <a:rPr lang="en"/>
-              <a:t> and do more</a:t>
+            <a:pPr lvl="0" algn="ctr">
+              <a:spcBef>
+                <a:spcPts val="0"/>
+              </a:spcBef>
+              <a:buNone/>
+            </a:pPr>
+            <a:r>
+              <a:rPr lang="en"/>
+              <a:t>What if we want the user to </a:t>
+            </a:r>
+            <a:r>
+              <a:rPr lang="en"/>
+              <a:t>decide</a:t>
+            </a:r>
+            <a:r>
+              <a:rPr lang="en"/>
+              <a:t> how much to increment?</a:t>
             </a:r>
           </a:p>
         </p:txBody>
@@ -10605,8 +11382,8 @@
         </p:blipFill>
         <p:spPr>
           <a:xfrm>
-            <a:off x="152400" y="1170125"/>
-            <a:ext cx="8839201" cy="3357589"/>
+            <a:off x="152400" y="1720025"/>
+            <a:ext cx="8839199" cy="1826600"/>
           </a:xfrm>
           <a:prstGeom prst="rect">
             <a:avLst/>
@@ -10617,11 +11394,175 @@
           </a:ln>
         </p:spPr>
       </p:pic>
+      <p:pic>
+        <p:nvPicPr>
+          <p:cNvPr id="91" name="Shape 91"/>
+          <p:cNvPicPr preferRelativeResize="0"/>
+          <p:nvPr/>
+        </p:nvPicPr>
+        <p:blipFill>
+          <a:blip r:embed="rId4">
+            <a:alphaModFix/>
+          </a:blip>
+          <a:stretch>
+            <a:fillRect/>
+          </a:stretch>
+        </p:blipFill>
+        <p:spPr>
+          <a:xfrm>
+            <a:off x="152400" y="1720025"/>
+            <a:ext cx="8839199" cy="1826600"/>
+          </a:xfrm>
+          <a:prstGeom prst="rect">
+            <a:avLst/>
+          </a:prstGeom>
+          <a:noFill/>
+          <a:ln>
+            <a:noFill/>
+          </a:ln>
+        </p:spPr>
+      </p:pic>
     </p:spTree>
   </p:cSld>
   <p:clrMapOvr>
     <a:masterClrMapping/>
   </p:clrMapOvr>
+  <p:timing>
+    <p:tnLst>
+      <p:par>
+        <p:cTn dur="indefinite" nodeType="tmRoot" restart="never">
+          <p:childTnLst>
+            <p:seq concurrent="1" nextAc="seek">
+              <p:cTn dur="indefinite" id="2" nodeType="mainSeq">
+                <p:childTnLst>
+                  <p:par>
+                    <p:cTn fill="hold">
+                      <p:stCondLst>
+                        <p:cond delay="indefinite"/>
+                      </p:stCondLst>
+                      <p:childTnLst>
+                        <p:par>
+                          <p:cTn fill="hold">
+                            <p:stCondLst>
+                              <p:cond delay="0"/>
+                            </p:stCondLst>
+                            <p:childTnLst>
+                              <p:par>
+                                <p:cTn fill="hold" nodeType="clickEffect" presetClass="entr" presetID="10" presetSubtype="0">
+                                  <p:stCondLst>
+                                    <p:cond delay="0"/>
+                                  </p:stCondLst>
+                                  <p:childTnLst>
+                                    <p:set>
+                                      <p:cBhvr>
+                                        <p:cTn dur="1" fill="hold">
+                                          <p:stCondLst>
+                                            <p:cond delay="0"/>
+                                          </p:stCondLst>
+                                        </p:cTn>
+                                        <p:tgtEl>
+                                          <p:spTgt spid="90"/>
+                                        </p:tgtEl>
+                                        <p:attrNameLst>
+                                          <p:attrName>style.visibility</p:attrName>
+                                        </p:attrNameLst>
+                                      </p:cBhvr>
+                                      <p:to>
+                                        <p:strVal val="visible"/>
+                                      </p:to>
+                                    </p:set>
+                                    <p:animEffect filter="fade" transition="in">
+                                      <p:cBhvr>
+                                        <p:cTn dur="2500"/>
+                                        <p:tgtEl>
+                                          <p:spTgt spid="90"/>
+                                        </p:tgtEl>
+                                      </p:cBhvr>
+                                    </p:animEffect>
+                                  </p:childTnLst>
+                                </p:cTn>
+                              </p:par>
+                            </p:childTnLst>
+                          </p:cTn>
+                        </p:par>
+                      </p:childTnLst>
+                    </p:cTn>
+                  </p:par>
+                  <p:par>
+                    <p:cTn fill="hold">
+                      <p:stCondLst>
+                        <p:cond delay="indefinite"/>
+                      </p:stCondLst>
+                      <p:childTnLst>
+                        <p:par>
+                          <p:cTn fill="hold">
+                            <p:stCondLst>
+                              <p:cond delay="0"/>
+                            </p:stCondLst>
+                            <p:childTnLst>
+                              <p:par>
+                                <p:cTn fill="hold" nodeType="clickEffect" presetClass="exit" presetID="10" presetSubtype="0">
+                                  <p:stCondLst>
+                                    <p:cond delay="0"/>
+                                  </p:stCondLst>
+                                  <p:childTnLst>
+                                    <p:animEffect filter="fade" transition="out">
+                                      <p:cBhvr>
+                                        <p:cTn dur="3000"/>
+                                        <p:tgtEl>
+                                          <p:spTgt spid="91"/>
+                                        </p:tgtEl>
+                                      </p:cBhvr>
+                                    </p:animEffect>
+                                    <p:set>
+                                      <p:cBhvr>
+                                        <p:cTn dur="1" fill="hold">
+                                          <p:stCondLst>
+                                            <p:cond delay="3000"/>
+                                          </p:stCondLst>
+                                        </p:cTn>
+                                        <p:tgtEl>
+                                          <p:spTgt spid="91"/>
+                                        </p:tgtEl>
+                                        <p:attrNameLst>
+                                          <p:attrName>style.visibility</p:attrName>
+                                        </p:attrNameLst>
+                                      </p:cBhvr>
+                                      <p:to>
+                                        <p:strVal val="hidden"/>
+                                      </p:to>
+                                    </p:set>
+                                  </p:childTnLst>
+                                </p:cTn>
+                              </p:par>
+                            </p:childTnLst>
+                          </p:cTn>
+                        </p:par>
+                      </p:childTnLst>
+                    </p:cTn>
+                  </p:par>
+                </p:childTnLst>
+              </p:cTn>
+              <p:prevCondLst>
+                <p:cond evt="onPrev">
+                  <p:tgtEl>
+                    <p:sldTgt/>
+                  </p:tgtEl>
+                </p:cond>
+              </p:prevCondLst>
+              <p:nextCondLst>
+                <p:cond evt="onNext">
+                  <p:tgtEl>
+                    <p:sldTgt/>
+                  </p:tgtEl>
+                </p:cond>
+              </p:nextCondLst>
+            </p:seq>
+          </p:childTnLst>
+        </p:cTn>
+      </p:par>
+    </p:tnLst>
+  </p:timing>
 </p:sld>
 </file>
 
@@ -10648,7 +11589,7 @@
     </p:bg>
     <p:spTree>
       <p:nvGrpSpPr>
-        <p:cNvPr id="94" name="Shape 94"/>
+        <p:cNvPr id="95" name="Shape 95"/>
         <p:cNvGrpSpPr/>
         <p:nvPr/>
       </p:nvGrpSpPr>
@@ -10662,7 +11603,7 @@
       </p:grpSpPr>
       <p:sp>
         <p:nvSpPr>
-          <p:cNvPr id="95" name="Shape 95"/>
+          <p:cNvPr id="96" name="Shape 96"/>
           <p:cNvSpPr txBox="1"/>
           <p:nvPr>
             <p:ph type="title"/>
@@ -10678,7 +11619,7 @@
           </a:prstGeom>
         </p:spPr>
         <p:txBody>
-          <a:bodyPr anchorCtr="0" anchor="t" bIns="91425" lIns="91425" rIns="91425" tIns="91425">
+          <a:bodyPr anchorCtr="0" anchor="t" bIns="91425" lIns="91425" rIns="91425" wrap="square" tIns="91425">
             <a:noAutofit/>
           </a:bodyPr>
           <a:lstStyle/>
@@ -10691,151 +11632,47 @@
             </a:pPr>
             <a:r>
               <a:rPr lang="en"/>
-              <a:t>Spaghetti</a:t>
-            </a:r>
-            <a:r>
-              <a:rPr lang="en"/>
-              <a:t> code can not be maintain!!!!</a:t>
+              <a:t>Let’s go </a:t>
+            </a:r>
+            <a:r>
+              <a:rPr lang="en"/>
+              <a:t>spaghetti </a:t>
+            </a:r>
+            <a:r>
+              <a:rPr lang="en"/>
+              <a:t>and do more</a:t>
             </a:r>
           </a:p>
         </p:txBody>
       </p:sp>
-      <p:sp>
-        <p:nvSpPr>
-          <p:cNvPr id="96" name="Shape 96"/>
-          <p:cNvSpPr txBox="1"/>
-          <p:nvPr>
-            <p:ph idx="1" type="body"/>
-          </p:nvPr>
-        </p:nvSpPr>
-        <p:spPr>
-          <a:xfrm>
-            <a:off x="377475" y="1113025"/>
-            <a:ext cx="8520600" cy="3416400"/>
+      <p:pic>
+        <p:nvPicPr>
+          <p:cNvPr id="97" name="Shape 97"/>
+          <p:cNvPicPr preferRelativeResize="0"/>
+          <p:nvPr/>
+        </p:nvPicPr>
+        <p:blipFill>
+          <a:blip r:embed="rId3">
+            <a:alphaModFix/>
+          </a:blip>
+          <a:stretch>
+            <a:fillRect/>
+          </a:stretch>
+        </p:blipFill>
+        <p:spPr>
+          <a:xfrm>
+            <a:off x="152400" y="1170125"/>
+            <a:ext cx="8839201" cy="3357589"/>
           </a:xfrm>
           <a:prstGeom prst="rect">
             <a:avLst/>
           </a:prstGeom>
-        </p:spPr>
-        <p:txBody>
-          <a:bodyPr anchorCtr="0" anchor="t" bIns="91425" lIns="91425" rIns="91425" tIns="91425">
-            <a:noAutofit/>
-          </a:bodyPr>
-          <a:lstStyle/>
-          <a:p>
-            <a:pPr lvl="0">
-              <a:spcBef>
-                <a:spcPts val="0"/>
-              </a:spcBef>
-              <a:buNone/>
-            </a:pPr>
-            <a:r>
-              <a:rPr lang="en"/>
-              <a:t>Likely</a:t>
-            </a:r>
-            <a:r>
-              <a:rPr lang="en"/>
-              <a:t> for us, </a:t>
-            </a:r>
-          </a:p>
-          <a:p>
-            <a:pPr lvl="0">
-              <a:spcBef>
-                <a:spcPts val="0"/>
-              </a:spcBef>
-              <a:buNone/>
-            </a:pPr>
-            <a:r>
-              <a:rPr lang="en"/>
-              <a:t>	Design pattern are for the </a:t>
-            </a:r>
-            <a:r>
-              <a:rPr lang="en"/>
-              <a:t>rescue</a:t>
-            </a:r>
-            <a:r>
-              <a:rPr lang="en"/>
-              <a:t> </a:t>
-            </a:r>
-          </a:p>
-          <a:p>
-            <a:pPr lvl="0">
-              <a:spcBef>
-                <a:spcPts val="0"/>
-              </a:spcBef>
-              <a:buNone/>
-            </a:pPr>
-            <a:r>
-              <a:rPr lang="en"/>
-              <a:t> Javascript main design </a:t>
-            </a:r>
-            <a:r>
-              <a:rPr lang="en"/>
-              <a:t>patterns</a:t>
-            </a:r>
-          </a:p>
-          <a:p>
-            <a:pPr indent="-228600" lvl="0" marL="457200" rtl="0">
-              <a:spcBef>
-                <a:spcPts val="0"/>
-              </a:spcBef>
-              <a:buChar char="●"/>
-            </a:pPr>
-            <a:r>
-              <a:rPr lang="en"/>
-              <a:t>Prototype</a:t>
-            </a:r>
-          </a:p>
-          <a:p>
-            <a:pPr indent="-228600" lvl="0" marL="457200" rtl="0">
-              <a:spcBef>
-                <a:spcPts val="0"/>
-              </a:spcBef>
-              <a:buChar char="●"/>
-            </a:pPr>
-            <a:r>
-              <a:rPr lang="en"/>
-              <a:t>Factory</a:t>
-            </a:r>
-          </a:p>
-          <a:p>
-            <a:pPr indent="-228600" lvl="0" marL="457200" rtl="0">
-              <a:spcBef>
-                <a:spcPts val="0"/>
-              </a:spcBef>
-              <a:buChar char="●"/>
-            </a:pPr>
-            <a:r>
-              <a:rPr lang="en"/>
-              <a:t>Module</a:t>
-            </a:r>
-          </a:p>
-          <a:p>
-            <a:pPr indent="-228600" lvl="0" marL="457200" rtl="0">
-              <a:spcBef>
-                <a:spcPts val="0"/>
-              </a:spcBef>
-              <a:buChar char="●"/>
-            </a:pPr>
-            <a:r>
-              <a:rPr lang="en"/>
-              <a:t>Observable</a:t>
-            </a:r>
-          </a:p>
-          <a:p>
-            <a:pPr indent="-228600" lvl="0" marL="457200">
-              <a:spcBef>
-                <a:spcPts val="0"/>
-              </a:spcBef>
-              <a:buChar char="●"/>
-            </a:pPr>
-            <a:r>
-              <a:rPr lang="en"/>
-              <a:t>Singleton</a:t>
-            </a:r>
-          </a:p>
-        </p:txBody>
-      </p:sp>
+          <a:noFill/>
+          <a:ln>
+            <a:noFill/>
+          </a:ln>
+        </p:spPr>
+      </p:pic>
     </p:spTree>
   </p:cSld>
   <p:clrMapOvr>
@@ -10867,7 +11704,7 @@
     </p:bg>
     <p:spTree>
       <p:nvGrpSpPr>
-        <p:cNvPr id="100" name="Shape 100"/>
+        <p:cNvPr id="101" name="Shape 101"/>
         <p:cNvGrpSpPr/>
         <p:nvPr/>
       </p:nvGrpSpPr>
@@ -10881,7 +11718,143 @@
       </p:grpSpPr>
       <p:sp>
         <p:nvSpPr>
-          <p:cNvPr id="101" name="Shape 101"/>
+          <p:cNvPr id="102" name="Shape 102"/>
+          <p:cNvSpPr txBox="1"/>
+          <p:nvPr>
+            <p:ph idx="1" type="body"/>
+          </p:nvPr>
+        </p:nvSpPr>
+        <p:spPr>
+          <a:xfrm>
+            <a:off x="377475" y="1113025"/>
+            <a:ext cx="8520600" cy="3416400"/>
+          </a:xfrm>
+          <a:prstGeom prst="rect">
+            <a:avLst/>
+          </a:prstGeom>
+        </p:spPr>
+        <p:txBody>
+          <a:bodyPr anchorCtr="0" anchor="t" bIns="91425" lIns="91425" rIns="91425" wrap="square" tIns="91425">
+            <a:noAutofit/>
+          </a:bodyPr>
+          <a:lstStyle/>
+          <a:p>
+            <a:pPr lvl="0">
+              <a:spcBef>
+                <a:spcPts val="0"/>
+              </a:spcBef>
+              <a:buNone/>
+            </a:pPr>
+            <a:r>
+              <a:rPr lang="en"/>
+              <a:t>Luckily</a:t>
+            </a:r>
+            <a:r>
+              <a:rPr lang="en"/>
+              <a:t> for us, </a:t>
+            </a:r>
+          </a:p>
+          <a:p>
+            <a:pPr lvl="0">
+              <a:spcBef>
+                <a:spcPts val="0"/>
+              </a:spcBef>
+              <a:buNone/>
+            </a:pPr>
+            <a:r>
+              <a:rPr lang="en"/>
+              <a:t>	Design pattern is for the </a:t>
+            </a:r>
+            <a:r>
+              <a:rPr lang="en"/>
+              <a:t>rescue</a:t>
+            </a:r>
+            <a:r>
+              <a:rPr lang="en"/>
+              <a:t> </a:t>
+            </a:r>
+          </a:p>
+          <a:p>
+            <a:pPr lvl="0">
+              <a:spcBef>
+                <a:spcPts val="0"/>
+              </a:spcBef>
+              <a:buNone/>
+            </a:pPr>
+            <a:r>
+              <a:rPr lang="en"/>
+              <a:t> Javascript main design </a:t>
+            </a:r>
+            <a:r>
+              <a:rPr lang="en"/>
+              <a:t>patterns</a:t>
+            </a:r>
+          </a:p>
+          <a:p>
+            <a:pPr indent="-228600" lvl="0" marL="457200" rtl="0">
+              <a:spcBef>
+                <a:spcPts val="0"/>
+              </a:spcBef>
+              <a:buChar char="●"/>
+            </a:pPr>
+            <a:r>
+              <a:rPr lang="en"/>
+              <a:t>Prototype</a:t>
+            </a:r>
+          </a:p>
+          <a:p>
+            <a:pPr indent="-228600" lvl="0" marL="457200" rtl="0">
+              <a:spcBef>
+                <a:spcPts val="0"/>
+              </a:spcBef>
+              <a:buChar char="●"/>
+            </a:pPr>
+            <a:r>
+              <a:rPr lang="en"/>
+              <a:t>Factory</a:t>
+            </a:r>
+          </a:p>
+          <a:p>
+            <a:pPr indent="-228600" lvl="0" marL="457200" rtl="0">
+              <a:spcBef>
+                <a:spcPts val="0"/>
+              </a:spcBef>
+              <a:buChar char="●"/>
+            </a:pPr>
+            <a:r>
+              <a:rPr lang="en"/>
+              <a:t>Module</a:t>
+            </a:r>
+          </a:p>
+          <a:p>
+            <a:pPr indent="-228600" lvl="0" marL="457200" rtl="0">
+              <a:spcBef>
+                <a:spcPts val="0"/>
+              </a:spcBef>
+              <a:buChar char="●"/>
+            </a:pPr>
+            <a:r>
+              <a:rPr lang="en"/>
+              <a:t>Observable</a:t>
+            </a:r>
+          </a:p>
+          <a:p>
+            <a:pPr indent="-228600" lvl="0" marL="457200">
+              <a:spcBef>
+                <a:spcPts val="0"/>
+              </a:spcBef>
+              <a:buChar char="●"/>
+            </a:pPr>
+            <a:r>
+              <a:rPr lang="en"/>
+              <a:t>Singleton</a:t>
+            </a:r>
+          </a:p>
+        </p:txBody>
+      </p:sp>
+      <p:sp>
+        <p:nvSpPr>
+          <p:cNvPr id="103" name="Shape 103"/>
           <p:cNvSpPr txBox="1"/>
           <p:nvPr>
             <p:ph type="title"/>
@@ -10897,7 +11870,7 @@
           </a:prstGeom>
         </p:spPr>
         <p:txBody>
-          <a:bodyPr anchorCtr="0" anchor="t" bIns="91425" lIns="91425" rIns="91425" tIns="91425">
+          <a:bodyPr anchorCtr="0" anchor="t" bIns="91425" lIns="91425" rIns="91425" wrap="square" tIns="91425">
             <a:noAutofit/>
           </a:bodyPr>
           <a:lstStyle/>
@@ -10910,18 +11883,22 @@
             </a:pPr>
             <a:r>
               <a:rPr lang="en"/>
-              <a:t>Let's</a:t>
-            </a:r>
-            <a:r>
-              <a:rPr lang="en"/>
-              <a:t> go module pattern!</a:t>
+              <a:t>S</a:t>
+            </a:r>
+            <a:r>
+              <a:rPr lang="en"/>
+              <a:t>paghetti </a:t>
+            </a:r>
+            <a:r>
+              <a:rPr lang="en"/>
+              <a:t>code cannot be maintained!!!!</a:t>
             </a:r>
           </a:p>
         </p:txBody>
       </p:sp>
       <p:pic>
         <p:nvPicPr>
-          <p:cNvPr id="102" name="Shape 102"/>
+          <p:cNvPr descr="gang-of-4.jpg" id="104" name="Shape 104"/>
           <p:cNvPicPr preferRelativeResize="0"/>
           <p:nvPr/>
         </p:nvPicPr>
@@ -10935,8 +11912,8 @@
         </p:blipFill>
         <p:spPr>
           <a:xfrm>
-            <a:off x="152400" y="1522975"/>
-            <a:ext cx="8839199" cy="2488004"/>
+            <a:off x="6448323" y="1902275"/>
+            <a:ext cx="2576225" cy="3241225"/>
           </a:xfrm>
           <a:prstGeom prst="rect">
             <a:avLst/>
@@ -10947,11 +11924,220 @@
           </a:ln>
         </p:spPr>
       </p:pic>
+      <p:sp>
+        <p:nvSpPr>
+          <p:cNvPr id="105" name="Shape 105"/>
+          <p:cNvSpPr txBox="1"/>
+          <p:nvPr/>
+        </p:nvSpPr>
+        <p:spPr>
+          <a:xfrm>
+            <a:off x="6705637" y="1329575"/>
+            <a:ext cx="2061600" cy="572700"/>
+          </a:xfrm>
+          <a:prstGeom prst="rect">
+            <a:avLst/>
+          </a:prstGeom>
+          <a:noFill/>
+          <a:ln>
+            <a:noFill/>
+          </a:ln>
+        </p:spPr>
+        <p:txBody>
+          <a:bodyPr anchorCtr="0" anchor="t" bIns="91425" lIns="91425" rIns="91425" wrap="square" tIns="91425">
+            <a:noAutofit/>
+          </a:bodyPr>
+          <a:lstStyle/>
+          <a:p>
+            <a:pPr lvl="0" algn="ctr">
+              <a:spcBef>
+                <a:spcPts val="0"/>
+              </a:spcBef>
+              <a:buNone/>
+            </a:pPr>
+            <a:r>
+              <a:rPr lang="en"/>
+              <a:t>The gang of 4</a:t>
+            </a:r>
+          </a:p>
+        </p:txBody>
+      </p:sp>
     </p:spTree>
   </p:cSld>
   <p:clrMapOvr>
     <a:masterClrMapping/>
   </p:clrMapOvr>
+  <p:timing>
+    <p:tnLst>
+      <p:par>
+        <p:cTn dur="indefinite" nodeType="tmRoot" restart="never">
+          <p:childTnLst>
+            <p:seq concurrent="1" nextAc="seek">
+              <p:cTn dur="indefinite" id="2" nodeType="mainSeq">
+                <p:childTnLst>
+                  <p:par>
+                    <p:cTn fill="hold">
+                      <p:stCondLst>
+                        <p:cond delay="indefinite"/>
+                      </p:stCondLst>
+                      <p:childTnLst>
+                        <p:par>
+                          <p:cTn fill="hold">
+                            <p:stCondLst>
+                              <p:cond delay="0"/>
+                            </p:stCondLst>
+                            <p:childTnLst>
+                              <p:par>
+                                <p:cTn fill="hold" nodeType="clickEffect" presetClass="entr" presetID="10" presetSubtype="0">
+                                  <p:stCondLst>
+                                    <p:cond delay="0"/>
+                                  </p:stCondLst>
+                                  <p:childTnLst>
+                                    <p:set>
+                                      <p:cBhvr>
+                                        <p:cTn dur="1" fill="hold">
+                                          <p:stCondLst>
+                                            <p:cond delay="0"/>
+                                          </p:stCondLst>
+                                        </p:cTn>
+                                        <p:tgtEl>
+                                          <p:spTgt spid="104"/>
+                                        </p:tgtEl>
+                                        <p:attrNameLst>
+                                          <p:attrName>style.visibility</p:attrName>
+                                        </p:attrNameLst>
+                                      </p:cBhvr>
+                                      <p:to>
+                                        <p:strVal val="visible"/>
+                                      </p:to>
+                                    </p:set>
+                                    <p:animEffect filter="fade" transition="in">
+                                      <p:cBhvr>
+                                        <p:cTn dur="1000"/>
+                                        <p:tgtEl>
+                                          <p:spTgt spid="104"/>
+                                        </p:tgtEl>
+                                      </p:cBhvr>
+                                    </p:animEffect>
+                                  </p:childTnLst>
+                                </p:cTn>
+                              </p:par>
+                              <p:par>
+                                <p:cTn fill="hold" nodeType="withEffect" presetClass="entr" presetID="10" presetSubtype="0">
+                                  <p:stCondLst>
+                                    <p:cond delay="0"/>
+                                  </p:stCondLst>
+                                  <p:childTnLst>
+                                    <p:set>
+                                      <p:cBhvr>
+                                        <p:cTn dur="1" fill="hold">
+                                          <p:stCondLst>
+                                            <p:cond delay="0"/>
+                                          </p:stCondLst>
+                                        </p:cTn>
+                                        <p:tgtEl>
+                                          <p:spTgt spid="105"/>
+                                        </p:tgtEl>
+                                        <p:attrNameLst>
+                                          <p:attrName>style.visibility</p:attrName>
+                                        </p:attrNameLst>
+                                      </p:cBhvr>
+                                      <p:to>
+                                        <p:strVal val="visible"/>
+                                      </p:to>
+                                    </p:set>
+                                    <p:animEffect filter="fade" transition="in">
+                                      <p:cBhvr>
+                                        <p:cTn dur="1000"/>
+                                        <p:tgtEl>
+                                          <p:spTgt spid="105"/>
+                                        </p:tgtEl>
+                                      </p:cBhvr>
+                                    </p:animEffect>
+                                  </p:childTnLst>
+                                </p:cTn>
+                              </p:par>
+                            </p:childTnLst>
+                          </p:cTn>
+                        </p:par>
+                      </p:childTnLst>
+                    </p:cTn>
+                  </p:par>
+                  <p:par>
+                    <p:cTn fill="hold">
+                      <p:stCondLst>
+                        <p:cond delay="indefinite"/>
+                      </p:stCondLst>
+                      <p:childTnLst>
+                        <p:par>
+                          <p:cTn fill="hold">
+                            <p:stCondLst>
+                              <p:cond delay="0"/>
+                            </p:stCondLst>
+                            <p:childTnLst>
+                              <p:par>
+                                <p:cTn fill="hold" nodeType="clickEffect" presetClass="entr" presetID="10" presetSubtype="0">
+                                  <p:stCondLst>
+                                    <p:cond delay="0"/>
+                                  </p:stCondLst>
+                                  <p:childTnLst>
+                                    <p:set>
+                                      <p:cBhvr>
+                                        <p:cTn dur="1" fill="hold">
+                                          <p:stCondLst>
+                                            <p:cond delay="0"/>
+                                          </p:stCondLst>
+                                        </p:cTn>
+                                        <p:tgtEl>
+                                          <p:spTgt spid="102"/>
+                                        </p:tgtEl>
+                                        <p:attrNameLst>
+                                          <p:attrName>style.visibility</p:attrName>
+                                        </p:attrNameLst>
+                                      </p:cBhvr>
+                                      <p:to>
+                                        <p:strVal val="visible"/>
+                                      </p:to>
+                                    </p:set>
+                                    <p:animEffect filter="fade" transition="in">
+                                      <p:cBhvr>
+                                        <p:cTn dur="1000"/>
+                                        <p:tgtEl>
+                                          <p:spTgt spid="102"/>
+                                        </p:tgtEl>
+                                      </p:cBhvr>
+                                    </p:animEffect>
+                                  </p:childTnLst>
+                                </p:cTn>
+                              </p:par>
+                            </p:childTnLst>
+                          </p:cTn>
+                        </p:par>
+                      </p:childTnLst>
+                    </p:cTn>
+                  </p:par>
+                </p:childTnLst>
+              </p:cTn>
+              <p:prevCondLst>
+                <p:cond evt="onPrev">
+                  <p:tgtEl>
+                    <p:sldTgt/>
+                  </p:tgtEl>
+                </p:cond>
+              </p:prevCondLst>
+              <p:nextCondLst>
+                <p:cond evt="onNext">
+                  <p:tgtEl>
+                    <p:sldTgt/>
+                  </p:tgtEl>
+                </p:cond>
+              </p:nextCondLst>
+            </p:seq>
+          </p:childTnLst>
+        </p:cTn>
+      </p:par>
+    </p:tnLst>
+  </p:timing>
 </p:sld>
 </file>
 
@@ -10978,7 +12164,7 @@
     </p:bg>
     <p:spTree>
       <p:nvGrpSpPr>
-        <p:cNvPr id="106" name="Shape 106"/>
+        <p:cNvPr id="109" name="Shape 109"/>
         <p:cNvGrpSpPr/>
         <p:nvPr/>
       </p:nvGrpSpPr>
@@ -10992,7 +12178,7 @@
       </p:grpSpPr>
       <p:sp>
         <p:nvSpPr>
-          <p:cNvPr id="107" name="Shape 107"/>
+          <p:cNvPr id="110" name="Shape 110"/>
           <p:cNvSpPr txBox="1"/>
           <p:nvPr>
             <p:ph type="title"/>
@@ -11008,7 +12194,7 @@
           </a:prstGeom>
         </p:spPr>
         <p:txBody>
-          <a:bodyPr anchorCtr="0" anchor="t" bIns="91425" lIns="91425" rIns="91425" tIns="91425">
+          <a:bodyPr anchorCtr="0" anchor="t" bIns="91425" lIns="91425" rIns="91425" wrap="square" tIns="91425">
             <a:noAutofit/>
           </a:bodyPr>
           <a:lstStyle/>
@@ -11021,22 +12207,18 @@
             </a:pPr>
             <a:r>
               <a:rPr lang="en"/>
-              <a:t>From S</a:t>
-            </a:r>
-            <a:r>
-              <a:rPr lang="en"/>
-              <a:t>paghetti</a:t>
-            </a:r>
-            <a:r>
-              <a:rPr lang="en"/>
-              <a:t> to Module</a:t>
+              <a:t>Let's</a:t>
+            </a:r>
+            <a:r>
+              <a:rPr lang="en"/>
+              <a:t> go module pattern!</a:t>
             </a:r>
           </a:p>
         </p:txBody>
       </p:sp>
       <p:pic>
         <p:nvPicPr>
-          <p:cNvPr id="108" name="Shape 108"/>
+          <p:cNvPr id="111" name="Shape 111"/>
           <p:cNvPicPr preferRelativeResize="0"/>
           <p:nvPr/>
         </p:nvPicPr>
@@ -11050,8 +12232,36 @@
         </p:blipFill>
         <p:spPr>
           <a:xfrm>
-            <a:off x="0" y="1362993"/>
-            <a:ext cx="9144001" cy="3780513"/>
+            <a:off x="152400" y="1522975"/>
+            <a:ext cx="8839199" cy="2488004"/>
+          </a:xfrm>
+          <a:prstGeom prst="rect">
+            <a:avLst/>
+          </a:prstGeom>
+          <a:noFill/>
+          <a:ln>
+            <a:noFill/>
+          </a:ln>
+        </p:spPr>
+      </p:pic>
+      <p:pic>
+        <p:nvPicPr>
+          <p:cNvPr descr="דצןךקט.jpg" id="112" name="Shape 112"/>
+          <p:cNvPicPr preferRelativeResize="0"/>
+          <p:nvPr/>
+        </p:nvPicPr>
+        <p:blipFill>
+          <a:blip r:embed="rId4">
+            <a:alphaModFix/>
+          </a:blip>
+          <a:stretch>
+            <a:fillRect/>
+          </a:stretch>
+        </p:blipFill>
+        <p:spPr>
+          <a:xfrm>
+            <a:off x="4603750" y="2157891"/>
+            <a:ext cx="1287566" cy="827720"/>
           </a:xfrm>
           <a:prstGeom prst="rect">
             <a:avLst/>
@@ -11071,6 +12281,285 @@
 </file>
 
 <file path=ppt/theme/theme1.xml><?xml version="1.0" encoding="utf-8"?>
+<a:theme xmlns:a="http://schemas.openxmlformats.org/drawingml/2006/main" xmlns:r="http://schemas.openxmlformats.org/officeDocument/2006/relationships" name="Simple Light">
+  <a:themeElements>
+    <a:clrScheme name="Simple Light">
+      <a:dk1>
+        <a:srgbClr val="000000"/>
+      </a:dk1>
+      <a:lt1>
+        <a:srgbClr val="FFFFFF"/>
+      </a:lt1>
+      <a:dk2>
+        <a:srgbClr val="595959"/>
+      </a:dk2>
+      <a:lt2>
+        <a:srgbClr val="EEEEEE"/>
+      </a:lt2>
+      <a:accent1>
+        <a:srgbClr val="FFAB40"/>
+      </a:accent1>
+      <a:accent2>
+        <a:srgbClr val="212121"/>
+      </a:accent2>
+      <a:accent3>
+        <a:srgbClr val="78909C"/>
+      </a:accent3>
+      <a:accent4>
+        <a:srgbClr val="FFAB40"/>
+      </a:accent4>
+      <a:accent5>
+        <a:srgbClr val="0097A7"/>
+      </a:accent5>
+      <a:accent6>
+        <a:srgbClr val="EEFF41"/>
+      </a:accent6>
+      <a:hlink>
+        <a:srgbClr val="0097A7"/>
+      </a:hlink>
+      <a:folHlink>
+        <a:srgbClr val="0097A7"/>
+      </a:folHlink>
+    </a:clrScheme>
+    <a:fontScheme name="Office">
+      <a:majorFont>
+        <a:latin typeface="Arial"/>
+        <a:ea typeface=""/>
+        <a:cs typeface=""/>
+        <a:font script="Jpan" typeface="ＭＳ Ｐゴシック"/>
+        <a:font script="Hang" typeface="맑은 고딕"/>
+        <a:font script="Hans" typeface="宋体"/>
+        <a:font script="Hant" typeface="新細明體"/>
+        <a:font script="Arab" typeface="Times New Roman"/>
+        <a:font script="Hebr" typeface="Times New Roman"/>
+        <a:font script="Thai" typeface="Angsana New"/>
+        <a:font script="Ethi" typeface="Nyala"/>
+        <a:font script="Beng" typeface="Vrinda"/>
+        <a:font script="Gujr" typeface="Shruti"/>
+        <a:font script="Khmr" typeface="MoolBoran"/>
+        <a:font script="Knda" typeface="Tunga"/>
+        <a:font script="Guru" typeface="Raavi"/>
+        <a:font script="Cans" typeface="Euphemia"/>
+        <a:font script="Cher" typeface="Plantagenet Cherokee"/>
+        <a:font script="Yiii" typeface="Microsoft Yi Baiti"/>
+        <a:font script="Tibt" typeface="Microsoft Himalaya"/>
+        <a:font script="Thaa" typeface="MV Boli"/>
+        <a:font script="Deva" typeface="Mangal"/>
+        <a:font script="Telu" typeface="Gautami"/>
+        <a:font script="Taml" typeface="Latha"/>
+        <a:font script="Syrc" typeface="Estrangelo Edessa"/>
+        <a:font script="Orya" typeface="Kalinga"/>
+        <a:font script="Mlym" typeface="Kartika"/>
+        <a:font script="Laoo" typeface="DokChampa"/>
+        <a:font script="Sinh" typeface="Iskoola Pota"/>
+        <a:font script="Mong" typeface="Mongolian Baiti"/>
+        <a:font script="Viet" typeface="Times New Roman"/>
+        <a:font script="Uigh" typeface="Microsoft Uighur"/>
+        <a:font script="Geor" typeface="Sylfaen"/>
+      </a:majorFont>
+      <a:minorFont>
+        <a:latin typeface="Arial"/>
+        <a:ea typeface=""/>
+        <a:cs typeface=""/>
+        <a:font script="Jpan" typeface="ＭＳ Ｐゴシック"/>
+        <a:font script="Hang" typeface="맑은 고딕"/>
+        <a:font script="Hans" typeface="宋体"/>
+        <a:font script="Hant" typeface="新細明體"/>
+        <a:font script="Arab" typeface="Arial"/>
+        <a:font script="Hebr" typeface="Arial"/>
+        <a:font script="Thai" typeface="Cordia New"/>
+        <a:font script="Ethi" typeface="Nyala"/>
+        <a:font script="Beng" typeface="Vrinda"/>
+        <a:font script="Gujr" typeface="Shruti"/>
+        <a:font script="Khmr" typeface="DaunPenh"/>
+        <a:font script="Knda" typeface="Tunga"/>
+        <a:font script="Guru" typeface="Raavi"/>
+        <a:font script="Cans" typeface="Euphemia"/>
+        <a:font script="Cher" typeface="Plantagenet Cherokee"/>
+        <a:font script="Yiii" typeface="Microsoft Yi Baiti"/>
+        <a:font script="Tibt" typeface="Microsoft Himalaya"/>
+        <a:font script="Thaa" typeface="MV Boli"/>
+        <a:font script="Deva" typeface="Mangal"/>
+        <a:font script="Telu" typeface="Gautami"/>
+        <a:font script="Taml" typeface="Latha"/>
+        <a:font script="Syrc" typeface="Estrangelo Edessa"/>
+        <a:font script="Orya" typeface="Kalinga"/>
+        <a:font script="Mlym" typeface="Kartika"/>
+        <a:font script="Laoo" typeface="DokChampa"/>
+        <a:font script="Sinh" typeface="Iskoola Pota"/>
+        <a:font script="Mong" typeface="Mongolian Baiti"/>
+        <a:font script="Viet" typeface="Arial"/>
+        <a:font script="Uigh" typeface="Microsoft Uighur"/>
+        <a:font script="Geor" typeface="Sylfaen"/>
+      </a:minorFont>
+    </a:fontScheme>
+    <a:fmtScheme name="Office">
+      <a:fillStyleLst>
+        <a:solidFill>
+          <a:schemeClr val="phClr"/>
+        </a:solidFill>
+        <a:gradFill rotWithShape="1">
+          <a:gsLst>
+            <a:gs pos="0">
+              <a:schemeClr val="phClr">
+                <a:tint val="50000"/>
+                <a:satMod val="300000"/>
+              </a:schemeClr>
+            </a:gs>
+            <a:gs pos="35000">
+              <a:schemeClr val="phClr">
+                <a:tint val="37000"/>
+                <a:satMod val="300000"/>
+              </a:schemeClr>
+            </a:gs>
+            <a:gs pos="100000">
+              <a:schemeClr val="phClr">
+                <a:tint val="15000"/>
+                <a:satMod val="350000"/>
+              </a:schemeClr>
+            </a:gs>
+          </a:gsLst>
+          <a:lin ang="16200000" scaled="1"/>
+        </a:gradFill>
+        <a:gradFill rotWithShape="1">
+          <a:gsLst>
+            <a:gs pos="0">
+              <a:schemeClr val="phClr">
+                <a:tint val="100000"/>
+                <a:shade val="100000"/>
+                <a:satMod val="130000"/>
+              </a:schemeClr>
+            </a:gs>
+            <a:gs pos="100000">
+              <a:schemeClr val="phClr">
+                <a:tint val="50000"/>
+                <a:shade val="100000"/>
+                <a:satMod val="350000"/>
+              </a:schemeClr>
+            </a:gs>
+          </a:gsLst>
+          <a:lin ang="16200000" scaled="0"/>
+        </a:gradFill>
+      </a:fillStyleLst>
+      <a:lnStyleLst>
+        <a:ln w="9525" cap="flat" cmpd="sng" algn="ctr">
+          <a:solidFill>
+            <a:schemeClr val="phClr">
+              <a:shade val="95000"/>
+              <a:satMod val="105000"/>
+            </a:schemeClr>
+          </a:solidFill>
+          <a:prstDash val="solid"/>
+        </a:ln>
+        <a:ln w="25400" cap="flat" cmpd="sng" algn="ctr">
+          <a:solidFill>
+            <a:schemeClr val="phClr"/>
+          </a:solidFill>
+          <a:prstDash val="solid"/>
+        </a:ln>
+        <a:ln w="38100" cap="flat" cmpd="sng" algn="ctr">
+          <a:solidFill>
+            <a:schemeClr val="phClr"/>
+          </a:solidFill>
+          <a:prstDash val="solid"/>
+        </a:ln>
+      </a:lnStyleLst>
+      <a:effectStyleLst>
+        <a:effectStyle>
+          <a:effectLst>
+            <a:outerShdw blurRad="40000" dist="20000" dir="5400000" rotWithShape="0">
+              <a:srgbClr val="000000">
+                <a:alpha val="38000"/>
+              </a:srgbClr>
+            </a:outerShdw>
+          </a:effectLst>
+        </a:effectStyle>
+        <a:effectStyle>
+          <a:effectLst>
+            <a:outerShdw blurRad="40000" dist="23000" dir="5400000" rotWithShape="0">
+              <a:srgbClr val="000000">
+                <a:alpha val="35000"/>
+              </a:srgbClr>
+            </a:outerShdw>
+          </a:effectLst>
+        </a:effectStyle>
+        <a:effectStyle>
+          <a:effectLst>
+            <a:outerShdw blurRad="40000" dist="23000" dir="5400000" rotWithShape="0">
+              <a:srgbClr val="000000">
+                <a:alpha val="35000"/>
+              </a:srgbClr>
+            </a:outerShdw>
+          </a:effectLst>
+          <a:scene3d>
+            <a:camera prst="orthographicFront">
+              <a:rot lat="0" lon="0" rev="0"/>
+            </a:camera>
+            <a:lightRig rig="threePt" dir="t">
+              <a:rot lat="0" lon="0" rev="1200000"/>
+            </a:lightRig>
+          </a:scene3d>
+          <a:sp3d>
+            <a:bevelT w="63500" h="25400"/>
+          </a:sp3d>
+        </a:effectStyle>
+      </a:effectStyleLst>
+      <a:bgFillStyleLst>
+        <a:solidFill>
+          <a:schemeClr val="phClr"/>
+        </a:solidFill>
+        <a:gradFill rotWithShape="1">
+          <a:gsLst>
+            <a:gs pos="0">
+              <a:schemeClr val="phClr">
+                <a:tint val="40000"/>
+                <a:satMod val="350000"/>
+              </a:schemeClr>
+            </a:gs>
+            <a:gs pos="40000">
+              <a:schemeClr val="phClr">
+                <a:tint val="45000"/>
+                <a:shade val="99000"/>
+                <a:satMod val="350000"/>
+              </a:schemeClr>
+            </a:gs>
+            <a:gs pos="100000">
+              <a:schemeClr val="phClr">
+                <a:shade val="20000"/>
+                <a:satMod val="255000"/>
+              </a:schemeClr>
+            </a:gs>
+          </a:gsLst>
+          <a:path path="circle">
+            <a:fillToRect l="50000" t="-80000" r="50000" b="180000"/>
+          </a:path>
+        </a:gradFill>
+        <a:gradFill rotWithShape="1">
+          <a:gsLst>
+            <a:gs pos="0">
+              <a:schemeClr val="phClr">
+                <a:tint val="80000"/>
+                <a:satMod val="300000"/>
+              </a:schemeClr>
+            </a:gs>
+            <a:gs pos="100000">
+              <a:schemeClr val="phClr">
+                <a:shade val="30000"/>
+                <a:satMod val="200000"/>
+              </a:schemeClr>
+            </a:gs>
+          </a:gsLst>
+          <a:path path="circle">
+            <a:fillToRect l="50000" t="50000" r="50000" b="50000"/>
+          </a:path>
+        </a:gradFill>
+      </a:bgFillStyleLst>
+    </a:fmtScheme>
+  </a:themeElements>
+</a:theme>
+</file>
+
+<file path=ppt/theme/theme2.xml><?xml version="1.0" encoding="utf-8"?>
 <a:theme xmlns:a="http://schemas.openxmlformats.org/drawingml/2006/main" xmlns:r="http://schemas.openxmlformats.org/officeDocument/2006/relationships" name="Custom Theme">
   <a:themeElements>
     <a:clrScheme name="Default">
@@ -11347,283 +12836,4 @@
     </a:fmtScheme>
   </a:themeElements>
 </a:theme>
-</file>
-
-<file path=ppt/theme/theme2.xml><?xml version="1.0" encoding="utf-8"?>
-<a:theme xmlns:a="http://schemas.openxmlformats.org/drawingml/2006/main" xmlns:r="http://schemas.openxmlformats.org/officeDocument/2006/relationships" name="Simple Light">
-  <a:themeElements>
-    <a:clrScheme name="Simple Light">
-      <a:dk1>
-        <a:srgbClr val="000000"/>
-      </a:dk1>
-      <a:lt1>
-        <a:srgbClr val="FFFFFF"/>
-      </a:lt1>
-      <a:dk2>
-        <a:srgbClr val="595959"/>
-      </a:dk2>
-      <a:lt2>
-        <a:srgbClr val="EEEEEE"/>
-      </a:lt2>
-      <a:accent1>
-        <a:srgbClr val="FFAB40"/>
-      </a:accent1>
-      <a:accent2>
-        <a:srgbClr val="212121"/>
-      </a:accent2>
-      <a:accent3>
-        <a:srgbClr val="78909C"/>
-      </a:accent3>
-      <a:accent4>
-        <a:srgbClr val="FFAB40"/>
-      </a:accent4>
-      <a:accent5>
-        <a:srgbClr val="0097A7"/>
-      </a:accent5>
-      <a:accent6>
-        <a:srgbClr val="EEFF41"/>
-      </a:accent6>
-      <a:hlink>
-        <a:srgbClr val="0097A7"/>
-      </a:hlink>
-      <a:folHlink>
-        <a:srgbClr val="0097A7"/>
-      </a:folHlink>
-    </a:clrScheme>
-    <a:fontScheme name="Office">
-      <a:majorFont>
-        <a:latin typeface="Arial"/>
-        <a:ea typeface=""/>
-        <a:cs typeface=""/>
-        <a:font script="Jpan" typeface="ＭＳ Ｐゴシック"/>
-        <a:font script="Hang" typeface="맑은 고딕"/>
-        <a:font script="Hans" typeface="宋体"/>
-        <a:font script="Hant" typeface="新細明體"/>
-        <a:font script="Arab" typeface="Times New Roman"/>
-        <a:font script="Hebr" typeface="Times New Roman"/>
-        <a:font script="Thai" typeface="Angsana New"/>
-        <a:font script="Ethi" typeface="Nyala"/>
-        <a:font script="Beng" typeface="Vrinda"/>
-        <a:font script="Gujr" typeface="Shruti"/>
-        <a:font script="Khmr" typeface="MoolBoran"/>
-        <a:font script="Knda" typeface="Tunga"/>
-        <a:font script="Guru" typeface="Raavi"/>
-        <a:font script="Cans" typeface="Euphemia"/>
-        <a:font script="Cher" typeface="Plantagenet Cherokee"/>
-        <a:font script="Yiii" typeface="Microsoft Yi Baiti"/>
-        <a:font script="Tibt" typeface="Microsoft Himalaya"/>
-        <a:font script="Thaa" typeface="MV Boli"/>
-        <a:font script="Deva" typeface="Mangal"/>
-        <a:font script="Telu" typeface="Gautami"/>
-        <a:font script="Taml" typeface="Latha"/>
-        <a:font script="Syrc" typeface="Estrangelo Edessa"/>
-        <a:font script="Orya" typeface="Kalinga"/>
-        <a:font script="Mlym" typeface="Kartika"/>
-        <a:font script="Laoo" typeface="DokChampa"/>
-        <a:font script="Sinh" typeface="Iskoola Pota"/>
-        <a:font script="Mong" typeface="Mongolian Baiti"/>
-        <a:font script="Viet" typeface="Times New Roman"/>
-        <a:font script="Uigh" typeface="Microsoft Uighur"/>
-        <a:font script="Geor" typeface="Sylfaen"/>
-      </a:majorFont>
-      <a:minorFont>
-        <a:latin typeface="Arial"/>
-        <a:ea typeface=""/>
-        <a:cs typeface=""/>
-        <a:font script="Jpan" typeface="ＭＳ Ｐゴシック"/>
-        <a:font script="Hang" typeface="맑은 고딕"/>
-        <a:font script="Hans" typeface="宋体"/>
-        <a:font script="Hant" typeface="新細明體"/>
-        <a:font script="Arab" typeface="Arial"/>
-        <a:font script="Hebr" typeface="Arial"/>
-        <a:font script="Thai" typeface="Cordia New"/>
-        <a:font script="Ethi" typeface="Nyala"/>
-        <a:font script="Beng" typeface="Vrinda"/>
-        <a:font script="Gujr" typeface="Shruti"/>
-        <a:font script="Khmr" typeface="DaunPenh"/>
-        <a:font script="Knda" typeface="Tunga"/>
-        <a:font script="Guru" typeface="Raavi"/>
-        <a:font script="Cans" typeface="Euphemia"/>
-        <a:font script="Cher" typeface="Plantagenet Cherokee"/>
-        <a:font script="Yiii" typeface="Microsoft Yi Baiti"/>
-        <a:font script="Tibt" typeface="Microsoft Himalaya"/>
-        <a:font script="Thaa" typeface="MV Boli"/>
-        <a:font script="Deva" typeface="Mangal"/>
-        <a:font script="Telu" typeface="Gautami"/>
-        <a:font script="Taml" typeface="Latha"/>
-        <a:font script="Syrc" typeface="Estrangelo Edessa"/>
-        <a:font script="Orya" typeface="Kalinga"/>
-        <a:font script="Mlym" typeface="Kartika"/>
-        <a:font script="Laoo" typeface="DokChampa"/>
-        <a:font script="Sinh" typeface="Iskoola Pota"/>
-        <a:font script="Mong" typeface="Mongolian Baiti"/>
-        <a:font script="Viet" typeface="Arial"/>
-        <a:font script="Uigh" typeface="Microsoft Uighur"/>
-        <a:font script="Geor" typeface="Sylfaen"/>
-      </a:minorFont>
-    </a:fontScheme>
-    <a:fmtScheme name="Office">
-      <a:fillStyleLst>
-        <a:solidFill>
-          <a:schemeClr val="phClr"/>
-        </a:solidFill>
-        <a:gradFill rotWithShape="1">
-          <a:gsLst>
-            <a:gs pos="0">
-              <a:schemeClr val="phClr">
-                <a:tint val="50000"/>
-                <a:satMod val="300000"/>
-              </a:schemeClr>
-            </a:gs>
-            <a:gs pos="35000">
-              <a:schemeClr val="phClr">
-                <a:tint val="37000"/>
-                <a:satMod val="300000"/>
-              </a:schemeClr>
-            </a:gs>
-            <a:gs pos="100000">
-              <a:schemeClr val="phClr">
-                <a:tint val="15000"/>
-                <a:satMod val="350000"/>
-              </a:schemeClr>
-            </a:gs>
-          </a:gsLst>
-          <a:lin ang="16200000" scaled="1"/>
-        </a:gradFill>
-        <a:gradFill rotWithShape="1">
-          <a:gsLst>
-            <a:gs pos="0">
-              <a:schemeClr val="phClr">
-                <a:tint val="100000"/>
-                <a:shade val="100000"/>
-                <a:satMod val="130000"/>
-              </a:schemeClr>
-            </a:gs>
-            <a:gs pos="100000">
-              <a:schemeClr val="phClr">
-                <a:tint val="50000"/>
-                <a:shade val="100000"/>
-                <a:satMod val="350000"/>
-              </a:schemeClr>
-            </a:gs>
-          </a:gsLst>
-          <a:lin ang="16200000" scaled="0"/>
-        </a:gradFill>
-      </a:fillStyleLst>
-      <a:lnStyleLst>
-        <a:ln w="9525" cap="flat" cmpd="sng" algn="ctr">
-          <a:solidFill>
-            <a:schemeClr val="phClr">
-              <a:shade val="95000"/>
-              <a:satMod val="105000"/>
-            </a:schemeClr>
-          </a:solidFill>
-          <a:prstDash val="solid"/>
-        </a:ln>
-        <a:ln w="25400" cap="flat" cmpd="sng" algn="ctr">
-          <a:solidFill>
-            <a:schemeClr val="phClr"/>
-          </a:solidFill>
-          <a:prstDash val="solid"/>
-        </a:ln>
-        <a:ln w="38100" cap="flat" cmpd="sng" algn="ctr">
-          <a:solidFill>
-            <a:schemeClr val="phClr"/>
-          </a:solidFill>
-          <a:prstDash val="solid"/>
-        </a:ln>
-      </a:lnStyleLst>
-      <a:effectStyleLst>
-        <a:effectStyle>
-          <a:effectLst>
-            <a:outerShdw blurRad="40000" dist="20000" dir="5400000" rotWithShape="0">
-              <a:srgbClr val="000000">
-                <a:alpha val="38000"/>
-              </a:srgbClr>
-            </a:outerShdw>
-          </a:effectLst>
-        </a:effectStyle>
-        <a:effectStyle>
-          <a:effectLst>
-            <a:outerShdw blurRad="40000" dist="23000" dir="5400000" rotWithShape="0">
-              <a:srgbClr val="000000">
-                <a:alpha val="35000"/>
-              </a:srgbClr>
-            </a:outerShdw>
-          </a:effectLst>
-        </a:effectStyle>
-        <a:effectStyle>
-          <a:effectLst>
-            <a:outerShdw blurRad="40000" dist="23000" dir="5400000" rotWithShape="0">
-              <a:srgbClr val="000000">
-                <a:alpha val="35000"/>
-              </a:srgbClr>
-            </a:outerShdw>
-          </a:effectLst>
-          <a:scene3d>
-            <a:camera prst="orthographicFront">
-              <a:rot lat="0" lon="0" rev="0"/>
-            </a:camera>
-            <a:lightRig rig="threePt" dir="t">
-              <a:rot lat="0" lon="0" rev="1200000"/>
-            </a:lightRig>
-          </a:scene3d>
-          <a:sp3d>
-            <a:bevelT w="63500" h="25400"/>
-          </a:sp3d>
-        </a:effectStyle>
-      </a:effectStyleLst>
-      <a:bgFillStyleLst>
-        <a:solidFill>
-          <a:schemeClr val="phClr"/>
-        </a:solidFill>
-        <a:gradFill rotWithShape="1">
-          <a:gsLst>
-            <a:gs pos="0">
-              <a:schemeClr val="phClr">
-                <a:tint val="40000"/>
-                <a:satMod val="350000"/>
-              </a:schemeClr>
-            </a:gs>
-            <a:gs pos="40000">
-              <a:schemeClr val="phClr">
-                <a:tint val="45000"/>
-                <a:shade val="99000"/>
-                <a:satMod val="350000"/>
-              </a:schemeClr>
-            </a:gs>
-            <a:gs pos="100000">
-              <a:schemeClr val="phClr">
-                <a:shade val="20000"/>
-                <a:satMod val="255000"/>
-              </a:schemeClr>
-            </a:gs>
-          </a:gsLst>
-          <a:path path="circle">
-            <a:fillToRect l="50000" t="-80000" r="50000" b="180000"/>
-          </a:path>
-        </a:gradFill>
-        <a:gradFill rotWithShape="1">
-          <a:gsLst>
-            <a:gs pos="0">
-              <a:schemeClr val="phClr">
-                <a:tint val="80000"/>
-                <a:satMod val="300000"/>
-              </a:schemeClr>
-            </a:gs>
-            <a:gs pos="100000">
-              <a:schemeClr val="phClr">
-                <a:shade val="30000"/>
-                <a:satMod val="200000"/>
-              </a:schemeClr>
-            </a:gs>
-          </a:gsLst>
-          <a:path path="circle">
-            <a:fillToRect l="50000" t="50000" r="50000" b="50000"/>
-          </a:path>
-        </a:gradFill>
-      </a:bgFillStyleLst>
-    </a:fmtScheme>
-  </a:themeElements>
-</a:theme>
 </file>